--- a/jskim/키워드 기반 리스팅 최적화 에이전트 - 구현파트.pptx
+++ b/jskim/키워드 기반 리스팅 최적화 에이전트 - 구현파트.pptx
@@ -8,9 +8,14 @@
     <p:sldId id="256" r:id="rId2"/>
     <p:sldId id="257" r:id="rId3"/>
     <p:sldId id="258" r:id="rId4"/>
-    <p:sldId id="259" r:id="rId5"/>
-    <p:sldId id="260" r:id="rId6"/>
-    <p:sldId id="261" r:id="rId7"/>
+    <p:sldId id="262" r:id="rId5"/>
+    <p:sldId id="259" r:id="rId6"/>
+    <p:sldId id="260" r:id="rId7"/>
+    <p:sldId id="263" r:id="rId8"/>
+    <p:sldId id="265" r:id="rId9"/>
+    <p:sldId id="266" r:id="rId10"/>
+    <p:sldId id="267" r:id="rId11"/>
+    <p:sldId id="261" r:id="rId12"/>
   </p:sldIdLst>
   <p:sldSz cx="12192000" cy="6858000"/>
   <p:notesSz cx="6858000" cy="9144000"/>
@@ -109,6 +114,11 @@
       </a:defRPr>
     </a:lvl9pPr>
   </p:defaultTextStyle>
+  <p:extLst>
+    <p:ext uri="{EFAFB233-063F-42B5-8137-9DF3F51BA10A}">
+      <p15:sldGuideLst xmlns:p15="http://schemas.microsoft.com/office/powerpoint/2012/main"/>
+    </p:ext>
+  </p:extLst>
 </p:presentation>
 </file>
 
@@ -259,7 +269,7 @@
           <a:p>
             <a:fld id="{0C74E895-7DF5-46FA-8B53-8A6BB0249C06}" type="datetimeFigureOut">
               <a:rPr lang="ko-KR" altLang="en-US" smtClean="0"/>
-              <a:t>2025-09-25</a:t>
+              <a:t>2025-09-26</a:t>
             </a:fld>
             <a:endParaRPr lang="ko-KR" altLang="en-US"/>
           </a:p>
@@ -457,7 +467,7 @@
           <a:p>
             <a:fld id="{0C74E895-7DF5-46FA-8B53-8A6BB0249C06}" type="datetimeFigureOut">
               <a:rPr lang="ko-KR" altLang="en-US" smtClean="0"/>
-              <a:t>2025-09-25</a:t>
+              <a:t>2025-09-26</a:t>
             </a:fld>
             <a:endParaRPr lang="ko-KR" altLang="en-US"/>
           </a:p>
@@ -665,7 +675,7 @@
           <a:p>
             <a:fld id="{0C74E895-7DF5-46FA-8B53-8A6BB0249C06}" type="datetimeFigureOut">
               <a:rPr lang="ko-KR" altLang="en-US" smtClean="0"/>
-              <a:t>2025-09-25</a:t>
+              <a:t>2025-09-26</a:t>
             </a:fld>
             <a:endParaRPr lang="ko-KR" altLang="en-US"/>
           </a:p>
@@ -863,7 +873,7 @@
           <a:p>
             <a:fld id="{0C74E895-7DF5-46FA-8B53-8A6BB0249C06}" type="datetimeFigureOut">
               <a:rPr lang="ko-KR" altLang="en-US" smtClean="0"/>
-              <a:t>2025-09-25</a:t>
+              <a:t>2025-09-26</a:t>
             </a:fld>
             <a:endParaRPr lang="ko-KR" altLang="en-US"/>
           </a:p>
@@ -1138,7 +1148,7 @@
           <a:p>
             <a:fld id="{0C74E895-7DF5-46FA-8B53-8A6BB0249C06}" type="datetimeFigureOut">
               <a:rPr lang="ko-KR" altLang="en-US" smtClean="0"/>
-              <a:t>2025-09-25</a:t>
+              <a:t>2025-09-26</a:t>
             </a:fld>
             <a:endParaRPr lang="ko-KR" altLang="en-US"/>
           </a:p>
@@ -1403,7 +1413,7 @@
           <a:p>
             <a:fld id="{0C74E895-7DF5-46FA-8B53-8A6BB0249C06}" type="datetimeFigureOut">
               <a:rPr lang="ko-KR" altLang="en-US" smtClean="0"/>
-              <a:t>2025-09-25</a:t>
+              <a:t>2025-09-26</a:t>
             </a:fld>
             <a:endParaRPr lang="ko-KR" altLang="en-US"/>
           </a:p>
@@ -1815,7 +1825,7 @@
           <a:p>
             <a:fld id="{0C74E895-7DF5-46FA-8B53-8A6BB0249C06}" type="datetimeFigureOut">
               <a:rPr lang="ko-KR" altLang="en-US" smtClean="0"/>
-              <a:t>2025-09-25</a:t>
+              <a:t>2025-09-26</a:t>
             </a:fld>
             <a:endParaRPr lang="ko-KR" altLang="en-US"/>
           </a:p>
@@ -1956,7 +1966,7 @@
           <a:p>
             <a:fld id="{0C74E895-7DF5-46FA-8B53-8A6BB0249C06}" type="datetimeFigureOut">
               <a:rPr lang="ko-KR" altLang="en-US" smtClean="0"/>
-              <a:t>2025-09-25</a:t>
+              <a:t>2025-09-26</a:t>
             </a:fld>
             <a:endParaRPr lang="ko-KR" altLang="en-US"/>
           </a:p>
@@ -2069,7 +2079,7 @@
           <a:p>
             <a:fld id="{0C74E895-7DF5-46FA-8B53-8A6BB0249C06}" type="datetimeFigureOut">
               <a:rPr lang="ko-KR" altLang="en-US" smtClean="0"/>
-              <a:t>2025-09-25</a:t>
+              <a:t>2025-09-26</a:t>
             </a:fld>
             <a:endParaRPr lang="ko-KR" altLang="en-US"/>
           </a:p>
@@ -2380,7 +2390,7 @@
           <a:p>
             <a:fld id="{0C74E895-7DF5-46FA-8B53-8A6BB0249C06}" type="datetimeFigureOut">
               <a:rPr lang="ko-KR" altLang="en-US" smtClean="0"/>
-              <a:t>2025-09-25</a:t>
+              <a:t>2025-09-26</a:t>
             </a:fld>
             <a:endParaRPr lang="ko-KR" altLang="en-US"/>
           </a:p>
@@ -2668,7 +2678,7 @@
           <a:p>
             <a:fld id="{0C74E895-7DF5-46FA-8B53-8A6BB0249C06}" type="datetimeFigureOut">
               <a:rPr lang="ko-KR" altLang="en-US" smtClean="0"/>
-              <a:t>2025-09-25</a:t>
+              <a:t>2025-09-26</a:t>
             </a:fld>
             <a:endParaRPr lang="ko-KR" altLang="en-US"/>
           </a:p>
@@ -2909,7 +2919,7 @@
           <a:p>
             <a:fld id="{0C74E895-7DF5-46FA-8B53-8A6BB0249C06}" type="datetimeFigureOut">
               <a:rPr lang="ko-KR" altLang="en-US" smtClean="0"/>
-              <a:t>2025-09-25</a:t>
+              <a:t>2025-09-26</a:t>
             </a:fld>
             <a:endParaRPr lang="ko-KR" altLang="en-US"/>
           </a:p>
@@ -3408,6 +3418,355 @@
 </p:sld>
 </file>
 
+<file path=ppt/slides/slide10.xml><?xml version="1.0" encoding="utf-8"?>
+<p:sld xmlns:a="http://schemas.openxmlformats.org/drawingml/2006/main" xmlns:r="http://schemas.openxmlformats.org/officeDocument/2006/relationships" xmlns:p="http://schemas.openxmlformats.org/presentationml/2006/main">
+  <p:cSld>
+    <p:spTree>
+      <p:nvGrpSpPr>
+        <p:cNvPr id="1" name=""/>
+        <p:cNvGrpSpPr/>
+        <p:nvPr/>
+      </p:nvGrpSpPr>
+      <p:grpSpPr>
+        <a:xfrm>
+          <a:off x="0" y="0"/>
+          <a:ext cx="0" cy="0"/>
+          <a:chOff x="0" y="0"/>
+          <a:chExt cx="0" cy="0"/>
+        </a:xfrm>
+      </p:grpSpPr>
+      <p:sp>
+        <p:nvSpPr>
+          <p:cNvPr id="2" name="제목 1">
+            <a:extLst>
+              <a:ext uri="{FF2B5EF4-FFF2-40B4-BE49-F238E27FC236}">
+                <a16:creationId xmlns:a16="http://schemas.microsoft.com/office/drawing/2014/main" id="{9C40A3A3-BF9F-20A7-B25B-6E1DA9ED0AD7}"/>
+              </a:ext>
+            </a:extLst>
+          </p:cNvPr>
+          <p:cNvSpPr>
+            <a:spLocks noGrp="1"/>
+          </p:cNvSpPr>
+          <p:nvPr>
+            <p:ph type="title"/>
+          </p:nvPr>
+        </p:nvSpPr>
+        <p:spPr/>
+        <p:txBody>
+          <a:bodyPr/>
+          <a:lstStyle/>
+          <a:p>
+            <a:r>
+              <a:rPr lang="en-US" altLang="ko-KR" dirty="0"/>
+              <a:t>results</a:t>
+            </a:r>
+            <a:endParaRPr lang="ko-KR" altLang="en-US" dirty="0"/>
+          </a:p>
+        </p:txBody>
+      </p:sp>
+      <p:sp>
+        <p:nvSpPr>
+          <p:cNvPr id="3" name="내용 개체 틀 2">
+            <a:extLst>
+              <a:ext uri="{FF2B5EF4-FFF2-40B4-BE49-F238E27FC236}">
+                <a16:creationId xmlns:a16="http://schemas.microsoft.com/office/drawing/2014/main" id="{ED20A178-7251-0386-4564-4A299D455FFD}"/>
+              </a:ext>
+            </a:extLst>
+          </p:cNvPr>
+          <p:cNvSpPr>
+            <a:spLocks noGrp="1"/>
+          </p:cNvSpPr>
+          <p:nvPr>
+            <p:ph idx="1"/>
+          </p:nvPr>
+        </p:nvSpPr>
+        <p:spPr/>
+        <p:txBody>
+          <a:bodyPr/>
+          <a:lstStyle/>
+          <a:p>
+            <a:r>
+              <a:rPr lang="ko-KR" altLang="en-US" dirty="0"/>
+              <a:t>최종 </a:t>
+            </a:r>
+            <a:r>
+              <a:rPr lang="ko-KR" altLang="en-US" dirty="0" err="1"/>
+              <a:t>리스팅을</a:t>
+            </a:r>
+            <a:r>
+              <a:rPr lang="ko-KR" altLang="en-US" dirty="0"/>
+              <a:t> 한눈에 보기 쉽게 배열 후</a:t>
+            </a:r>
+            <a:r>
+              <a:rPr lang="en-US" altLang="ko-KR" dirty="0"/>
+              <a:t>, </a:t>
+            </a:r>
+            <a:r>
+              <a:rPr lang="ko-KR" altLang="en-US" dirty="0"/>
+              <a:t>저장 버튼을 통해 </a:t>
+            </a:r>
+            <a:r>
+              <a:rPr lang="en-US" altLang="ko-KR" dirty="0"/>
+              <a:t>txt</a:t>
+            </a:r>
+            <a:r>
+              <a:rPr lang="ko-KR" altLang="en-US" dirty="0"/>
+              <a:t>로 실제 </a:t>
+            </a:r>
+            <a:r>
+              <a:rPr lang="ko-KR" altLang="en-US" dirty="0" err="1"/>
+              <a:t>리스팅</a:t>
+            </a:r>
+            <a:r>
+              <a:rPr lang="ko-KR" altLang="en-US" dirty="0"/>
+              <a:t> 및 정보를 제공함</a:t>
+            </a:r>
+            <a:endParaRPr lang="en-US" altLang="ko-KR" dirty="0"/>
+          </a:p>
+          <a:p>
+            <a:endParaRPr lang="ko-KR" altLang="en-US" dirty="0"/>
+          </a:p>
+        </p:txBody>
+      </p:sp>
+      <p:pic>
+        <p:nvPicPr>
+          <p:cNvPr id="5" name="그림 4">
+            <a:extLst>
+              <a:ext uri="{FF2B5EF4-FFF2-40B4-BE49-F238E27FC236}">
+                <a16:creationId xmlns:a16="http://schemas.microsoft.com/office/drawing/2014/main" id="{BAB05D6E-7040-15B4-528A-4541CBEFFF8B}"/>
+              </a:ext>
+            </a:extLst>
+          </p:cNvPr>
+          <p:cNvPicPr>
+            <a:picLocks noChangeAspect="1"/>
+          </p:cNvPicPr>
+          <p:nvPr/>
+        </p:nvPicPr>
+        <p:blipFill>
+          <a:blip r:embed="rId2">
+            <a:extLst>
+              <a:ext uri="{28A0092B-C50C-407E-A947-70E740481C1C}">
+                <a14:useLocalDpi xmlns:a14="http://schemas.microsoft.com/office/drawing/2010/main" val="0"/>
+              </a:ext>
+            </a:extLst>
+          </a:blip>
+          <a:stretch>
+            <a:fillRect/>
+          </a:stretch>
+        </p:blipFill>
+        <p:spPr>
+          <a:xfrm>
+            <a:off x="4486275" y="2346008"/>
+            <a:ext cx="7705725" cy="4141827"/>
+          </a:xfrm>
+          <a:prstGeom prst="rect">
+            <a:avLst/>
+          </a:prstGeom>
+        </p:spPr>
+      </p:pic>
+    </p:spTree>
+    <p:extLst>
+      <p:ext uri="{BB962C8B-B14F-4D97-AF65-F5344CB8AC3E}">
+        <p14:creationId xmlns:p14="http://schemas.microsoft.com/office/powerpoint/2010/main" val="1418279888"/>
+      </p:ext>
+    </p:extLst>
+  </p:cSld>
+  <p:clrMapOvr>
+    <a:masterClrMapping/>
+  </p:clrMapOvr>
+</p:sld>
+</file>
+
+<file path=ppt/slides/slide11.xml><?xml version="1.0" encoding="utf-8"?>
+<p:sld xmlns:a="http://schemas.openxmlformats.org/drawingml/2006/main" xmlns:r="http://schemas.openxmlformats.org/officeDocument/2006/relationships" xmlns:p="http://schemas.openxmlformats.org/presentationml/2006/main">
+  <p:cSld>
+    <p:spTree>
+      <p:nvGrpSpPr>
+        <p:cNvPr id="1" name=""/>
+        <p:cNvGrpSpPr/>
+        <p:nvPr/>
+      </p:nvGrpSpPr>
+      <p:grpSpPr>
+        <a:xfrm>
+          <a:off x="0" y="0"/>
+          <a:ext cx="0" cy="0"/>
+          <a:chOff x="0" y="0"/>
+          <a:chExt cx="0" cy="0"/>
+        </a:xfrm>
+      </p:grpSpPr>
+      <p:sp>
+        <p:nvSpPr>
+          <p:cNvPr id="2" name="제목 1">
+            <a:extLst>
+              <a:ext uri="{FF2B5EF4-FFF2-40B4-BE49-F238E27FC236}">
+                <a16:creationId xmlns:a16="http://schemas.microsoft.com/office/drawing/2014/main" id="{804C2EBF-1F2D-DFBE-D27C-0A844C1C94BD}"/>
+              </a:ext>
+            </a:extLst>
+          </p:cNvPr>
+          <p:cNvSpPr>
+            <a:spLocks noGrp="1"/>
+          </p:cNvSpPr>
+          <p:nvPr>
+            <p:ph type="title"/>
+          </p:nvPr>
+        </p:nvSpPr>
+        <p:spPr/>
+        <p:txBody>
+          <a:bodyPr/>
+          <a:lstStyle/>
+          <a:p>
+            <a:r>
+              <a:rPr lang="ko-KR" altLang="en-US" dirty="0"/>
+              <a:t>기술 선택</a:t>
+            </a:r>
+          </a:p>
+        </p:txBody>
+      </p:sp>
+      <p:sp>
+        <p:nvSpPr>
+          <p:cNvPr id="3" name="내용 개체 틀 2">
+            <a:extLst>
+              <a:ext uri="{FF2B5EF4-FFF2-40B4-BE49-F238E27FC236}">
+                <a16:creationId xmlns:a16="http://schemas.microsoft.com/office/drawing/2014/main" id="{37246569-EE18-AE13-6937-BDCCFFF11F7D}"/>
+              </a:ext>
+            </a:extLst>
+          </p:cNvPr>
+          <p:cNvSpPr>
+            <a:spLocks noGrp="1"/>
+          </p:cNvSpPr>
+          <p:nvPr>
+            <p:ph idx="1"/>
+          </p:nvPr>
+        </p:nvSpPr>
+        <p:spPr/>
+        <p:txBody>
+          <a:bodyPr/>
+          <a:lstStyle/>
+          <a:p>
+            <a:r>
+              <a:rPr lang="en-US" altLang="ko-KR" dirty="0"/>
+              <a:t>Python – </a:t>
+            </a:r>
+            <a:r>
+              <a:rPr lang="ko-KR" altLang="en-US" dirty="0"/>
+              <a:t>프로그램 기반 언어</a:t>
+            </a:r>
+            <a:endParaRPr lang="en-US" altLang="ko-KR" dirty="0"/>
+          </a:p>
+          <a:p>
+            <a:r>
+              <a:rPr lang="en-US" altLang="ko-KR" dirty="0"/>
+              <a:t>LLM(</a:t>
+            </a:r>
+            <a:r>
+              <a:rPr lang="en-US" altLang="ko-KR" dirty="0" err="1"/>
+              <a:t>gpt</a:t>
+            </a:r>
+            <a:r>
+              <a:rPr lang="en-US" altLang="ko-KR" dirty="0"/>
+              <a:t>) – </a:t>
+            </a:r>
+            <a:r>
+              <a:rPr lang="ko-KR" altLang="en-US" dirty="0"/>
+              <a:t>답변 생성용</a:t>
+            </a:r>
+            <a:endParaRPr lang="en-US" altLang="ko-KR" dirty="0"/>
+          </a:p>
+          <a:p>
+            <a:r>
+              <a:rPr lang="en-US" altLang="ko-KR" dirty="0"/>
+              <a:t>LangGraph – </a:t>
+            </a:r>
+            <a:r>
+              <a:rPr lang="ko-KR" altLang="en-US" dirty="0"/>
+              <a:t>전체 구조 생성용</a:t>
+            </a:r>
+            <a:endParaRPr lang="en-US" altLang="ko-KR" dirty="0"/>
+          </a:p>
+          <a:p>
+            <a:r>
+              <a:rPr lang="en-US" altLang="ko-KR" dirty="0" err="1"/>
+              <a:t>Streamlit</a:t>
+            </a:r>
+            <a:r>
+              <a:rPr lang="en-US" altLang="ko-KR" dirty="0"/>
+              <a:t> – UI </a:t>
+            </a:r>
+            <a:r>
+              <a:rPr lang="ko-KR" altLang="en-US" dirty="0"/>
+              <a:t>작업</a:t>
+            </a:r>
+            <a:endParaRPr lang="en-US" altLang="ko-KR" dirty="0"/>
+          </a:p>
+          <a:p>
+            <a:r>
+              <a:rPr lang="en-US" altLang="ko-KR" dirty="0" err="1"/>
+              <a:t>Sklearn</a:t>
+            </a:r>
+            <a:r>
+              <a:rPr lang="en-US" altLang="ko-KR" dirty="0"/>
+              <a:t> – </a:t>
+            </a:r>
+            <a:r>
+              <a:rPr lang="ko-KR" altLang="en-US" dirty="0"/>
+              <a:t>데이터 정규화</a:t>
+            </a:r>
+            <a:endParaRPr lang="en-US" altLang="ko-KR" dirty="0"/>
+          </a:p>
+          <a:p>
+            <a:endParaRPr lang="ko-KR" altLang="en-US" dirty="0"/>
+          </a:p>
+        </p:txBody>
+      </p:sp>
+      <p:pic>
+        <p:nvPicPr>
+          <p:cNvPr id="9" name="그림 8">
+            <a:extLst>
+              <a:ext uri="{FF2B5EF4-FFF2-40B4-BE49-F238E27FC236}">
+                <a16:creationId xmlns:a16="http://schemas.microsoft.com/office/drawing/2014/main" id="{F96B8427-C6E3-35F9-DB86-27278D713A8D}"/>
+              </a:ext>
+            </a:extLst>
+          </p:cNvPr>
+          <p:cNvPicPr>
+            <a:picLocks noChangeAspect="1"/>
+          </p:cNvPicPr>
+          <p:nvPr/>
+        </p:nvPicPr>
+        <p:blipFill>
+          <a:blip r:embed="rId2">
+            <a:extLst>
+              <a:ext uri="{28A0092B-C50C-407E-A947-70E740481C1C}">
+                <a14:useLocalDpi xmlns:a14="http://schemas.microsoft.com/office/drawing/2010/main" val="0"/>
+              </a:ext>
+            </a:extLst>
+          </a:blip>
+          <a:stretch>
+            <a:fillRect/>
+          </a:stretch>
+        </p:blipFill>
+        <p:spPr>
+          <a:xfrm>
+            <a:off x="5935265" y="0"/>
+            <a:ext cx="5979319" cy="6858000"/>
+          </a:xfrm>
+          <a:prstGeom prst="rect">
+            <a:avLst/>
+          </a:prstGeom>
+        </p:spPr>
+      </p:pic>
+    </p:spTree>
+    <p:extLst>
+      <p:ext uri="{BB962C8B-B14F-4D97-AF65-F5344CB8AC3E}">
+        <p14:creationId xmlns:p14="http://schemas.microsoft.com/office/powerpoint/2010/main" val="2973692715"/>
+      </p:ext>
+    </p:extLst>
+  </p:cSld>
+  <p:clrMapOvr>
+    <a:masterClrMapping/>
+  </p:clrMapOvr>
+</p:sld>
+</file>
+
 <file path=ppt/slides/slide2.xml><?xml version="1.0" encoding="utf-8"?>
 <p:sld xmlns:a="http://schemas.openxmlformats.org/drawingml/2006/main" xmlns:r="http://schemas.openxmlformats.org/officeDocument/2006/relationships" xmlns:p="http://schemas.openxmlformats.org/presentationml/2006/main">
   <p:cSld>
@@ -3520,6 +3879,42 @@
           </a:p>
         </p:txBody>
       </p:sp>
+      <p:pic>
+        <p:nvPicPr>
+          <p:cNvPr id="8" name="그림 7">
+            <a:extLst>
+              <a:ext uri="{FF2B5EF4-FFF2-40B4-BE49-F238E27FC236}">
+                <a16:creationId xmlns:a16="http://schemas.microsoft.com/office/drawing/2014/main" id="{C24A3890-1247-E45E-7472-0BDE511AD0BD}"/>
+              </a:ext>
+            </a:extLst>
+          </p:cNvPr>
+          <p:cNvPicPr>
+            <a:picLocks noChangeAspect="1"/>
+          </p:cNvPicPr>
+          <p:nvPr/>
+        </p:nvPicPr>
+        <p:blipFill>
+          <a:blip r:embed="rId2">
+            <a:extLst>
+              <a:ext uri="{28A0092B-C50C-407E-A947-70E740481C1C}">
+                <a14:useLocalDpi xmlns:a14="http://schemas.microsoft.com/office/drawing/2010/main" val="0"/>
+              </a:ext>
+            </a:extLst>
+          </a:blip>
+          <a:stretch>
+            <a:fillRect/>
+          </a:stretch>
+        </p:blipFill>
+        <p:spPr>
+          <a:xfrm>
+            <a:off x="3700535" y="2174426"/>
+            <a:ext cx="5272015" cy="4318449"/>
+          </a:xfrm>
+          <a:prstGeom prst="rect">
+            <a:avLst/>
+          </a:prstGeom>
+        </p:spPr>
+      </p:pic>
     </p:spTree>
     <p:extLst>
       <p:ext uri="{BB962C8B-B14F-4D97-AF65-F5344CB8AC3E}">
@@ -3573,9 +3968,16 @@
           <a:p>
             <a:r>
               <a:rPr lang="en-US" altLang="ko-KR" dirty="0"/>
-              <a:t>MVP</a:t>
-            </a:r>
-            <a:endParaRPr lang="ko-KR" altLang="en-US" dirty="0"/>
+              <a:t>MVP / </a:t>
+            </a:r>
+            <a:r>
+              <a:rPr lang="ko-KR" altLang="en-US" dirty="0" err="1"/>
+              <a:t>리스팅</a:t>
+            </a:r>
+            <a:r>
+              <a:rPr lang="ko-KR" altLang="en-US" dirty="0"/>
+              <a:t> 초안 생성 과정</a:t>
+            </a:r>
           </a:p>
         </p:txBody>
       </p:sp>
@@ -3675,6 +4077,43 @@
           </a:p>
         </p:txBody>
       </p:sp>
+      <p:pic>
+        <p:nvPicPr>
+          <p:cNvPr id="6" name="그림 5">
+            <a:extLst>
+              <a:ext uri="{FF2B5EF4-FFF2-40B4-BE49-F238E27FC236}">
+                <a16:creationId xmlns:a16="http://schemas.microsoft.com/office/drawing/2014/main" id="{159B8951-0F17-A8CB-FB67-CF37B159CBF3}"/>
+              </a:ext>
+            </a:extLst>
+          </p:cNvPr>
+          <p:cNvPicPr>
+            <a:picLocks noChangeAspect="1"/>
+          </p:cNvPicPr>
+          <p:nvPr/>
+        </p:nvPicPr>
+        <p:blipFill>
+          <a:blip r:embed="rId2">
+            <a:extLst>
+              <a:ext uri="{28A0092B-C50C-407E-A947-70E740481C1C}">
+                <a14:useLocalDpi xmlns:a14="http://schemas.microsoft.com/office/drawing/2010/main" val="0"/>
+              </a:ext>
+            </a:extLst>
+          </a:blip>
+          <a:srcRect l="69571"/>
+          <a:stretch>
+            <a:fillRect/>
+          </a:stretch>
+        </p:blipFill>
+        <p:spPr>
+          <a:xfrm>
+            <a:off x="9582150" y="0"/>
+            <a:ext cx="2191875" cy="6858000"/>
+          </a:xfrm>
+          <a:prstGeom prst="rect">
+            <a:avLst/>
+          </a:prstGeom>
+        </p:spPr>
+      </p:pic>
     </p:spTree>
     <p:extLst>
       <p:ext uri="{BB962C8B-B14F-4D97-AF65-F5344CB8AC3E}">
@@ -3710,7 +4149,7 @@
           <p:cNvPr id="2" name="제목 1">
             <a:extLst>
               <a:ext uri="{FF2B5EF4-FFF2-40B4-BE49-F238E27FC236}">
-                <a16:creationId xmlns:a16="http://schemas.microsoft.com/office/drawing/2014/main" id="{3153BEC9-4244-8DD8-EC65-E00AEF65AC45}"/>
+                <a16:creationId xmlns:a16="http://schemas.microsoft.com/office/drawing/2014/main" id="{B12E149C-FE37-5D18-C684-D0554FF6D91A}"/>
               </a:ext>
             </a:extLst>
           </p:cNvPr>
@@ -3727,17 +4166,26 @@
           <a:lstStyle/>
           <a:p>
             <a:r>
-              <a:rPr lang="ko-KR" altLang="en-US" dirty="0"/>
-              <a:t>유저 피드백 파트 </a:t>
-            </a:r>
-            <a:r>
               <a:rPr lang="en-US" altLang="ko-KR" dirty="0"/>
-              <a:t>/ </a:t>
-            </a:r>
-            <a:r>
-              <a:rPr lang="ko-KR" altLang="en-US" dirty="0"/>
-              <a:t>검증 구현</a:t>
-            </a:r>
+              <a:t>CSV</a:t>
+            </a:r>
+            <a:r>
+              <a:rPr lang="ko-KR" altLang="en-US" dirty="0"/>
+              <a:t>를 </a:t>
+            </a:r>
+            <a:r>
+              <a:rPr lang="ko-KR" altLang="en-US" dirty="0" err="1"/>
+              <a:t>데이터프레임화해서</a:t>
+            </a:r>
+            <a:r>
+              <a:rPr lang="ko-KR" altLang="en-US" dirty="0"/>
+              <a:t> </a:t>
+            </a:r>
+            <a:r>
+              <a:rPr lang="ko-KR" altLang="en-US" dirty="0" err="1"/>
+              <a:t>넣을곳</a:t>
+            </a:r>
+            <a:endParaRPr lang="ko-KR" altLang="en-US" dirty="0"/>
           </a:p>
         </p:txBody>
       </p:sp>
@@ -3746,7 +4194,7 @@
           <p:cNvPr id="3" name="내용 개체 틀 2">
             <a:extLst>
               <a:ext uri="{FF2B5EF4-FFF2-40B4-BE49-F238E27FC236}">
-                <a16:creationId xmlns:a16="http://schemas.microsoft.com/office/drawing/2014/main" id="{13B1B412-EC68-1A4E-BBFA-7B349B2D6326}"/>
+                <a16:creationId xmlns:a16="http://schemas.microsoft.com/office/drawing/2014/main" id="{4F02E1B3-FB73-53A3-1FA0-CA7872CC6E4A}"/>
               </a:ext>
             </a:extLst>
           </p:cNvPr>
@@ -3763,136 +4211,12 @@
           <a:lstStyle/>
           <a:p>
             <a:r>
-              <a:rPr lang="ko-KR" altLang="en-US" dirty="0"/>
-              <a:t>구현 로직</a:t>
-            </a:r>
-            <a:endParaRPr lang="en-US" altLang="ko-KR" dirty="0"/>
-          </a:p>
-          <a:p>
-            <a:pPr lvl="1"/>
-            <a:r>
-              <a:rPr lang="ko-KR" altLang="en-US" dirty="0"/>
-              <a:t>피드백을 각 파트별로 쪼개서 저장</a:t>
-            </a:r>
-            <a:endParaRPr lang="en-US" altLang="ko-KR" dirty="0"/>
-          </a:p>
-          <a:p>
-            <a:pPr lvl="1"/>
-            <a:r>
-              <a:rPr lang="ko-KR" altLang="en-US" dirty="0"/>
-              <a:t>파트별로 피드백이 있다면 </a:t>
-            </a:r>
-            <a:r>
-              <a:rPr lang="en-US" altLang="ko-KR" dirty="0"/>
-              <a:t>regenerate</a:t>
-            </a:r>
-            <a:r>
-              <a:rPr lang="ko-KR" altLang="en-US" dirty="0"/>
-              <a:t>를 돌리고</a:t>
-            </a:r>
-            <a:r>
-              <a:rPr lang="en-US" altLang="ko-KR" dirty="0"/>
-              <a:t>, </a:t>
-            </a:r>
-            <a:r>
-              <a:rPr lang="ko-KR" altLang="en-US" dirty="0"/>
-              <a:t>피드백을 지우고 </a:t>
-            </a:r>
-            <a:r>
-              <a:rPr lang="en-US" altLang="ko-KR" dirty="0" err="1"/>
-              <a:t>feedback_check</a:t>
-            </a:r>
-            <a:r>
-              <a:rPr lang="ko-KR" altLang="en-US" dirty="0"/>
-              <a:t>로 </a:t>
-            </a:r>
-            <a:r>
               <a:rPr lang="ko-KR" altLang="en-US" dirty="0" err="1"/>
-              <a:t>돌아감</a:t>
-            </a:r>
-            <a:endParaRPr lang="en-US" altLang="ko-KR" dirty="0"/>
-          </a:p>
-          <a:p>
-            <a:pPr lvl="1"/>
-            <a:r>
-              <a:rPr lang="ko-KR" altLang="en-US" dirty="0"/>
-              <a:t>피드백이 없다면 </a:t>
-            </a:r>
-            <a:r>
-              <a:rPr lang="en-US" altLang="ko-KR" dirty="0"/>
-              <a:t>END</a:t>
-            </a:r>
-          </a:p>
-          <a:p>
-            <a:pPr lvl="1"/>
-            <a:endParaRPr lang="en-US" altLang="ko-KR" dirty="0"/>
-          </a:p>
-          <a:p>
-            <a:r>
-              <a:rPr lang="ko-KR" altLang="en-US" dirty="0"/>
-              <a:t>다시 </a:t>
-            </a:r>
-            <a:r>
-              <a:rPr lang="en-US" altLang="ko-KR" dirty="0"/>
-              <a:t>user input</a:t>
-            </a:r>
-            <a:r>
-              <a:rPr lang="ko-KR" altLang="en-US" dirty="0"/>
-              <a:t>을 받고</a:t>
-            </a:r>
-            <a:r>
-              <a:rPr lang="en-US" altLang="ko-KR" dirty="0"/>
-              <a:t>, </a:t>
-            </a:r>
-            <a:r>
-              <a:rPr lang="ko-KR" altLang="en-US" dirty="0"/>
-              <a:t>피드백이 없을 때까지 피드백을 받음</a:t>
-            </a:r>
-            <a:endParaRPr lang="en-US" altLang="ko-KR" dirty="0"/>
-          </a:p>
-          <a:p>
-            <a:endParaRPr lang="en-US" altLang="ko-KR" dirty="0"/>
-          </a:p>
-          <a:p>
-            <a:r>
-              <a:rPr lang="en-US" altLang="ko-KR" dirty="0"/>
-              <a:t>(</a:t>
-            </a:r>
-            <a:r>
-              <a:rPr lang="ko-KR" altLang="en-US" dirty="0"/>
-              <a:t>있다면</a:t>
-            </a:r>
-            <a:r>
-              <a:rPr lang="en-US" altLang="ko-KR" dirty="0"/>
-              <a:t>) </a:t>
-            </a:r>
-            <a:r>
-              <a:rPr lang="ko-KR" altLang="en-US" dirty="0"/>
-              <a:t>받은 </a:t>
-            </a:r>
-            <a:r>
-              <a:rPr lang="en-US" altLang="ko-KR" dirty="0"/>
-              <a:t>pdf</a:t>
-            </a:r>
-            <a:r>
-              <a:rPr lang="ko-KR" altLang="en-US" dirty="0"/>
-              <a:t>로 </a:t>
-            </a:r>
-            <a:r>
-              <a:rPr lang="ko-KR" altLang="en-US" dirty="0" err="1"/>
-              <a:t>리스팅</a:t>
-            </a:r>
-            <a:r>
-              <a:rPr lang="ko-KR" altLang="en-US" dirty="0"/>
-              <a:t> 내용 검증</a:t>
-            </a:r>
-            <a:r>
-              <a:rPr lang="en-US" altLang="ko-KR" dirty="0"/>
-              <a:t>, </a:t>
-            </a:r>
-            <a:r>
-              <a:rPr lang="ko-KR" altLang="en-US" dirty="0"/>
-              <a:t>사실과 다른 부분을 수정</a:t>
+              <a:t>변화하는거</a:t>
+            </a:r>
+            <a:r>
+              <a:rPr lang="ko-KR" altLang="en-US" dirty="0"/>
+              <a:t> 보여주면 됨</a:t>
             </a:r>
           </a:p>
         </p:txBody>
@@ -3900,7 +4224,7 @@
     </p:spTree>
     <p:extLst>
       <p:ext uri="{BB962C8B-B14F-4D97-AF65-F5344CB8AC3E}">
-        <p14:creationId xmlns:p14="http://schemas.microsoft.com/office/powerpoint/2010/main" val="498547138"/>
+        <p14:creationId xmlns:p14="http://schemas.microsoft.com/office/powerpoint/2010/main" val="1466545514"/>
       </p:ext>
     </p:extLst>
   </p:cSld>
@@ -3932,7 +4256,7 @@
           <p:cNvPr id="2" name="제목 1">
             <a:extLst>
               <a:ext uri="{FF2B5EF4-FFF2-40B4-BE49-F238E27FC236}">
-                <a16:creationId xmlns:a16="http://schemas.microsoft.com/office/drawing/2014/main" id="{5606A200-24CB-8FA0-41D4-E23F7459F0D9}"/>
+                <a16:creationId xmlns:a16="http://schemas.microsoft.com/office/drawing/2014/main" id="{3153BEC9-4244-8DD8-EC65-E00AEF65AC45}"/>
               </a:ext>
             </a:extLst>
           </p:cNvPr>
@@ -3949,10 +4273,17 @@
           <a:lstStyle/>
           <a:p>
             <a:r>
-              <a:rPr lang="ko-KR" altLang="en-US"/>
-              <a:t>프론트엔드</a:t>
-            </a:r>
-            <a:endParaRPr lang="ko-KR" altLang="en-US" dirty="0"/>
+              <a:rPr lang="ko-KR" altLang="en-US" dirty="0"/>
+              <a:t>유저 피드백 파트 </a:t>
+            </a:r>
+            <a:r>
+              <a:rPr lang="en-US" altLang="ko-KR" dirty="0"/>
+              <a:t>/ </a:t>
+            </a:r>
+            <a:r>
+              <a:rPr lang="ko-KR" altLang="en-US" dirty="0"/>
+              <a:t>검증 구현</a:t>
+            </a:r>
           </a:p>
         </p:txBody>
       </p:sp>
@@ -3961,7 +4292,7 @@
           <p:cNvPr id="3" name="내용 개체 틀 2">
             <a:extLst>
               <a:ext uri="{FF2B5EF4-FFF2-40B4-BE49-F238E27FC236}">
-                <a16:creationId xmlns:a16="http://schemas.microsoft.com/office/drawing/2014/main" id="{E97CB5A6-E527-8141-7EA9-4B1B6823AF2E}"/>
+                <a16:creationId xmlns:a16="http://schemas.microsoft.com/office/drawing/2014/main" id="{13B1B412-EC68-1A4E-BBFA-7B349B2D6326}"/>
               </a:ext>
             </a:extLst>
           </p:cNvPr>
@@ -3974,77 +4305,69 @@
         </p:nvSpPr>
         <p:spPr/>
         <p:txBody>
-          <a:bodyPr>
-            <a:normAutofit fontScale="92500" lnSpcReduction="10000"/>
-          </a:bodyPr>
-          <a:lstStyle/>
-          <a:p>
+          <a:bodyPr/>
+          <a:lstStyle/>
+          <a:p>
+            <a:r>
+              <a:rPr lang="ko-KR" altLang="en-US" dirty="0"/>
+              <a:t>구현 로직</a:t>
+            </a:r>
+            <a:endParaRPr lang="en-US" altLang="ko-KR" dirty="0"/>
+          </a:p>
+          <a:p>
+            <a:pPr lvl="1"/>
+            <a:r>
+              <a:rPr lang="ko-KR" altLang="en-US" dirty="0"/>
+              <a:t>피드백을 각 파트별로 쪼개서 저장</a:t>
+            </a:r>
+            <a:endParaRPr lang="en-US" altLang="ko-KR" dirty="0"/>
+          </a:p>
+          <a:p>
+            <a:pPr lvl="1"/>
+            <a:r>
+              <a:rPr lang="ko-KR" altLang="en-US" dirty="0"/>
+              <a:t>파트별로 피드백이 있다면 </a:t>
+            </a:r>
+            <a:r>
+              <a:rPr lang="en-US" altLang="ko-KR" dirty="0"/>
+              <a:t>regenerate</a:t>
+            </a:r>
+            <a:r>
+              <a:rPr lang="ko-KR" altLang="en-US" dirty="0"/>
+              <a:t>를 돌리고</a:t>
+            </a:r>
+            <a:r>
+              <a:rPr lang="en-US" altLang="ko-KR" dirty="0"/>
+              <a:t>, </a:t>
+            </a:r>
+            <a:r>
+              <a:rPr lang="ko-KR" altLang="en-US" dirty="0"/>
+              <a:t>피드백을 지우고 </a:t>
+            </a:r>
             <a:r>
               <a:rPr lang="en-US" altLang="ko-KR" dirty="0" err="1"/>
-              <a:t>Streamlit</a:t>
-            </a:r>
-            <a:r>
-              <a:rPr lang="ko-KR" altLang="en-US" dirty="0"/>
-              <a:t>으로 구현하는 과정</a:t>
+              <a:t>feedback_check</a:t>
+            </a:r>
+            <a:r>
+              <a:rPr lang="ko-KR" altLang="en-US" dirty="0"/>
+              <a:t>로 </a:t>
+            </a:r>
+            <a:r>
+              <a:rPr lang="ko-KR" altLang="en-US" dirty="0" err="1"/>
+              <a:t>돌아감</a:t>
             </a:r>
             <a:endParaRPr lang="en-US" altLang="ko-KR" dirty="0"/>
           </a:p>
           <a:p>
-            <a:endParaRPr lang="en-US" altLang="ko-KR" dirty="0"/>
-          </a:p>
-          <a:p>
-            <a:r>
-              <a:rPr lang="ko-KR" altLang="en-US" dirty="0"/>
-              <a:t>총 </a:t>
+            <a:pPr lvl="1"/>
+            <a:r>
+              <a:rPr lang="ko-KR" altLang="en-US" dirty="0"/>
+              <a:t>피드백이 없다면 </a:t>
             </a:r>
             <a:r>
               <a:rPr lang="en-US" altLang="ko-KR" dirty="0"/>
-              <a:t>5</a:t>
-            </a:r>
-            <a:r>
-              <a:rPr lang="ko-KR" altLang="en-US" dirty="0"/>
-              <a:t>개의 페이지 종류가 있음</a:t>
-            </a:r>
-            <a:endParaRPr lang="en-US" altLang="ko-KR" dirty="0"/>
-          </a:p>
-          <a:p>
-            <a:pPr lvl="1"/>
-            <a:r>
-              <a:rPr lang="en-US" altLang="ko-KR" dirty="0"/>
-              <a:t>Sidebar</a:t>
-            </a:r>
-          </a:p>
-          <a:p>
-            <a:pPr lvl="1"/>
-            <a:r>
-              <a:rPr lang="en-US" altLang="ko-KR" dirty="0" err="1"/>
-              <a:t>input_form</a:t>
-            </a:r>
-            <a:endParaRPr lang="en-US" altLang="ko-KR" dirty="0"/>
-          </a:p>
-          <a:p>
-            <a:pPr lvl="1"/>
-            <a:r>
-              <a:rPr lang="en-US" altLang="ko-KR" dirty="0" err="1"/>
-              <a:t>Analysis_progress</a:t>
-            </a:r>
-            <a:endParaRPr lang="en-US" altLang="ko-KR" dirty="0"/>
-          </a:p>
-          <a:p>
-            <a:pPr lvl="1"/>
-            <a:r>
-              <a:rPr lang="en-US" altLang="ko-KR" dirty="0" err="1"/>
-              <a:t>Feedback_form</a:t>
-            </a:r>
-            <a:endParaRPr lang="en-US" altLang="ko-KR" dirty="0"/>
-          </a:p>
-          <a:p>
-            <a:pPr lvl="1"/>
-            <a:r>
-              <a:rPr lang="en-US" altLang="ko-KR" dirty="0" err="1"/>
-              <a:t>Final_results</a:t>
-            </a:r>
-            <a:endParaRPr lang="en-US" altLang="ko-KR" dirty="0"/>
+              <a:t>END</a:t>
+            </a:r>
           </a:p>
           <a:p>
             <a:pPr lvl="1"/>
@@ -4053,31 +4376,114 @@
           <a:p>
             <a:r>
               <a:rPr lang="ko-KR" altLang="en-US" dirty="0"/>
-              <a:t>각각 </a:t>
+              <a:t>다시 </a:t>
+            </a:r>
+            <a:r>
+              <a:rPr lang="en-US" altLang="ko-KR" dirty="0"/>
+              <a:t>user input</a:t>
+            </a:r>
+            <a:r>
+              <a:rPr lang="ko-KR" altLang="en-US" dirty="0"/>
+              <a:t>을 받고</a:t>
+            </a:r>
+            <a:r>
+              <a:rPr lang="en-US" altLang="ko-KR" dirty="0"/>
+              <a:t>, </a:t>
+            </a:r>
+            <a:r>
+              <a:rPr lang="ko-KR" altLang="en-US" dirty="0"/>
+              <a:t>피드백이 없을 때까지 피드백을 받음</a:t>
+            </a:r>
+            <a:endParaRPr lang="en-US" altLang="ko-KR" dirty="0"/>
+          </a:p>
+          <a:p>
+            <a:endParaRPr lang="en-US" altLang="ko-KR" dirty="0"/>
+          </a:p>
+          <a:p>
+            <a:r>
+              <a:rPr lang="en-US" altLang="ko-KR" dirty="0"/>
+              <a:t>(</a:t>
+            </a:r>
+            <a:r>
+              <a:rPr lang="ko-KR" altLang="en-US" dirty="0"/>
+              <a:t>있다면</a:t>
+            </a:r>
+            <a:r>
+              <a:rPr lang="en-US" altLang="ko-KR" dirty="0"/>
+              <a:t>) </a:t>
+            </a:r>
+            <a:r>
+              <a:rPr lang="ko-KR" altLang="en-US" dirty="0"/>
+              <a:t>받은 </a:t>
+            </a:r>
+            <a:r>
+              <a:rPr lang="en-US" altLang="ko-KR" dirty="0"/>
+              <a:t>pdf</a:t>
+            </a:r>
+            <a:r>
+              <a:rPr lang="ko-KR" altLang="en-US" dirty="0"/>
+              <a:t>로 </a:t>
             </a:r>
             <a:r>
               <a:rPr lang="ko-KR" altLang="en-US" dirty="0" err="1"/>
-              <a:t>어떤걸</a:t>
-            </a:r>
-            <a:r>
-              <a:rPr lang="ko-KR" altLang="en-US" dirty="0"/>
-              <a:t> 표현하는지</a:t>
-            </a:r>
-            <a:endParaRPr lang="en-US" altLang="ko-KR" dirty="0"/>
-          </a:p>
-          <a:p>
-            <a:pPr lvl="1"/>
-            <a:r>
-              <a:rPr lang="ko-KR" altLang="en-US" dirty="0"/>
-              <a:t>실제 그래프상 어디와 대응되는지</a:t>
-            </a:r>
-          </a:p>
-        </p:txBody>
-      </p:sp>
+              <a:t>리스팅</a:t>
+            </a:r>
+            <a:r>
+              <a:rPr lang="ko-KR" altLang="en-US" dirty="0"/>
+              <a:t> 내용 검증</a:t>
+            </a:r>
+            <a:r>
+              <a:rPr lang="en-US" altLang="ko-KR" dirty="0"/>
+              <a:t>, </a:t>
+            </a:r>
+            <a:r>
+              <a:rPr lang="ko-KR" altLang="en-US" dirty="0"/>
+              <a:t>사실과 다른 부분을 수정</a:t>
+            </a:r>
+          </a:p>
+        </p:txBody>
+      </p:sp>
+      <p:pic>
+        <p:nvPicPr>
+          <p:cNvPr id="5" name="그림 4">
+            <a:extLst>
+              <a:ext uri="{FF2B5EF4-FFF2-40B4-BE49-F238E27FC236}">
+                <a16:creationId xmlns:a16="http://schemas.microsoft.com/office/drawing/2014/main" id="{710928E6-D223-254C-7700-D252FC08824B}"/>
+              </a:ext>
+            </a:extLst>
+          </p:cNvPr>
+          <p:cNvPicPr>
+            <a:picLocks noChangeAspect="1"/>
+          </p:cNvPicPr>
+          <p:nvPr/>
+        </p:nvPicPr>
+        <p:blipFill>
+          <a:blip r:embed="rId2">
+            <a:extLst>
+              <a:ext uri="{28A0092B-C50C-407E-A947-70E740481C1C}">
+                <a14:useLocalDpi xmlns:a14="http://schemas.microsoft.com/office/drawing/2010/main" val="0"/>
+              </a:ext>
+            </a:extLst>
+          </a:blip>
+          <a:srcRect t="27639" r="32809" b="27361"/>
+          <a:stretch>
+            <a:fillRect/>
+          </a:stretch>
+        </p:blipFill>
+        <p:spPr>
+          <a:xfrm>
+            <a:off x="7105159" y="586581"/>
+            <a:ext cx="5153517" cy="3286125"/>
+          </a:xfrm>
+          <a:prstGeom prst="rect">
+            <a:avLst/>
+          </a:prstGeom>
+        </p:spPr>
+      </p:pic>
     </p:spTree>
     <p:extLst>
       <p:ext uri="{BB962C8B-B14F-4D97-AF65-F5344CB8AC3E}">
-        <p14:creationId xmlns:p14="http://schemas.microsoft.com/office/powerpoint/2010/main" val="2360414252"/>
+        <p14:creationId xmlns:p14="http://schemas.microsoft.com/office/powerpoint/2010/main" val="498547138"/>
       </p:ext>
     </p:extLst>
   </p:cSld>
@@ -4109,7 +4515,7 @@
           <p:cNvPr id="2" name="제목 1">
             <a:extLst>
               <a:ext uri="{FF2B5EF4-FFF2-40B4-BE49-F238E27FC236}">
-                <a16:creationId xmlns:a16="http://schemas.microsoft.com/office/drawing/2014/main" id="{804C2EBF-1F2D-DFBE-D27C-0A844C1C94BD}"/>
+                <a16:creationId xmlns:a16="http://schemas.microsoft.com/office/drawing/2014/main" id="{5606A200-24CB-8FA0-41D4-E23F7459F0D9}"/>
               </a:ext>
             </a:extLst>
           </p:cNvPr>
@@ -4126,9 +4532,10 @@
           <a:lstStyle/>
           <a:p>
             <a:r>
-              <a:rPr lang="ko-KR" altLang="en-US" dirty="0"/>
-              <a:t>기술 선택</a:t>
-            </a:r>
+              <a:rPr lang="ko-KR" altLang="en-US"/>
+              <a:t>프론트엔드</a:t>
+            </a:r>
+            <a:endParaRPr lang="ko-KR" altLang="en-US" dirty="0"/>
           </a:p>
         </p:txBody>
       </p:sp>
@@ -4137,7 +4544,7 @@
           <p:cNvPr id="3" name="내용 개체 틀 2">
             <a:extLst>
               <a:ext uri="{FF2B5EF4-FFF2-40B4-BE49-F238E27FC236}">
-                <a16:creationId xmlns:a16="http://schemas.microsoft.com/office/drawing/2014/main" id="{37246569-EE18-AE13-6937-BDCCFFF11F7D}"/>
+                <a16:creationId xmlns:a16="http://schemas.microsoft.com/office/drawing/2014/main" id="{E97CB5A6-E527-8141-7EA9-4B1B6823AF2E}"/>
               </a:ext>
             </a:extLst>
           </p:cNvPr>
@@ -4150,96 +4557,582 @@
         </p:nvSpPr>
         <p:spPr/>
         <p:txBody>
-          <a:bodyPr/>
-          <a:lstStyle/>
-          <a:p>
-            <a:r>
-              <a:rPr lang="ko-KR" altLang="en-US" dirty="0"/>
-              <a:t>무슨 기술을 썼는지</a:t>
-            </a:r>
-            <a:endParaRPr lang="en-US" altLang="ko-KR" dirty="0"/>
-          </a:p>
-          <a:p>
-            <a:pPr lvl="1"/>
+          <a:bodyPr>
+            <a:normAutofit/>
+          </a:bodyPr>
+          <a:lstStyle/>
+          <a:p>
             <a:r>
               <a:rPr lang="en-US" altLang="ko-KR" dirty="0"/>
-              <a:t>Python – </a:t>
-            </a:r>
-            <a:r>
-              <a:rPr lang="ko-KR" altLang="en-US" dirty="0"/>
-              <a:t>프로그램 기반 언어</a:t>
-            </a:r>
-            <a:endParaRPr lang="en-US" altLang="ko-KR" dirty="0"/>
-          </a:p>
-          <a:p>
-            <a:pPr lvl="1"/>
-            <a:r>
-              <a:rPr lang="en-US" altLang="ko-KR" dirty="0"/>
-              <a:t>LLM(</a:t>
-            </a:r>
-            <a:r>
-              <a:rPr lang="en-US" altLang="ko-KR" dirty="0" err="1"/>
-              <a:t>gpt</a:t>
-            </a:r>
-            <a:r>
-              <a:rPr lang="en-US" altLang="ko-KR" dirty="0"/>
-              <a:t>) – </a:t>
-            </a:r>
-            <a:r>
-              <a:rPr lang="ko-KR" altLang="en-US" dirty="0"/>
-              <a:t>답변 생성용</a:t>
-            </a:r>
-            <a:endParaRPr lang="en-US" altLang="ko-KR" dirty="0"/>
-          </a:p>
-          <a:p>
-            <a:pPr lvl="1"/>
-            <a:r>
-              <a:rPr lang="en-US" altLang="ko-KR" dirty="0"/>
-              <a:t>LangGraph – </a:t>
-            </a:r>
-            <a:r>
-              <a:rPr lang="ko-KR" altLang="en-US" dirty="0"/>
-              <a:t>전체 구조 생성용</a:t>
-            </a:r>
-            <a:endParaRPr lang="en-US" altLang="ko-KR" dirty="0"/>
-          </a:p>
-          <a:p>
-            <a:pPr lvl="1"/>
+              <a:t>CLI</a:t>
+            </a:r>
+            <a:r>
+              <a:rPr lang="ko-KR" altLang="en-US" dirty="0"/>
+              <a:t>로 보여지던 결과 및 로그를 </a:t>
+            </a:r>
             <a:r>
               <a:rPr lang="en-US" altLang="ko-KR" dirty="0" err="1"/>
               <a:t>Streamlit</a:t>
             </a:r>
             <a:r>
+              <a:rPr lang="ko-KR" altLang="en-US" dirty="0"/>
+              <a:t>으로 구현하는 과정</a:t>
+            </a:r>
+            <a:endParaRPr lang="en-US" altLang="ko-KR" dirty="0"/>
+          </a:p>
+          <a:p>
+            <a:endParaRPr lang="en-US" altLang="ko-KR" dirty="0"/>
+          </a:p>
+          <a:p>
+            <a:r>
+              <a:rPr lang="ko-KR" altLang="en-US" dirty="0"/>
+              <a:t>총 </a:t>
+            </a:r>
+            <a:r>
               <a:rPr lang="en-US" altLang="ko-KR" dirty="0"/>
-              <a:t> – UI </a:t>
-            </a:r>
-            <a:r>
-              <a:rPr lang="ko-KR" altLang="en-US" dirty="0"/>
-              <a:t>작업</a:t>
+              <a:t>5</a:t>
+            </a:r>
+            <a:r>
+              <a:rPr lang="ko-KR" altLang="en-US" dirty="0"/>
+              <a:t>개의 페이지 종류가 있음</a:t>
             </a:r>
             <a:endParaRPr lang="en-US" altLang="ko-KR" dirty="0"/>
           </a:p>
           <a:p>
             <a:pPr lvl="1"/>
             <a:r>
-              <a:rPr lang="en-US" altLang="ko-KR" dirty="0" err="1"/>
-              <a:t>Sklearn</a:t>
-            </a:r>
-            <a:r>
               <a:rPr lang="en-US" altLang="ko-KR" dirty="0"/>
-              <a:t> – </a:t>
-            </a:r>
-            <a:r>
-              <a:rPr lang="ko-KR" altLang="en-US" dirty="0"/>
-              <a:t>데이터 정규화</a:t>
-            </a:r>
+              <a:t>Input</a:t>
+            </a:r>
+          </a:p>
+          <a:p>
+            <a:pPr lvl="1"/>
+            <a:r>
+              <a:rPr lang="en-US" altLang="ko-KR" dirty="0"/>
+              <a:t>Sidebar</a:t>
+            </a:r>
+          </a:p>
+          <a:p>
+            <a:pPr lvl="1"/>
+            <a:r>
+              <a:rPr lang="en-US" altLang="ko-KR" dirty="0"/>
+              <a:t>Preprocessing</a:t>
+            </a:r>
+          </a:p>
+          <a:p>
+            <a:pPr lvl="1"/>
+            <a:r>
+              <a:rPr lang="en-US" altLang="ko-KR" dirty="0"/>
+              <a:t>Feedback</a:t>
+            </a:r>
+          </a:p>
+          <a:p>
+            <a:pPr lvl="1"/>
+            <a:r>
+              <a:rPr lang="en-US" altLang="ko-KR" dirty="0"/>
+              <a:t>Results</a:t>
+            </a:r>
+          </a:p>
+          <a:p>
+            <a:pPr lvl="1"/>
+            <a:endParaRPr lang="en-US" altLang="ko-KR" dirty="0"/>
+          </a:p>
+          <a:p>
+            <a:pPr lvl="1"/>
+            <a:endParaRPr lang="en-US" altLang="ko-KR" dirty="0"/>
           </a:p>
         </p:txBody>
       </p:sp>
     </p:spTree>
     <p:extLst>
       <p:ext uri="{BB962C8B-B14F-4D97-AF65-F5344CB8AC3E}">
-        <p14:creationId xmlns:p14="http://schemas.microsoft.com/office/powerpoint/2010/main" val="2973692715"/>
+        <p14:creationId xmlns:p14="http://schemas.microsoft.com/office/powerpoint/2010/main" val="2360414252"/>
+      </p:ext>
+    </p:extLst>
+  </p:cSld>
+  <p:clrMapOvr>
+    <a:masterClrMapping/>
+  </p:clrMapOvr>
+</p:sld>
+</file>
+
+<file path=ppt/slides/slide7.xml><?xml version="1.0" encoding="utf-8"?>
+<p:sld xmlns:a="http://schemas.openxmlformats.org/drawingml/2006/main" xmlns:r="http://schemas.openxmlformats.org/officeDocument/2006/relationships" xmlns:p="http://schemas.openxmlformats.org/presentationml/2006/main">
+  <p:cSld>
+    <p:spTree>
+      <p:nvGrpSpPr>
+        <p:cNvPr id="1" name=""/>
+        <p:cNvGrpSpPr/>
+        <p:nvPr/>
+      </p:nvGrpSpPr>
+      <p:grpSpPr>
+        <a:xfrm>
+          <a:off x="0" y="0"/>
+          <a:ext cx="0" cy="0"/>
+          <a:chOff x="0" y="0"/>
+          <a:chExt cx="0" cy="0"/>
+        </a:xfrm>
+      </p:grpSpPr>
+      <p:sp>
+        <p:nvSpPr>
+          <p:cNvPr id="2" name="제목 1">
+            <a:extLst>
+              <a:ext uri="{FF2B5EF4-FFF2-40B4-BE49-F238E27FC236}">
+                <a16:creationId xmlns:a16="http://schemas.microsoft.com/office/drawing/2014/main" id="{2F6122EF-9685-3F62-9518-E01362F56EDA}"/>
+              </a:ext>
+            </a:extLst>
+          </p:cNvPr>
+          <p:cNvSpPr>
+            <a:spLocks noGrp="1"/>
+          </p:cNvSpPr>
+          <p:nvPr>
+            <p:ph type="title"/>
+          </p:nvPr>
+        </p:nvSpPr>
+        <p:spPr/>
+        <p:txBody>
+          <a:bodyPr/>
+          <a:lstStyle/>
+          <a:p>
+            <a:r>
+              <a:rPr lang="en-US" altLang="ko-KR" dirty="0"/>
+              <a:t>Sidebar / Input</a:t>
+            </a:r>
+            <a:endParaRPr lang="ko-KR" altLang="en-US" dirty="0"/>
+          </a:p>
+        </p:txBody>
+      </p:sp>
+      <p:sp>
+        <p:nvSpPr>
+          <p:cNvPr id="3" name="내용 개체 틀 2">
+            <a:extLst>
+              <a:ext uri="{FF2B5EF4-FFF2-40B4-BE49-F238E27FC236}">
+                <a16:creationId xmlns:a16="http://schemas.microsoft.com/office/drawing/2014/main" id="{0B9D0B18-6708-40B6-9C06-24C658B92776}"/>
+              </a:ext>
+            </a:extLst>
+          </p:cNvPr>
+          <p:cNvSpPr>
+            <a:spLocks noGrp="1"/>
+          </p:cNvSpPr>
+          <p:nvPr>
+            <p:ph idx="1"/>
+          </p:nvPr>
+        </p:nvSpPr>
+        <p:spPr/>
+        <p:txBody>
+          <a:bodyPr/>
+          <a:lstStyle/>
+          <a:p>
+            <a:r>
+              <a:rPr lang="ko-KR" altLang="en-US" dirty="0"/>
+              <a:t>항상 떠있는 화면으로</a:t>
+            </a:r>
+            <a:r>
+              <a:rPr lang="en-US" altLang="ko-KR" dirty="0"/>
+              <a:t>, </a:t>
+            </a:r>
+            <a:r>
+              <a:rPr lang="ko-KR" altLang="en-US" dirty="0"/>
+              <a:t>전체 데이터에 대한 간단한 정보 및 초기화 버튼 배치</a:t>
+            </a:r>
+            <a:endParaRPr lang="en-US" altLang="ko-KR" dirty="0"/>
+          </a:p>
+          <a:p>
+            <a:endParaRPr lang="en-US" altLang="ko-KR" dirty="0"/>
+          </a:p>
+          <a:p>
+            <a:r>
+              <a:rPr lang="en-US" altLang="ko-KR" dirty="0" err="1"/>
+              <a:t>streamlit</a:t>
+            </a:r>
+            <a:r>
+              <a:rPr lang="ko-KR" altLang="en-US" dirty="0"/>
+              <a:t> 자체에서 파일 업로드를 지원해서 자체기능으로 돌림</a:t>
+            </a:r>
+            <a:endParaRPr lang="en-US" altLang="ko-KR" dirty="0"/>
+          </a:p>
+          <a:p>
+            <a:endParaRPr lang="en-US" altLang="ko-KR" dirty="0"/>
+          </a:p>
+          <a:p>
+            <a:endParaRPr lang="ko-KR" altLang="en-US" dirty="0"/>
+          </a:p>
+        </p:txBody>
+      </p:sp>
+      <p:pic>
+        <p:nvPicPr>
+          <p:cNvPr id="5" name="그림 4">
+            <a:extLst>
+              <a:ext uri="{FF2B5EF4-FFF2-40B4-BE49-F238E27FC236}">
+                <a16:creationId xmlns:a16="http://schemas.microsoft.com/office/drawing/2014/main" id="{D776003D-FB6E-C24C-95EE-7CDC9C7207F9}"/>
+              </a:ext>
+            </a:extLst>
+          </p:cNvPr>
+          <p:cNvPicPr>
+            <a:picLocks noChangeAspect="1"/>
+          </p:cNvPicPr>
+          <p:nvPr/>
+        </p:nvPicPr>
+        <p:blipFill>
+          <a:blip r:embed="rId2">
+            <a:extLst>
+              <a:ext uri="{28A0092B-C50C-407E-A947-70E740481C1C}">
+                <a14:useLocalDpi xmlns:a14="http://schemas.microsoft.com/office/drawing/2010/main" val="0"/>
+              </a:ext>
+            </a:extLst>
+          </a:blip>
+          <a:stretch>
+            <a:fillRect/>
+          </a:stretch>
+        </p:blipFill>
+        <p:spPr>
+          <a:xfrm>
+            <a:off x="4276725" y="1909901"/>
+            <a:ext cx="7781925" cy="4182785"/>
+          </a:xfrm>
+          <a:prstGeom prst="rect">
+            <a:avLst/>
+          </a:prstGeom>
+        </p:spPr>
+      </p:pic>
+    </p:spTree>
+    <p:extLst>
+      <p:ext uri="{BB962C8B-B14F-4D97-AF65-F5344CB8AC3E}">
+        <p14:creationId xmlns:p14="http://schemas.microsoft.com/office/powerpoint/2010/main" val="2708183159"/>
+      </p:ext>
+    </p:extLst>
+  </p:cSld>
+  <p:clrMapOvr>
+    <a:masterClrMapping/>
+  </p:clrMapOvr>
+</p:sld>
+</file>
+
+<file path=ppt/slides/slide8.xml><?xml version="1.0" encoding="utf-8"?>
+<p:sld xmlns:a="http://schemas.openxmlformats.org/drawingml/2006/main" xmlns:r="http://schemas.openxmlformats.org/officeDocument/2006/relationships" xmlns:p="http://schemas.openxmlformats.org/presentationml/2006/main">
+  <p:cSld>
+    <p:spTree>
+      <p:nvGrpSpPr>
+        <p:cNvPr id="1" name=""/>
+        <p:cNvGrpSpPr/>
+        <p:nvPr/>
+      </p:nvGrpSpPr>
+      <p:grpSpPr>
+        <a:xfrm>
+          <a:off x="0" y="0"/>
+          <a:ext cx="0" cy="0"/>
+          <a:chOff x="0" y="0"/>
+          <a:chExt cx="0" cy="0"/>
+        </a:xfrm>
+      </p:grpSpPr>
+      <p:sp>
+        <p:nvSpPr>
+          <p:cNvPr id="2" name="제목 1">
+            <a:extLst>
+              <a:ext uri="{FF2B5EF4-FFF2-40B4-BE49-F238E27FC236}">
+                <a16:creationId xmlns:a16="http://schemas.microsoft.com/office/drawing/2014/main" id="{2191A044-9AE8-8DBB-3979-A4D0F284AE70}"/>
+              </a:ext>
+            </a:extLst>
+          </p:cNvPr>
+          <p:cNvSpPr>
+            <a:spLocks noGrp="1"/>
+          </p:cNvSpPr>
+          <p:nvPr>
+            <p:ph type="title"/>
+          </p:nvPr>
+        </p:nvSpPr>
+        <p:spPr/>
+        <p:txBody>
+          <a:bodyPr/>
+          <a:lstStyle/>
+          <a:p>
+            <a:r>
+              <a:rPr lang="en-US" altLang="ko-KR" dirty="0"/>
+              <a:t>preprocessing</a:t>
+            </a:r>
+            <a:endParaRPr lang="ko-KR" altLang="en-US" dirty="0"/>
+          </a:p>
+        </p:txBody>
+      </p:sp>
+      <p:sp>
+        <p:nvSpPr>
+          <p:cNvPr id="3" name="내용 개체 틀 2">
+            <a:extLst>
+              <a:ext uri="{FF2B5EF4-FFF2-40B4-BE49-F238E27FC236}">
+                <a16:creationId xmlns:a16="http://schemas.microsoft.com/office/drawing/2014/main" id="{77E0432A-A7AC-D2CE-5558-BBCABA0FA946}"/>
+              </a:ext>
+            </a:extLst>
+          </p:cNvPr>
+          <p:cNvSpPr>
+            <a:spLocks noGrp="1"/>
+          </p:cNvSpPr>
+          <p:nvPr>
+            <p:ph idx="1"/>
+          </p:nvPr>
+        </p:nvSpPr>
+        <p:spPr/>
+        <p:txBody>
+          <a:bodyPr/>
+          <a:lstStyle/>
+          <a:p>
+            <a:r>
+              <a:rPr lang="ko-KR" altLang="en-US" dirty="0"/>
+              <a:t>초안 작성 과정에서 로그를 유지하려고 노력 </a:t>
+            </a:r>
+            <a:endParaRPr lang="en-US" altLang="ko-KR" dirty="0"/>
+          </a:p>
+          <a:p>
+            <a:endParaRPr lang="ko-KR" altLang="en-US" dirty="0"/>
+          </a:p>
+        </p:txBody>
+      </p:sp>
+      <p:pic>
+        <p:nvPicPr>
+          <p:cNvPr id="5" name="그림 4">
+            <a:extLst>
+              <a:ext uri="{FF2B5EF4-FFF2-40B4-BE49-F238E27FC236}">
+                <a16:creationId xmlns:a16="http://schemas.microsoft.com/office/drawing/2014/main" id="{6AFD53BA-096A-6860-0FBD-69A81C681380}"/>
+              </a:ext>
+            </a:extLst>
+          </p:cNvPr>
+          <p:cNvPicPr>
+            <a:picLocks noChangeAspect="1"/>
+          </p:cNvPicPr>
+          <p:nvPr/>
+        </p:nvPicPr>
+        <p:blipFill>
+          <a:blip r:embed="rId2">
+            <a:extLst>
+              <a:ext uri="{28A0092B-C50C-407E-A947-70E740481C1C}">
+                <a14:useLocalDpi xmlns:a14="http://schemas.microsoft.com/office/drawing/2010/main" val="0"/>
+              </a:ext>
+            </a:extLst>
+          </a:blip>
+          <a:stretch>
+            <a:fillRect/>
+          </a:stretch>
+        </p:blipFill>
+        <p:spPr>
+          <a:xfrm>
+            <a:off x="3257550" y="2340808"/>
+            <a:ext cx="7724775" cy="4152067"/>
+          </a:xfrm>
+          <a:prstGeom prst="rect">
+            <a:avLst/>
+          </a:prstGeom>
+        </p:spPr>
+      </p:pic>
+    </p:spTree>
+    <p:extLst>
+      <p:ext uri="{BB962C8B-B14F-4D97-AF65-F5344CB8AC3E}">
+        <p14:creationId xmlns:p14="http://schemas.microsoft.com/office/powerpoint/2010/main" val="2256987545"/>
+      </p:ext>
+    </p:extLst>
+  </p:cSld>
+  <p:clrMapOvr>
+    <a:masterClrMapping/>
+  </p:clrMapOvr>
+</p:sld>
+</file>
+
+<file path=ppt/slides/slide9.xml><?xml version="1.0" encoding="utf-8"?>
+<p:sld xmlns:a="http://schemas.openxmlformats.org/drawingml/2006/main" xmlns:r="http://schemas.openxmlformats.org/officeDocument/2006/relationships" xmlns:p="http://schemas.openxmlformats.org/presentationml/2006/main">
+  <p:cSld>
+    <p:spTree>
+      <p:nvGrpSpPr>
+        <p:cNvPr id="1" name=""/>
+        <p:cNvGrpSpPr/>
+        <p:nvPr/>
+      </p:nvGrpSpPr>
+      <p:grpSpPr>
+        <a:xfrm>
+          <a:off x="0" y="0"/>
+          <a:ext cx="0" cy="0"/>
+          <a:chOff x="0" y="0"/>
+          <a:chExt cx="0" cy="0"/>
+        </a:xfrm>
+      </p:grpSpPr>
+      <p:sp>
+        <p:nvSpPr>
+          <p:cNvPr id="2" name="제목 1">
+            <a:extLst>
+              <a:ext uri="{FF2B5EF4-FFF2-40B4-BE49-F238E27FC236}">
+                <a16:creationId xmlns:a16="http://schemas.microsoft.com/office/drawing/2014/main" id="{DDC6FD5E-D884-D961-B4F5-1AFAD3736304}"/>
+              </a:ext>
+            </a:extLst>
+          </p:cNvPr>
+          <p:cNvSpPr>
+            <a:spLocks noGrp="1"/>
+          </p:cNvSpPr>
+          <p:nvPr>
+            <p:ph type="title"/>
+          </p:nvPr>
+        </p:nvSpPr>
+        <p:spPr/>
+        <p:txBody>
+          <a:bodyPr/>
+          <a:lstStyle/>
+          <a:p>
+            <a:r>
+              <a:rPr lang="en-US" altLang="ko-KR" dirty="0"/>
+              <a:t>feedback</a:t>
+            </a:r>
+            <a:endParaRPr lang="ko-KR" altLang="en-US" dirty="0"/>
+          </a:p>
+        </p:txBody>
+      </p:sp>
+      <p:sp>
+        <p:nvSpPr>
+          <p:cNvPr id="3" name="내용 개체 틀 2">
+            <a:extLst>
+              <a:ext uri="{FF2B5EF4-FFF2-40B4-BE49-F238E27FC236}">
+                <a16:creationId xmlns:a16="http://schemas.microsoft.com/office/drawing/2014/main" id="{8CE60D30-A38B-961D-EADD-C4D4ED3376AF}"/>
+              </a:ext>
+            </a:extLst>
+          </p:cNvPr>
+          <p:cNvSpPr>
+            <a:spLocks noGrp="1"/>
+          </p:cNvSpPr>
+          <p:nvPr>
+            <p:ph idx="1"/>
+          </p:nvPr>
+        </p:nvSpPr>
+        <p:spPr/>
+        <p:txBody>
+          <a:bodyPr/>
+          <a:lstStyle/>
+          <a:p>
+            <a:r>
+              <a:rPr lang="en-US" altLang="ko-KR" dirty="0" err="1"/>
+              <a:t>streamlit</a:t>
+            </a:r>
+            <a:r>
+              <a:rPr lang="ko-KR" altLang="en-US" dirty="0"/>
+              <a:t>에서 </a:t>
+            </a:r>
+            <a:r>
+              <a:rPr lang="en-US" altLang="ko-KR" dirty="0" err="1"/>
+              <a:t>text_area</a:t>
+            </a:r>
+            <a:r>
+              <a:rPr lang="ko-KR" altLang="en-US" dirty="0"/>
+              <a:t>에 입력 시 화면이 초기화되는 문제 발생 </a:t>
+            </a:r>
+            <a:r>
+              <a:rPr lang="en-US" altLang="ko-KR" dirty="0"/>
+              <a:t>-&gt; </a:t>
+            </a:r>
+            <a:r>
+              <a:rPr lang="ko-KR" altLang="en-US" dirty="0"/>
+              <a:t>모든 결과를 </a:t>
+            </a:r>
+            <a:r>
+              <a:rPr lang="en-US" altLang="ko-KR" dirty="0"/>
+              <a:t>session state</a:t>
+            </a:r>
+            <a:r>
+              <a:rPr lang="ko-KR" altLang="en-US" dirty="0"/>
+              <a:t>에 저장하고</a:t>
+            </a:r>
+            <a:r>
+              <a:rPr lang="en-US" altLang="ko-KR" dirty="0"/>
+              <a:t>, </a:t>
+            </a:r>
+            <a:r>
+              <a:rPr lang="ko-KR" altLang="en-US" dirty="0"/>
+              <a:t>실질적인 표시는 전부 </a:t>
+            </a:r>
+            <a:r>
+              <a:rPr lang="en-US" altLang="ko-KR" dirty="0"/>
+              <a:t>session state</a:t>
+            </a:r>
+            <a:r>
+              <a:rPr lang="ko-KR" altLang="en-US" dirty="0"/>
+              <a:t>에서 불러오도록 변경</a:t>
+            </a:r>
+            <a:endParaRPr lang="en-US" altLang="ko-KR" dirty="0"/>
+          </a:p>
+          <a:p>
+            <a:endParaRPr lang="ko-KR" altLang="en-US" dirty="0"/>
+          </a:p>
+        </p:txBody>
+      </p:sp>
+      <p:pic>
+        <p:nvPicPr>
+          <p:cNvPr id="5" name="그림 4">
+            <a:extLst>
+              <a:ext uri="{FF2B5EF4-FFF2-40B4-BE49-F238E27FC236}">
+                <a16:creationId xmlns:a16="http://schemas.microsoft.com/office/drawing/2014/main" id="{0D03F8D5-903E-719E-9776-0719C05979F3}"/>
+              </a:ext>
+            </a:extLst>
+          </p:cNvPr>
+          <p:cNvPicPr>
+            <a:picLocks noChangeAspect="1"/>
+          </p:cNvPicPr>
+          <p:nvPr/>
+        </p:nvPicPr>
+        <p:blipFill>
+          <a:blip r:embed="rId2">
+            <a:extLst>
+              <a:ext uri="{28A0092B-C50C-407E-A947-70E740481C1C}">
+                <a14:useLocalDpi xmlns:a14="http://schemas.microsoft.com/office/drawing/2010/main" val="0"/>
+              </a:ext>
+            </a:extLst>
+          </a:blip>
+          <a:stretch>
+            <a:fillRect/>
+          </a:stretch>
+        </p:blipFill>
+        <p:spPr>
+          <a:xfrm>
+            <a:off x="0" y="3514724"/>
+            <a:ext cx="5936512" cy="3190875"/>
+          </a:xfrm>
+          <a:prstGeom prst="rect">
+            <a:avLst/>
+          </a:prstGeom>
+        </p:spPr>
+      </p:pic>
+      <p:pic>
+        <p:nvPicPr>
+          <p:cNvPr id="7" name="그림 6">
+            <a:extLst>
+              <a:ext uri="{FF2B5EF4-FFF2-40B4-BE49-F238E27FC236}">
+                <a16:creationId xmlns:a16="http://schemas.microsoft.com/office/drawing/2014/main" id="{3D28FBFE-283A-91BC-14DA-DDB120D54B2F}"/>
+              </a:ext>
+            </a:extLst>
+          </p:cNvPr>
+          <p:cNvPicPr>
+            <a:picLocks noChangeAspect="1"/>
+          </p:cNvPicPr>
+          <p:nvPr/>
+        </p:nvPicPr>
+        <p:blipFill>
+          <a:blip r:embed="rId3">
+            <a:extLst>
+              <a:ext uri="{28A0092B-C50C-407E-A947-70E740481C1C}">
+                <a14:useLocalDpi xmlns:a14="http://schemas.microsoft.com/office/drawing/2010/main" val="0"/>
+              </a:ext>
+            </a:extLst>
+          </a:blip>
+          <a:stretch>
+            <a:fillRect/>
+          </a:stretch>
+        </p:blipFill>
+        <p:spPr>
+          <a:xfrm>
+            <a:off x="6181724" y="3475076"/>
+            <a:ext cx="6010275" cy="3230523"/>
+          </a:xfrm>
+          <a:prstGeom prst="rect">
+            <a:avLst/>
+          </a:prstGeom>
+        </p:spPr>
+      </p:pic>
+    </p:spTree>
+    <p:extLst>
+      <p:ext uri="{BB962C8B-B14F-4D97-AF65-F5344CB8AC3E}">
+        <p14:creationId xmlns:p14="http://schemas.microsoft.com/office/powerpoint/2010/main" val="3614326503"/>
       </p:ext>
     </p:extLst>
   </p:cSld>

--- a/jskim/키워드 기반 리스팅 최적화 에이전트 - 구현파트.pptx
+++ b/jskim/키워드 기반 리스팅 최적화 에이전트 - 구현파트.pptx
@@ -9,14 +9,15 @@
     <p:sldId id="269" r:id="rId3"/>
     <p:sldId id="258" r:id="rId4"/>
     <p:sldId id="262" r:id="rId5"/>
-    <p:sldId id="268" r:id="rId6"/>
-    <p:sldId id="259" r:id="rId7"/>
-    <p:sldId id="260" r:id="rId8"/>
-    <p:sldId id="263" r:id="rId9"/>
-    <p:sldId id="265" r:id="rId10"/>
-    <p:sldId id="266" r:id="rId11"/>
-    <p:sldId id="267" r:id="rId12"/>
-    <p:sldId id="261" r:id="rId13"/>
+    <p:sldId id="270" r:id="rId6"/>
+    <p:sldId id="268" r:id="rId7"/>
+    <p:sldId id="259" r:id="rId8"/>
+    <p:sldId id="260" r:id="rId9"/>
+    <p:sldId id="263" r:id="rId10"/>
+    <p:sldId id="265" r:id="rId11"/>
+    <p:sldId id="266" r:id="rId12"/>
+    <p:sldId id="267" r:id="rId13"/>
+    <p:sldId id="261" r:id="rId14"/>
   </p:sldIdLst>
   <p:sldSz cx="12192000" cy="6858000"/>
   <p:notesSz cx="6858000" cy="9144000"/>
@@ -270,7 +271,7 @@
           <a:p>
             <a:fld id="{0C74E895-7DF5-46FA-8B53-8A6BB0249C06}" type="datetimeFigureOut">
               <a:rPr lang="ko-KR" altLang="en-US" smtClean="0"/>
-              <a:t>2025-09-26</a:t>
+              <a:t>2025-09-27</a:t>
             </a:fld>
             <a:endParaRPr lang="ko-KR" altLang="en-US"/>
           </a:p>
@@ -468,7 +469,7 @@
           <a:p>
             <a:fld id="{0C74E895-7DF5-46FA-8B53-8A6BB0249C06}" type="datetimeFigureOut">
               <a:rPr lang="ko-KR" altLang="en-US" smtClean="0"/>
-              <a:t>2025-09-26</a:t>
+              <a:t>2025-09-27</a:t>
             </a:fld>
             <a:endParaRPr lang="ko-KR" altLang="en-US"/>
           </a:p>
@@ -676,7 +677,7 @@
           <a:p>
             <a:fld id="{0C74E895-7DF5-46FA-8B53-8A6BB0249C06}" type="datetimeFigureOut">
               <a:rPr lang="ko-KR" altLang="en-US" smtClean="0"/>
-              <a:t>2025-09-26</a:t>
+              <a:t>2025-09-27</a:t>
             </a:fld>
             <a:endParaRPr lang="ko-KR" altLang="en-US"/>
           </a:p>
@@ -874,7 +875,7 @@
           <a:p>
             <a:fld id="{0C74E895-7DF5-46FA-8B53-8A6BB0249C06}" type="datetimeFigureOut">
               <a:rPr lang="ko-KR" altLang="en-US" smtClean="0"/>
-              <a:t>2025-09-26</a:t>
+              <a:t>2025-09-27</a:t>
             </a:fld>
             <a:endParaRPr lang="ko-KR" altLang="en-US"/>
           </a:p>
@@ -1149,7 +1150,7 @@
           <a:p>
             <a:fld id="{0C74E895-7DF5-46FA-8B53-8A6BB0249C06}" type="datetimeFigureOut">
               <a:rPr lang="ko-KR" altLang="en-US" smtClean="0"/>
-              <a:t>2025-09-26</a:t>
+              <a:t>2025-09-27</a:t>
             </a:fld>
             <a:endParaRPr lang="ko-KR" altLang="en-US"/>
           </a:p>
@@ -1414,7 +1415,7 @@
           <a:p>
             <a:fld id="{0C74E895-7DF5-46FA-8B53-8A6BB0249C06}" type="datetimeFigureOut">
               <a:rPr lang="ko-KR" altLang="en-US" smtClean="0"/>
-              <a:t>2025-09-26</a:t>
+              <a:t>2025-09-27</a:t>
             </a:fld>
             <a:endParaRPr lang="ko-KR" altLang="en-US"/>
           </a:p>
@@ -1826,7 +1827,7 @@
           <a:p>
             <a:fld id="{0C74E895-7DF5-46FA-8B53-8A6BB0249C06}" type="datetimeFigureOut">
               <a:rPr lang="ko-KR" altLang="en-US" smtClean="0"/>
-              <a:t>2025-09-26</a:t>
+              <a:t>2025-09-27</a:t>
             </a:fld>
             <a:endParaRPr lang="ko-KR" altLang="en-US"/>
           </a:p>
@@ -1967,7 +1968,7 @@
           <a:p>
             <a:fld id="{0C74E895-7DF5-46FA-8B53-8A6BB0249C06}" type="datetimeFigureOut">
               <a:rPr lang="ko-KR" altLang="en-US" smtClean="0"/>
-              <a:t>2025-09-26</a:t>
+              <a:t>2025-09-27</a:t>
             </a:fld>
             <a:endParaRPr lang="ko-KR" altLang="en-US"/>
           </a:p>
@@ -2080,7 +2081,7 @@
           <a:p>
             <a:fld id="{0C74E895-7DF5-46FA-8B53-8A6BB0249C06}" type="datetimeFigureOut">
               <a:rPr lang="ko-KR" altLang="en-US" smtClean="0"/>
-              <a:t>2025-09-26</a:t>
+              <a:t>2025-09-27</a:t>
             </a:fld>
             <a:endParaRPr lang="ko-KR" altLang="en-US"/>
           </a:p>
@@ -2391,7 +2392,7 @@
           <a:p>
             <a:fld id="{0C74E895-7DF5-46FA-8B53-8A6BB0249C06}" type="datetimeFigureOut">
               <a:rPr lang="ko-KR" altLang="en-US" smtClean="0"/>
-              <a:t>2025-09-26</a:t>
+              <a:t>2025-09-27</a:t>
             </a:fld>
             <a:endParaRPr lang="ko-KR" altLang="en-US"/>
           </a:p>
@@ -2679,7 +2680,7 @@
           <a:p>
             <a:fld id="{0C74E895-7DF5-46FA-8B53-8A6BB0249C06}" type="datetimeFigureOut">
               <a:rPr lang="ko-KR" altLang="en-US" smtClean="0"/>
-              <a:t>2025-09-26</a:t>
+              <a:t>2025-09-27</a:t>
             </a:fld>
             <a:endParaRPr lang="ko-KR" altLang="en-US"/>
           </a:p>
@@ -2920,7 +2921,7 @@
           <a:p>
             <a:fld id="{0C74E895-7DF5-46FA-8B53-8A6BB0249C06}" type="datetimeFigureOut">
               <a:rPr lang="ko-KR" altLang="en-US" smtClean="0"/>
-              <a:t>2025-09-26</a:t>
+              <a:t>2025-09-27</a:t>
             </a:fld>
             <a:endParaRPr lang="ko-KR" altLang="en-US"/>
           </a:p>
@@ -3355,28 +3356,26 @@
         </p:nvSpPr>
         <p:spPr/>
         <p:txBody>
-          <a:bodyPr/>
+          <a:bodyPr>
+            <a:normAutofit/>
+          </a:bodyPr>
           <a:lstStyle/>
           <a:p>
+            <a:pPr algn="l"/>
             <a:r>
               <a:rPr lang="ko-KR" altLang="en-US" dirty="0"/>
               <a:t>키워드 기반 </a:t>
             </a:r>
+            <a:br>
+              <a:rPr lang="en-US" altLang="ko-KR" dirty="0"/>
+            </a:br>
             <a:r>
               <a:rPr lang="ko-KR" altLang="en-US" dirty="0" err="1"/>
               <a:t>리스팅</a:t>
             </a:r>
             <a:r>
               <a:rPr lang="ko-KR" altLang="en-US" dirty="0"/>
-              <a:t> 최적화 에이전트 </a:t>
-            </a:r>
-            <a:r>
-              <a:rPr lang="en-US" altLang="ko-KR" dirty="0"/>
-              <a:t>- </a:t>
-            </a:r>
-            <a:r>
-              <a:rPr lang="ko-KR" altLang="en-US" dirty="0"/>
-              <a:t>구현파트</a:t>
+              <a:t> 최적화 에이전트</a:t>
             </a:r>
           </a:p>
         </p:txBody>
@@ -3402,7 +3401,22 @@
           <a:bodyPr/>
           <a:lstStyle/>
           <a:p>
-            <a:endParaRPr lang="ko-KR" altLang="en-US" dirty="0"/>
+            <a:endParaRPr lang="en-US" altLang="ko-KR" dirty="0"/>
+          </a:p>
+          <a:p>
+            <a:pPr algn="r"/>
+            <a:r>
+              <a:rPr lang="ko-KR" altLang="en-US" dirty="0"/>
+              <a:t>프로그램 </a:t>
+            </a:r>
+            <a:r>
+              <a:rPr lang="en-US" altLang="ko-KR" dirty="0"/>
+              <a:t>/ </a:t>
+            </a:r>
+            <a:r>
+              <a:rPr lang="ko-KR" altLang="en-US" dirty="0"/>
+              <a:t>구현파트</a:t>
+            </a:r>
           </a:p>
         </p:txBody>
       </p:sp>
@@ -3441,6 +3455,150 @@
           <p:cNvPr id="2" name="제목 1">
             <a:extLst>
               <a:ext uri="{FF2B5EF4-FFF2-40B4-BE49-F238E27FC236}">
+                <a16:creationId xmlns:a16="http://schemas.microsoft.com/office/drawing/2014/main" id="{2191A044-9AE8-8DBB-3979-A4D0F284AE70}"/>
+              </a:ext>
+            </a:extLst>
+          </p:cNvPr>
+          <p:cNvSpPr>
+            <a:spLocks noGrp="1"/>
+          </p:cNvSpPr>
+          <p:nvPr>
+            <p:ph type="title"/>
+          </p:nvPr>
+        </p:nvSpPr>
+        <p:spPr/>
+        <p:txBody>
+          <a:bodyPr/>
+          <a:lstStyle/>
+          <a:p>
+            <a:r>
+              <a:rPr lang="en-US" altLang="ko-KR" dirty="0"/>
+              <a:t>Preprocessing</a:t>
+            </a:r>
+            <a:endParaRPr lang="ko-KR" altLang="en-US" dirty="0"/>
+          </a:p>
+        </p:txBody>
+      </p:sp>
+      <p:sp>
+        <p:nvSpPr>
+          <p:cNvPr id="3" name="내용 개체 틀 2">
+            <a:extLst>
+              <a:ext uri="{FF2B5EF4-FFF2-40B4-BE49-F238E27FC236}">
+                <a16:creationId xmlns:a16="http://schemas.microsoft.com/office/drawing/2014/main" id="{77E0432A-A7AC-D2CE-5558-BBCABA0FA946}"/>
+              </a:ext>
+            </a:extLst>
+          </p:cNvPr>
+          <p:cNvSpPr>
+            <a:spLocks noGrp="1"/>
+          </p:cNvSpPr>
+          <p:nvPr>
+            <p:ph idx="1"/>
+          </p:nvPr>
+        </p:nvSpPr>
+        <p:spPr>
+          <a:xfrm>
+            <a:off x="838200" y="4957482"/>
+            <a:ext cx="10515600" cy="1535393"/>
+          </a:xfrm>
+        </p:spPr>
+        <p:txBody>
+          <a:bodyPr>
+            <a:normAutofit/>
+          </a:bodyPr>
+          <a:lstStyle/>
+          <a:p>
+            <a:pPr>
+              <a:lnSpc>
+                <a:spcPct val="150000"/>
+              </a:lnSpc>
+            </a:pPr>
+            <a:r>
+              <a:rPr lang="ko-KR" altLang="en-US" sz="2400" dirty="0"/>
+              <a:t>에러가 날 경우</a:t>
+            </a:r>
+            <a:r>
+              <a:rPr lang="en-US" altLang="ko-KR" sz="2400" dirty="0"/>
+              <a:t>, </a:t>
+            </a:r>
+            <a:r>
+              <a:rPr lang="ko-KR" altLang="en-US" sz="2400" dirty="0"/>
+              <a:t>로그를 통해 왜 에러가 났는지 확인 및 처음으로 돌아가는 기능도 지원</a:t>
+            </a:r>
+            <a:endParaRPr lang="en-US" altLang="ko-KR" sz="2400" dirty="0"/>
+          </a:p>
+        </p:txBody>
+      </p:sp>
+      <p:pic>
+        <p:nvPicPr>
+          <p:cNvPr id="5" name="그림 4">
+            <a:extLst>
+              <a:ext uri="{FF2B5EF4-FFF2-40B4-BE49-F238E27FC236}">
+                <a16:creationId xmlns:a16="http://schemas.microsoft.com/office/drawing/2014/main" id="{6AFD53BA-096A-6860-0FBD-69A81C681380}"/>
+              </a:ext>
+            </a:extLst>
+          </p:cNvPr>
+          <p:cNvPicPr>
+            <a:picLocks noChangeAspect="1"/>
+          </p:cNvPicPr>
+          <p:nvPr/>
+        </p:nvPicPr>
+        <p:blipFill>
+          <a:blip r:embed="rId2">
+            <a:extLst>
+              <a:ext uri="{28A0092B-C50C-407E-A947-70E740481C1C}">
+                <a14:useLocalDpi xmlns:a14="http://schemas.microsoft.com/office/drawing/2010/main" val="0"/>
+              </a:ext>
+            </a:extLst>
+          </a:blip>
+          <a:stretch>
+            <a:fillRect/>
+          </a:stretch>
+        </p:blipFill>
+        <p:spPr>
+          <a:xfrm>
+            <a:off x="4854389" y="597555"/>
+            <a:ext cx="6743854" cy="3624822"/>
+          </a:xfrm>
+          <a:prstGeom prst="rect">
+            <a:avLst/>
+          </a:prstGeom>
+        </p:spPr>
+      </p:pic>
+    </p:spTree>
+    <p:extLst>
+      <p:ext uri="{BB962C8B-B14F-4D97-AF65-F5344CB8AC3E}">
+        <p14:creationId xmlns:p14="http://schemas.microsoft.com/office/powerpoint/2010/main" val="2256987545"/>
+      </p:ext>
+    </p:extLst>
+  </p:cSld>
+  <p:clrMapOvr>
+    <a:masterClrMapping/>
+  </p:clrMapOvr>
+</p:sld>
+</file>
+
+<file path=ppt/slides/slide11.xml><?xml version="1.0" encoding="utf-8"?>
+<p:sld xmlns:a="http://schemas.openxmlformats.org/drawingml/2006/main" xmlns:r="http://schemas.openxmlformats.org/officeDocument/2006/relationships" xmlns:p="http://schemas.openxmlformats.org/presentationml/2006/main">
+  <p:cSld>
+    <p:spTree>
+      <p:nvGrpSpPr>
+        <p:cNvPr id="1" name=""/>
+        <p:cNvGrpSpPr/>
+        <p:nvPr/>
+      </p:nvGrpSpPr>
+      <p:grpSpPr>
+        <a:xfrm>
+          <a:off x="0" y="0"/>
+          <a:ext cx="0" cy="0"/>
+          <a:chOff x="0" y="0"/>
+          <a:chExt cx="0" cy="0"/>
+        </a:xfrm>
+      </p:grpSpPr>
+      <p:sp>
+        <p:nvSpPr>
+          <p:cNvPr id="2" name="제목 1">
+            <a:extLst>
+              <a:ext uri="{FF2B5EF4-FFF2-40B4-BE49-F238E27FC236}">
                 <a16:creationId xmlns:a16="http://schemas.microsoft.com/office/drawing/2014/main" id="{DDC6FD5E-D884-D961-B4F5-1AFAD3736304}"/>
               </a:ext>
             </a:extLst>
@@ -3459,7 +3617,7 @@
           <a:p>
             <a:r>
               <a:rPr lang="en-US" altLang="ko-KR" dirty="0"/>
-              <a:t>feedback</a:t>
+              <a:t>Feedback</a:t>
             </a:r>
             <a:endParaRPr lang="ko-KR" altLang="en-US" dirty="0"/>
           </a:p>
@@ -3481,63 +3639,218 @@
             <p:ph idx="1"/>
           </p:nvPr>
         </p:nvSpPr>
-        <p:spPr/>
+        <p:spPr>
+          <a:xfrm>
+            <a:off x="838200" y="1832155"/>
+            <a:ext cx="10582835" cy="1413069"/>
+          </a:xfrm>
+        </p:spPr>
         <p:txBody>
-          <a:bodyPr/>
+          <a:bodyPr>
+            <a:normAutofit lnSpcReduction="10000"/>
+          </a:bodyPr>
           <a:lstStyle/>
           <a:p>
-            <a:r>
-              <a:rPr lang="en-US" altLang="ko-KR" dirty="0" err="1"/>
-              <a:t>streamlit</a:t>
-            </a:r>
-            <a:r>
-              <a:rPr lang="ko-KR" altLang="en-US" dirty="0"/>
-              <a:t>에서 </a:t>
-            </a:r>
-            <a:r>
-              <a:rPr lang="en-US" altLang="ko-KR" dirty="0" err="1"/>
-              <a:t>text_area</a:t>
-            </a:r>
-            <a:r>
-              <a:rPr lang="ko-KR" altLang="en-US" dirty="0"/>
-              <a:t>에 입력 시 화면이 초기화되는 문제 발생 </a:t>
-            </a:r>
-            <a:r>
-              <a:rPr lang="en-US" altLang="ko-KR" dirty="0"/>
+            <a:pPr marL="0" indent="0">
+              <a:buNone/>
+            </a:pPr>
+            <a:r>
+              <a:rPr lang="ko-KR" altLang="en-US" sz="2400" dirty="0"/>
+              <a:t>텍스트 입력창에 입력</a:t>
+            </a:r>
+            <a:r>
+              <a:rPr lang="en-US" altLang="ko-KR" sz="2400" dirty="0"/>
+              <a:t>/</a:t>
+            </a:r>
+            <a:r>
+              <a:rPr lang="ko-KR" altLang="en-US" sz="2400" dirty="0"/>
+              <a:t>버튼 이용 시 화면이 초기화되는 문제 발생</a:t>
+            </a:r>
+            <a:endParaRPr lang="en-US" altLang="ko-KR" sz="2400" dirty="0"/>
+          </a:p>
+          <a:p>
+            <a:pPr marL="0" indent="0">
+              <a:buNone/>
+            </a:pPr>
+            <a:endParaRPr lang="en-US" altLang="ko-KR" sz="2400" dirty="0"/>
+          </a:p>
+          <a:p>
+            <a:pPr marL="0" marR="0" lvl="0" indent="0" algn="l" defTabSz="914400" rtl="0" eaLnBrk="1" fontAlgn="auto" latinLnBrk="1" hangingPunct="1">
+              <a:lnSpc>
+                <a:spcPct val="100000"/>
+              </a:lnSpc>
+              <a:spcBef>
+                <a:spcPts val="0"/>
+              </a:spcBef>
+              <a:spcAft>
+                <a:spcPts val="0"/>
+              </a:spcAft>
+              <a:buClrTx/>
+              <a:buSzTx/>
+              <a:buFontTx/>
+              <a:buNone/>
+              <a:tabLst/>
+              <a:defRPr/>
+            </a:pPr>
+            <a:r>
+              <a:rPr kumimoji="0" lang="ko-KR" altLang="en-US" sz="2000" b="0" i="0" u="none" strike="noStrike" kern="1200" cap="none" spc="0" normalizeH="0" baseline="0" noProof="0" dirty="0">
+                <a:ln>
+                  <a:noFill/>
+                </a:ln>
+                <a:solidFill>
+                  <a:prstClr val="black"/>
+                </a:solidFill>
+                <a:effectLst/>
+                <a:uLnTx/>
+                <a:uFillTx/>
+                <a:latin typeface="맑은 고딕" panose="020F0502020204030204"/>
+                <a:ea typeface="맑은 고딕" panose="020B0503020000020004" pitchFamily="50" charset="-127"/>
+                <a:cs typeface="+mn-cs"/>
+              </a:rPr>
+              <a:t> </a:t>
+            </a:r>
+            <a:r>
+              <a:rPr kumimoji="0" lang="en-US" altLang="ko-KR" sz="2000" b="0" i="0" u="none" strike="noStrike" kern="1200" cap="none" spc="0" normalizeH="0" baseline="0" noProof="0" dirty="0">
+                <a:ln>
+                  <a:noFill/>
+                </a:ln>
+                <a:solidFill>
+                  <a:prstClr val="black"/>
+                </a:solidFill>
+                <a:effectLst/>
+                <a:uLnTx/>
+                <a:uFillTx/>
+                <a:latin typeface="맑은 고딕" panose="020F0502020204030204"/>
+                <a:ea typeface="맑은 고딕" panose="020B0503020000020004" pitchFamily="50" charset="-127"/>
+                <a:cs typeface="+mn-cs"/>
+              </a:rPr>
               <a:t>-&gt; </a:t>
             </a:r>
             <a:r>
-              <a:rPr lang="ko-KR" altLang="en-US" dirty="0"/>
+              <a:rPr kumimoji="0" lang="ko-KR" altLang="en-US" sz="2000" b="0" i="0" u="none" strike="noStrike" kern="1200" cap="none" spc="0" normalizeH="0" baseline="0" noProof="0" dirty="0">
+                <a:ln>
+                  <a:noFill/>
+                </a:ln>
+                <a:solidFill>
+                  <a:prstClr val="black"/>
+                </a:solidFill>
+                <a:effectLst/>
+                <a:uLnTx/>
+                <a:uFillTx/>
+                <a:latin typeface="맑은 고딕" panose="020F0502020204030204"/>
+                <a:ea typeface="맑은 고딕" panose="020B0503020000020004" pitchFamily="50" charset="-127"/>
+                <a:cs typeface="+mn-cs"/>
+              </a:rPr>
               <a:t>모든 결과를 </a:t>
             </a:r>
             <a:r>
-              <a:rPr lang="en-US" altLang="ko-KR" dirty="0"/>
+              <a:rPr kumimoji="0" lang="en-US" altLang="ko-KR" sz="2000" b="0" i="0" u="none" strike="noStrike" kern="1200" cap="none" spc="0" normalizeH="0" baseline="0" noProof="0" dirty="0">
+                <a:ln>
+                  <a:noFill/>
+                </a:ln>
+                <a:solidFill>
+                  <a:prstClr val="black"/>
+                </a:solidFill>
+                <a:effectLst/>
+                <a:uLnTx/>
+                <a:uFillTx/>
+                <a:latin typeface="맑은 고딕" panose="020F0502020204030204"/>
+                <a:ea typeface="맑은 고딕" panose="020B0503020000020004" pitchFamily="50" charset="-127"/>
+                <a:cs typeface="+mn-cs"/>
+              </a:rPr>
               <a:t>session state</a:t>
             </a:r>
             <a:r>
-              <a:rPr lang="ko-KR" altLang="en-US" dirty="0"/>
+              <a:rPr kumimoji="0" lang="ko-KR" altLang="en-US" sz="2000" b="0" i="0" u="none" strike="noStrike" kern="1200" cap="none" spc="0" normalizeH="0" baseline="0" noProof="0" dirty="0">
+                <a:ln>
+                  <a:noFill/>
+                </a:ln>
+                <a:solidFill>
+                  <a:prstClr val="black"/>
+                </a:solidFill>
+                <a:effectLst/>
+                <a:uLnTx/>
+                <a:uFillTx/>
+                <a:latin typeface="맑은 고딕" panose="020F0502020204030204"/>
+                <a:ea typeface="맑은 고딕" panose="020B0503020000020004" pitchFamily="50" charset="-127"/>
+                <a:cs typeface="+mn-cs"/>
+              </a:rPr>
               <a:t>에 저장하고</a:t>
             </a:r>
             <a:r>
-              <a:rPr lang="en-US" altLang="ko-KR" dirty="0"/>
+              <a:rPr kumimoji="0" lang="en-US" altLang="ko-KR" sz="2000" b="0" i="0" u="none" strike="noStrike" kern="1200" cap="none" spc="0" normalizeH="0" baseline="0" noProof="0" dirty="0">
+                <a:ln>
+                  <a:noFill/>
+                </a:ln>
+                <a:solidFill>
+                  <a:prstClr val="black"/>
+                </a:solidFill>
+                <a:effectLst/>
+                <a:uLnTx/>
+                <a:uFillTx/>
+                <a:latin typeface="맑은 고딕" panose="020F0502020204030204"/>
+                <a:ea typeface="맑은 고딕" panose="020B0503020000020004" pitchFamily="50" charset="-127"/>
+                <a:cs typeface="+mn-cs"/>
+              </a:rPr>
               <a:t>, </a:t>
             </a:r>
             <a:r>
-              <a:rPr lang="ko-KR" altLang="en-US" dirty="0"/>
+              <a:rPr kumimoji="0" lang="ko-KR" altLang="en-US" sz="2000" b="0" i="0" u="none" strike="noStrike" kern="1200" cap="none" spc="0" normalizeH="0" baseline="0" noProof="0" dirty="0">
+                <a:ln>
+                  <a:noFill/>
+                </a:ln>
+                <a:solidFill>
+                  <a:prstClr val="black"/>
+                </a:solidFill>
+                <a:effectLst/>
+                <a:uLnTx/>
+                <a:uFillTx/>
+                <a:latin typeface="맑은 고딕" panose="020F0502020204030204"/>
+                <a:ea typeface="맑은 고딕" panose="020B0503020000020004" pitchFamily="50" charset="-127"/>
+                <a:cs typeface="+mn-cs"/>
+              </a:rPr>
               <a:t>실질적인 표시는 전부 </a:t>
             </a:r>
             <a:r>
-              <a:rPr lang="en-US" altLang="ko-KR" dirty="0"/>
+              <a:rPr kumimoji="0" lang="en-US" altLang="ko-KR" sz="2000" b="0" i="0" u="none" strike="noStrike" kern="1200" cap="none" spc="0" normalizeH="0" baseline="0" noProof="0" dirty="0">
+                <a:ln>
+                  <a:noFill/>
+                </a:ln>
+                <a:solidFill>
+                  <a:prstClr val="black"/>
+                </a:solidFill>
+                <a:effectLst/>
+                <a:uLnTx/>
+                <a:uFillTx/>
+                <a:latin typeface="맑은 고딕" panose="020F0502020204030204"/>
+                <a:ea typeface="맑은 고딕" panose="020B0503020000020004" pitchFamily="50" charset="-127"/>
+                <a:cs typeface="+mn-cs"/>
+              </a:rPr>
               <a:t>session state</a:t>
             </a:r>
             <a:r>
-              <a:rPr lang="ko-KR" altLang="en-US" dirty="0"/>
+              <a:rPr kumimoji="0" lang="ko-KR" altLang="en-US" sz="2000" b="0" i="0" u="none" strike="noStrike" kern="1200" cap="none" spc="0" normalizeH="0" baseline="0" noProof="0" dirty="0">
+                <a:ln>
+                  <a:noFill/>
+                </a:ln>
+                <a:solidFill>
+                  <a:prstClr val="black"/>
+                </a:solidFill>
+                <a:effectLst/>
+                <a:uLnTx/>
+                <a:uFillTx/>
+                <a:latin typeface="맑은 고딕" panose="020F0502020204030204"/>
+                <a:ea typeface="맑은 고딕" panose="020B0503020000020004" pitchFamily="50" charset="-127"/>
+                <a:cs typeface="+mn-cs"/>
+              </a:rPr>
               <a:t>에서 불러오도록 변경</a:t>
             </a:r>
-            <a:endParaRPr lang="en-US" altLang="ko-KR" dirty="0"/>
-          </a:p>
-          <a:p>
-            <a:endParaRPr lang="ko-KR" altLang="en-US" dirty="0"/>
+          </a:p>
+          <a:p>
+            <a:pPr marL="0" indent="0">
+              <a:buNone/>
+            </a:pPr>
+            <a:endParaRPr lang="en-US" altLang="ko-KR" sz="2400" dirty="0"/>
           </a:p>
         </p:txBody>
       </p:sp>
@@ -3569,7 +3882,7 @@
         </p:blipFill>
         <p:spPr>
           <a:xfrm>
-            <a:off x="0" y="3514724"/>
+            <a:off x="89647" y="3505760"/>
             <a:ext cx="5936512" cy="3190875"/>
           </a:xfrm>
           <a:prstGeom prst="rect">
@@ -3605,7 +3918,7 @@
         </p:blipFill>
         <p:spPr>
           <a:xfrm>
-            <a:off x="6181724" y="3475076"/>
+            <a:off x="6026159" y="3496795"/>
             <a:ext cx="6010275" cy="3230523"/>
           </a:xfrm>
           <a:prstGeom prst="rect">
@@ -3626,7 +3939,7 @@
 </p:sld>
 </file>
 
-<file path=ppt/slides/slide11.xml><?xml version="1.0" encoding="utf-8"?>
+<file path=ppt/slides/slide12.xml><?xml version="1.0" encoding="utf-8"?>
 <p:sld xmlns:a="http://schemas.openxmlformats.org/drawingml/2006/main" xmlns:r="http://schemas.openxmlformats.org/officeDocument/2006/relationships" xmlns:p="http://schemas.openxmlformats.org/presentationml/2006/main">
   <p:cSld>
     <p:spTree>
@@ -3666,7 +3979,7 @@
           <a:p>
             <a:r>
               <a:rPr lang="en-US" altLang="ko-KR" dirty="0"/>
-              <a:t>results</a:t>
+              <a:t>Results</a:t>
             </a:r>
             <a:endParaRPr lang="ko-KR" altLang="en-US" dirty="0"/>
           </a:p>
@@ -3690,54 +4003,59 @@
         </p:nvSpPr>
         <p:spPr>
           <a:xfrm>
-            <a:off x="838200" y="4851399"/>
+            <a:off x="838200" y="5274889"/>
             <a:ext cx="10515600" cy="1325563"/>
           </a:xfrm>
         </p:spPr>
         <p:txBody>
-          <a:bodyPr/>
+          <a:bodyPr>
+            <a:normAutofit/>
+          </a:bodyPr>
           <a:lstStyle/>
           <a:p>
-            <a:r>
-              <a:rPr lang="ko-KR" altLang="en-US" dirty="0"/>
+            <a:pPr marL="0" indent="0">
+              <a:lnSpc>
+                <a:spcPct val="150000"/>
+              </a:lnSpc>
+              <a:buNone/>
+            </a:pPr>
+            <a:r>
+              <a:rPr lang="ko-KR" altLang="en-US" sz="2400" dirty="0"/>
               <a:t>최종 </a:t>
             </a:r>
             <a:r>
-              <a:rPr lang="ko-KR" altLang="en-US" dirty="0" err="1"/>
+              <a:rPr lang="ko-KR" altLang="en-US" sz="2400" dirty="0" err="1"/>
               <a:t>리스팅을</a:t>
             </a:r>
             <a:r>
-              <a:rPr lang="ko-KR" altLang="en-US" dirty="0"/>
+              <a:rPr lang="ko-KR" altLang="en-US" sz="2400" dirty="0"/>
               <a:t> 한눈에 보기 쉽게 배열 후</a:t>
             </a:r>
             <a:r>
-              <a:rPr lang="en-US" altLang="ko-KR" dirty="0"/>
+              <a:rPr lang="en-US" altLang="ko-KR" sz="2400" dirty="0"/>
               <a:t>, </a:t>
             </a:r>
             <a:r>
-              <a:rPr lang="ko-KR" altLang="en-US" dirty="0"/>
+              <a:rPr lang="ko-KR" altLang="en-US" sz="2400" dirty="0"/>
               <a:t>저장 버튼을 통해 </a:t>
             </a:r>
             <a:r>
-              <a:rPr lang="en-US" altLang="ko-KR" dirty="0"/>
+              <a:rPr lang="en-US" altLang="ko-KR" sz="2400" dirty="0"/>
               <a:t>txt</a:t>
             </a:r>
             <a:r>
-              <a:rPr lang="ko-KR" altLang="en-US" dirty="0"/>
+              <a:rPr lang="ko-KR" altLang="en-US" sz="2400" dirty="0"/>
               <a:t>로 실제 </a:t>
             </a:r>
             <a:r>
-              <a:rPr lang="ko-KR" altLang="en-US" dirty="0" err="1"/>
+              <a:rPr lang="ko-KR" altLang="en-US" sz="2400" dirty="0" err="1"/>
               <a:t>리스팅</a:t>
             </a:r>
             <a:r>
-              <a:rPr lang="ko-KR" altLang="en-US" dirty="0"/>
+              <a:rPr lang="ko-KR" altLang="en-US" sz="2400" dirty="0"/>
               <a:t> 및 정보를 제공함</a:t>
             </a:r>
-            <a:endParaRPr lang="en-US" altLang="ko-KR" dirty="0"/>
-          </a:p>
-          <a:p>
-            <a:endParaRPr lang="ko-KR" altLang="en-US" dirty="0"/>
+            <a:endParaRPr lang="en-US" altLang="ko-KR" sz="2400" dirty="0"/>
           </a:p>
         </p:txBody>
       </p:sp>
@@ -3769,7 +4087,7 @@
         </p:blipFill>
         <p:spPr>
           <a:xfrm>
-            <a:off x="4086225" y="365125"/>
+            <a:off x="3648075" y="537882"/>
             <a:ext cx="7705725" cy="4141827"/>
           </a:xfrm>
           <a:prstGeom prst="rect">
@@ -3790,7 +4108,7 @@
 </p:sld>
 </file>
 
-<file path=ppt/slides/slide12.xml><?xml version="1.0" encoding="utf-8"?>
+<file path=ppt/slides/slide13.xml><?xml version="1.0" encoding="utf-8"?>
 <p:sld xmlns:a="http://schemas.openxmlformats.org/drawingml/2006/main" xmlns:r="http://schemas.openxmlformats.org/officeDocument/2006/relationships" xmlns:p="http://schemas.openxmlformats.org/presentationml/2006/main">
   <p:cSld>
     <p:spTree>
@@ -3854,7 +4172,7 @@
         <p:spPr>
           <a:xfrm>
             <a:off x="838200" y="1825625"/>
-            <a:ext cx="4924425" cy="4351338"/>
+            <a:ext cx="5670176" cy="4351338"/>
           </a:xfrm>
         </p:spPr>
         <p:txBody>
@@ -3863,38 +4181,58 @@
           </a:bodyPr>
           <a:lstStyle/>
           <a:p>
-            <a:r>
-              <a:rPr lang="en-US" altLang="ko-KR" dirty="0"/>
+            <a:pPr>
+              <a:lnSpc>
+                <a:spcPct val="150000"/>
+              </a:lnSpc>
+            </a:pPr>
+            <a:r>
+              <a:rPr lang="en-US" altLang="ko-KR" sz="2400" dirty="0"/>
               <a:t>Core: Python, LangGraph, </a:t>
             </a:r>
             <a:r>
-              <a:rPr lang="en-US" altLang="ko-KR" dirty="0" err="1"/>
+              <a:rPr lang="en-US" altLang="ko-KR" sz="2400" dirty="0" err="1"/>
               <a:t>LangChain</a:t>
             </a:r>
-            <a:endParaRPr lang="en-US" altLang="ko-KR" dirty="0"/>
-          </a:p>
-          <a:p>
-            <a:r>
-              <a:rPr lang="en-US" altLang="ko-KR" dirty="0"/>
+            <a:endParaRPr lang="en-US" altLang="ko-KR" sz="2400" dirty="0"/>
+          </a:p>
+          <a:p>
+            <a:pPr>
+              <a:lnSpc>
+                <a:spcPct val="150000"/>
+              </a:lnSpc>
+            </a:pPr>
+            <a:r>
+              <a:rPr lang="en-US" altLang="ko-KR" sz="2400" dirty="0"/>
               <a:t>AI / LLM: OpenAI</a:t>
             </a:r>
           </a:p>
           <a:p>
-            <a:r>
-              <a:rPr lang="en-US" altLang="ko-KR" dirty="0"/>
+            <a:pPr>
+              <a:lnSpc>
+                <a:spcPct val="150000"/>
+              </a:lnSpc>
+            </a:pPr>
+            <a:r>
+              <a:rPr lang="en-US" altLang="ko-KR" sz="2400" dirty="0"/>
               <a:t>Data Processing: Pandas, NumPy</a:t>
             </a:r>
           </a:p>
           <a:p>
-            <a:r>
-              <a:rPr lang="en-US" altLang="ko-KR" dirty="0"/>
+            <a:pPr>
+              <a:lnSpc>
+                <a:spcPct val="150000"/>
+              </a:lnSpc>
+            </a:pPr>
+            <a:r>
+              <a:rPr lang="en-US" altLang="ko-KR" sz="2400" dirty="0"/>
               <a:t>UI: </a:t>
             </a:r>
             <a:r>
-              <a:rPr lang="en-US" altLang="ko-KR" dirty="0" err="1"/>
+              <a:rPr lang="en-US" altLang="ko-KR" sz="2400" dirty="0" err="1"/>
               <a:t>Streamlit</a:t>
             </a:r>
-            <a:endParaRPr lang="en-US" altLang="ko-KR" dirty="0"/>
+            <a:endParaRPr lang="en-US" altLang="ko-KR" sz="2400" dirty="0"/>
           </a:p>
           <a:p>
             <a:endParaRPr lang="ko-KR" altLang="en-US" dirty="0"/>
@@ -3929,8 +4267,8 @@
         </p:blipFill>
         <p:spPr>
           <a:xfrm>
-            <a:off x="5935265" y="0"/>
-            <a:ext cx="5979319" cy="6858000"/>
+            <a:off x="6429977" y="273423"/>
+            <a:ext cx="5502537" cy="6311153"/>
           </a:xfrm>
           <a:prstGeom prst="rect">
             <a:avLst/>
@@ -4018,27 +4356,46 @@
           <a:p>
             <a:r>
               <a:rPr lang="ko-KR" altLang="en-US" sz="2400" dirty="0"/>
-              <a:t>실제 사람이 하는 과정과 최대한 비슷하게 구현하려고 노력함</a:t>
+              <a:t>실제 사람이 하는 과정과 최대한 비슷하게 프로그램을 제작</a:t>
             </a:r>
             <a:endParaRPr lang="en-US" altLang="ko-KR" sz="2400" dirty="0"/>
           </a:p>
           <a:p>
             <a:r>
               <a:rPr lang="ko-KR" altLang="en-US" sz="2400" dirty="0"/>
-              <a:t>아마존 규격이 엄격해서</a:t>
+              <a:t>엄격한 아마존 규격에 맞출 수 있게 </a:t>
+            </a:r>
+            <a:r>
+              <a:rPr lang="ko-KR" altLang="en-US" sz="2400" dirty="0" err="1"/>
+              <a:t>리스팅을</a:t>
+            </a:r>
+            <a:r>
+              <a:rPr lang="ko-KR" altLang="en-US" sz="2400" dirty="0"/>
+              <a:t> 생성할 수 있도록 함</a:t>
+            </a:r>
+            <a:endParaRPr lang="en-US" altLang="ko-KR" sz="2400" dirty="0"/>
+          </a:p>
+          <a:p>
+            <a:r>
+              <a:rPr lang="ko-KR" altLang="en-US" sz="2400" dirty="0"/>
+              <a:t>사용자가 필요한 정보를 최대한 많이 줄 수 있도록 설계</a:t>
+            </a:r>
+            <a:endParaRPr lang="en-US" altLang="ko-KR" sz="2400" dirty="0"/>
+          </a:p>
+          <a:p>
+            <a:r>
+              <a:rPr lang="ko-KR" altLang="en-US" sz="2400" dirty="0"/>
+              <a:t>한눈에 볼 수 있는 </a:t>
             </a:r>
             <a:r>
               <a:rPr lang="en-US" altLang="ko-KR" sz="2400" dirty="0"/>
-              <a:t>, </a:t>
+              <a:t>UI/UX </a:t>
             </a:r>
             <a:r>
               <a:rPr lang="ko-KR" altLang="en-US" sz="2400" dirty="0"/>
-              <a:t>최대한 규격에 맞게 생성해야 했음</a:t>
+              <a:t>구현</a:t>
             </a:r>
             <a:endParaRPr lang="en-US" altLang="ko-KR" sz="2400" dirty="0"/>
-          </a:p>
-          <a:p>
-            <a:endParaRPr lang="ko-KR" altLang="en-US" dirty="0"/>
           </a:p>
         </p:txBody>
       </p:sp>
@@ -4162,37 +4519,31 @@
             <p:ph idx="1"/>
           </p:nvPr>
         </p:nvSpPr>
-        <p:spPr/>
+        <p:spPr>
+          <a:xfrm>
+            <a:off x="838200" y="1825625"/>
+            <a:ext cx="8538882" cy="4351338"/>
+          </a:xfrm>
+        </p:spPr>
         <p:txBody>
           <a:bodyPr/>
           <a:lstStyle/>
           <a:p>
+            <a:pPr marL="514350" indent="-514350">
+              <a:buFont typeface="+mj-lt"/>
+              <a:buAutoNum type="arabicPeriod"/>
+            </a:pPr>
             <a:r>
               <a:rPr lang="ko-KR" altLang="en-US" dirty="0"/>
-              <a:t>받은 데이터를 정제 </a:t>
-            </a:r>
-            <a:r>
-              <a:rPr lang="en-US" altLang="ko-KR" dirty="0"/>
-              <a:t>(200</a:t>
-            </a:r>
-            <a:r>
-              <a:rPr lang="ko-KR" altLang="en-US" dirty="0"/>
-              <a:t>개 </a:t>
-            </a:r>
-            <a:r>
-              <a:rPr lang="en-US" altLang="ko-KR" dirty="0"/>
-              <a:t>-&gt; 150</a:t>
-            </a:r>
-            <a:r>
-              <a:rPr lang="ko-KR" altLang="en-US" dirty="0"/>
-              <a:t>개</a:t>
-            </a:r>
-            <a:r>
-              <a:rPr lang="en-US" altLang="ko-KR" dirty="0"/>
-              <a:t>)</a:t>
-            </a:r>
-          </a:p>
-          <a:p>
+              <a:t>받은 데이터를 정제</a:t>
+            </a:r>
+            <a:endParaRPr lang="en-US" altLang="ko-KR" dirty="0"/>
+          </a:p>
+          <a:p>
+            <a:pPr marL="514350" indent="-514350">
+              <a:buFont typeface="+mj-lt"/>
+              <a:buAutoNum type="arabicPeriod"/>
+            </a:pPr>
             <a:r>
               <a:rPr lang="ko-KR" altLang="en-US" dirty="0"/>
               <a:t>연관성 체크</a:t>
@@ -4200,32 +4551,21 @@
             <a:endParaRPr lang="en-US" altLang="ko-KR" dirty="0"/>
           </a:p>
           <a:p>
+            <a:pPr marL="514350" indent="-514350">
+              <a:buFont typeface="+mj-lt"/>
+              <a:buAutoNum type="arabicPeriod"/>
+            </a:pPr>
             <a:r>
               <a:rPr lang="ko-KR" altLang="en-US" dirty="0"/>
               <a:t>사용할 키워드 선정</a:t>
             </a:r>
-            <a:r>
-              <a:rPr lang="en-US" altLang="ko-KR" dirty="0"/>
-              <a:t> (</a:t>
-            </a:r>
-            <a:r>
-              <a:rPr lang="ko-KR" altLang="en-US" dirty="0"/>
-              <a:t>약 </a:t>
-            </a:r>
-            <a:r>
-              <a:rPr lang="en-US" altLang="ko-KR" dirty="0"/>
-              <a:t>50</a:t>
-            </a:r>
-            <a:r>
-              <a:rPr lang="ko-KR" altLang="en-US" dirty="0"/>
-              <a:t>개</a:t>
-            </a:r>
-            <a:r>
-              <a:rPr lang="en-US" altLang="ko-KR" dirty="0"/>
-              <a:t>)</a:t>
-            </a:r>
-          </a:p>
-          <a:p>
+            <a:endParaRPr lang="en-US" altLang="ko-KR" dirty="0"/>
+          </a:p>
+          <a:p>
+            <a:pPr marL="514350" indent="-514350">
+              <a:buFont typeface="+mj-lt"/>
+              <a:buAutoNum type="arabicPeriod"/>
+            </a:pPr>
             <a:r>
               <a:rPr lang="ko-KR" altLang="en-US" dirty="0"/>
               <a:t>파트별로 키워드 분배 </a:t>
@@ -4236,6 +4576,10 @@
             </a:r>
           </a:p>
           <a:p>
+            <a:pPr marL="514350" indent="-514350">
+              <a:buFont typeface="+mj-lt"/>
+              <a:buAutoNum type="arabicPeriod"/>
+            </a:pPr>
             <a:r>
               <a:rPr lang="ko-KR" altLang="en-US" dirty="0"/>
               <a:t>주어진 키워드 </a:t>
@@ -4259,6 +4603,29 @@
             <a:r>
               <a:rPr lang="ko-KR" altLang="en-US" dirty="0"/>
               <a:t> 생성</a:t>
+            </a:r>
+            <a:endParaRPr lang="en-US" altLang="ko-KR" dirty="0"/>
+          </a:p>
+          <a:p>
+            <a:pPr marL="514350" indent="-514350">
+              <a:buFont typeface="+mj-lt"/>
+              <a:buAutoNum type="arabicPeriod"/>
+            </a:pPr>
+            <a:r>
+              <a:rPr lang="en-US" altLang="ko-KR" dirty="0"/>
+              <a:t>(</a:t>
+            </a:r>
+            <a:r>
+              <a:rPr lang="ko-KR" altLang="en-US" dirty="0"/>
+              <a:t>선택</a:t>
+            </a:r>
+            <a:r>
+              <a:rPr lang="en-US" altLang="ko-KR" dirty="0"/>
+              <a:t>) </a:t>
+            </a:r>
+            <a:r>
+              <a:rPr lang="ko-KR" altLang="en-US" dirty="0"/>
+              <a:t>실제 제품정보와 비교를 통해 사실과 아닌 부분을 수정</a:t>
             </a:r>
             <a:endParaRPr lang="en-US" altLang="ko-KR" dirty="0"/>
           </a:p>
@@ -4345,8 +4712,8 @@
         </p:nvSpPr>
         <p:spPr>
           <a:xfrm>
-            <a:off x="3087687" y="5394960"/>
-            <a:ext cx="1209675" cy="369332"/>
+            <a:off x="2220540" y="5394960"/>
+            <a:ext cx="1209675" cy="646331"/>
           </a:xfrm>
           <a:prstGeom prst="rect">
             <a:avLst/>
@@ -4359,10 +4726,14 @@
           </a:bodyPr>
           <a:lstStyle/>
           <a:p>
-            <a:r>
-              <a:rPr lang="ko-KR" altLang="en-US" dirty="0"/>
-              <a:t>총 </a:t>
-            </a:r>
+            <a:pPr algn="ctr"/>
+            <a:r>
+              <a:rPr lang="en-US" altLang="ko-KR" dirty="0"/>
+              <a:t>Raw Data</a:t>
+            </a:r>
+          </a:p>
+          <a:p>
+            <a:pPr algn="ctr"/>
             <a:r>
               <a:rPr lang="en-US" altLang="ko-KR" dirty="0"/>
               <a:t>186</a:t>
@@ -4388,7 +4759,7 @@
         </p:nvSpPr>
         <p:spPr>
           <a:xfrm>
-            <a:off x="7741405" y="5394960"/>
+            <a:off x="8531135" y="5533459"/>
             <a:ext cx="795411" cy="369332"/>
           </a:xfrm>
           <a:prstGeom prst="rect">
@@ -4402,6 +4773,7 @@
           </a:bodyPr>
           <a:lstStyle/>
           <a:p>
+            <a:pPr algn="ctr"/>
             <a:r>
               <a:rPr lang="en-US" altLang="ko-KR" dirty="0"/>
               <a:t>151</a:t>
@@ -4429,14 +4801,14 @@
           <p:nvPr>
             <p:extLst>
               <p:ext uri="{D42A27DB-BD31-4B8C-83A1-F6EECF244321}">
-                <p14:modId xmlns:p14="http://schemas.microsoft.com/office/powerpoint/2010/main" val="743932077"/>
+                <p14:modId xmlns:p14="http://schemas.microsoft.com/office/powerpoint/2010/main" val="1705214907"/>
               </p:ext>
             </p:extLst>
           </p:nvPr>
         </p:nvGraphicFramePr>
         <p:xfrm>
-          <a:off x="2193923" y="1832372"/>
-          <a:ext cx="2787651" cy="3143250"/>
+          <a:off x="1326776" y="1832372"/>
+          <a:ext cx="2787651" cy="3278505"/>
         </p:xfrm>
         <a:graphic>
           <a:graphicData uri="http://schemas.openxmlformats.org/drawingml/2006/table">
@@ -4445,14 +4817,14 @@
                 <a:tableStyleId>{3B4B98B0-60AC-42C2-AFA5-B58CD77FA1E5}</a:tableStyleId>
               </a:tblPr>
               <a:tblGrid>
-                <a:gridCol w="1414498">
+                <a:gridCol w="1293348">
                   <a:extLst>
                     <a:ext uri="{9D8B030D-6E8A-4147-A177-3AD203B41FA5}">
                       <a16:colId xmlns:a16="http://schemas.microsoft.com/office/drawing/2014/main" val="2019054803"/>
                     </a:ext>
                   </a:extLst>
                 </a:gridCol>
-                <a:gridCol w="513825">
+                <a:gridCol w="634975">
                   <a:extLst>
                     <a:ext uri="{9D8B030D-6E8A-4147-A177-3AD203B41FA5}">
                       <a16:colId xmlns:a16="http://schemas.microsoft.com/office/drawing/2014/main" val="2040588214"/>
@@ -4514,7 +4886,23 @@
                           <a:latin typeface="맑은 고딕" panose="020B0503020000020004" pitchFamily="50" charset="-127"/>
                           <a:ea typeface="맑은 고딕" panose="020B0503020000020004" pitchFamily="50" charset="-127"/>
                         </a:rPr>
-                        <a:t>SV</a:t>
+                        <a:t>Search</a:t>
+                      </a:r>
+                    </a:p>
+                    <a:p>
+                      <a:pPr algn="ctr" fontAlgn="ctr">
+                        <a:buNone/>
+                      </a:pPr>
+                      <a:r>
+                        <a:rPr lang="en-US" sz="1100" b="1" i="0" u="none" strike="noStrike" dirty="0">
+                          <a:solidFill>
+                            <a:srgbClr val="000000"/>
+                          </a:solidFill>
+                          <a:effectLst/>
+                          <a:latin typeface="맑은 고딕" panose="020B0503020000020004" pitchFamily="50" charset="-127"/>
+                          <a:ea typeface="맑은 고딕" panose="020B0503020000020004" pitchFamily="50" charset="-127"/>
+                        </a:rPr>
+                        <a:t>Volume</a:t>
                       </a:r>
                     </a:p>
                   </a:txBody>
@@ -4535,7 +4923,21 @@
                           </a:solidFill>
                           <a:effectLst/>
                         </a:rPr>
-                        <a:t>CP</a:t>
+                        <a:t>Competing</a:t>
+                      </a:r>
+                    </a:p>
+                    <a:p>
+                      <a:pPr algn="ctr" fontAlgn="ctr">
+                        <a:buNone/>
+                      </a:pPr>
+                      <a:r>
+                        <a:rPr lang="en-US" sz="1100" b="1" u="none" strike="noStrike" dirty="0">
+                          <a:solidFill>
+                            <a:srgbClr val="000000"/>
+                          </a:solidFill>
+                          <a:effectLst/>
+                        </a:rPr>
+                        <a:t>Products</a:t>
                       </a:r>
                       <a:endParaRPr lang="en-US" sz="1100" b="1" i="0" u="none" strike="noStrike" dirty="0">
                         <a:solidFill>
@@ -5881,13 +6283,1750 @@
           <p:nvPr>
             <p:extLst>
               <p:ext uri="{D42A27DB-BD31-4B8C-83A1-F6EECF244321}">
-                <p14:modId xmlns:p14="http://schemas.microsoft.com/office/powerpoint/2010/main" val="3542212636"/>
+                <p14:modId xmlns:p14="http://schemas.microsoft.com/office/powerpoint/2010/main" val="1154844156"/>
               </p:ext>
             </p:extLst>
           </p:nvPr>
         </p:nvGraphicFramePr>
         <p:xfrm>
-          <a:off x="6621841" y="1832372"/>
+          <a:off x="7410735" y="1832372"/>
+          <a:ext cx="3454489" cy="2440305"/>
+        </p:xfrm>
+        <a:graphic>
+          <a:graphicData uri="http://schemas.openxmlformats.org/drawingml/2006/table">
+            <a:tbl>
+              <a:tblPr firstRow="1">
+                <a:tableStyleId>{3B4B98B0-60AC-42C2-AFA5-B58CD77FA1E5}</a:tableStyleId>
+              </a:tblPr>
+              <a:tblGrid>
+                <a:gridCol w="1320889">
+                  <a:extLst>
+                    <a:ext uri="{9D8B030D-6E8A-4147-A177-3AD203B41FA5}">
+                      <a16:colId xmlns:a16="http://schemas.microsoft.com/office/drawing/2014/main" val="1692183644"/>
+                    </a:ext>
+                  </a:extLst>
+                </a:gridCol>
+                <a:gridCol w="717176">
+                  <a:extLst>
+                    <a:ext uri="{9D8B030D-6E8A-4147-A177-3AD203B41FA5}">
+                      <a16:colId xmlns:a16="http://schemas.microsoft.com/office/drawing/2014/main" val="678326170"/>
+                    </a:ext>
+                  </a:extLst>
+                </a:gridCol>
+                <a:gridCol w="797859">
+                  <a:extLst>
+                    <a:ext uri="{9D8B030D-6E8A-4147-A177-3AD203B41FA5}">
+                      <a16:colId xmlns:a16="http://schemas.microsoft.com/office/drawing/2014/main" val="205673568"/>
+                    </a:ext>
+                  </a:extLst>
+                </a:gridCol>
+                <a:gridCol w="618565">
+                  <a:extLst>
+                    <a:ext uri="{9D8B030D-6E8A-4147-A177-3AD203B41FA5}">
+                      <a16:colId xmlns:a16="http://schemas.microsoft.com/office/drawing/2014/main" val="3844517400"/>
+                    </a:ext>
+                  </a:extLst>
+                </a:gridCol>
+              </a:tblGrid>
+              <a:tr h="209550">
+                <a:tc>
+                  <a:txBody>
+                    <a:bodyPr/>
+                    <a:lstStyle/>
+                    <a:p>
+                      <a:pPr algn="ctr" fontAlgn="ctr">
+                        <a:buNone/>
+                      </a:pPr>
+                      <a:r>
+                        <a:rPr lang="en-US" sz="1100" b="1" u="none" strike="noStrike" dirty="0">
+                          <a:solidFill>
+                            <a:srgbClr val="000000"/>
+                          </a:solidFill>
+                          <a:effectLst/>
+                        </a:rPr>
+                        <a:t>Keywords</a:t>
+                      </a:r>
+                      <a:endParaRPr lang="en-US" sz="1100" b="1" i="0" u="none" strike="noStrike" dirty="0">
+                        <a:solidFill>
+                          <a:srgbClr val="000000"/>
+                        </a:solidFill>
+                        <a:effectLst/>
+                        <a:latin typeface="맑은 고딕" panose="020B0503020000020004" pitchFamily="50" charset="-127"/>
+                        <a:ea typeface="맑은 고딕" panose="020B0503020000020004" pitchFamily="50" charset="-127"/>
+                      </a:endParaRPr>
+                    </a:p>
+                  </a:txBody>
+                  <a:tcPr marL="9525" marR="9525" marT="9525" marB="0" anchor="ctr"/>
+                </a:tc>
+                <a:tc>
+                  <a:txBody>
+                    <a:bodyPr/>
+                    <a:lstStyle/>
+                    <a:p>
+                      <a:pPr algn="ctr" fontAlgn="ctr">
+                        <a:buNone/>
+                      </a:pPr>
+                      <a:r>
+                        <a:rPr lang="en-US" sz="1100" b="1" u="none" strike="noStrike" dirty="0">
+                          <a:solidFill>
+                            <a:srgbClr val="000000"/>
+                          </a:solidFill>
+                          <a:effectLst/>
+                        </a:rPr>
+                        <a:t>Search</a:t>
+                      </a:r>
+                    </a:p>
+                    <a:p>
+                      <a:pPr algn="ctr" fontAlgn="ctr">
+                        <a:buNone/>
+                      </a:pPr>
+                      <a:r>
+                        <a:rPr lang="en-US" sz="1100" b="1" u="none" strike="noStrike" dirty="0">
+                          <a:solidFill>
+                            <a:srgbClr val="000000"/>
+                          </a:solidFill>
+                          <a:effectLst/>
+                        </a:rPr>
+                        <a:t>Volume</a:t>
+                      </a:r>
+                      <a:endParaRPr lang="en-US" sz="1100" b="1" i="0" u="none" strike="noStrike" dirty="0">
+                        <a:solidFill>
+                          <a:srgbClr val="000000"/>
+                        </a:solidFill>
+                        <a:effectLst/>
+                        <a:latin typeface="맑은 고딕" panose="020B0503020000020004" pitchFamily="50" charset="-127"/>
+                        <a:ea typeface="맑은 고딕" panose="020B0503020000020004" pitchFamily="50" charset="-127"/>
+                      </a:endParaRPr>
+                    </a:p>
+                  </a:txBody>
+                  <a:tcPr marL="9525" marR="9525" marT="9525" marB="0" anchor="ctr"/>
+                </a:tc>
+                <a:tc>
+                  <a:txBody>
+                    <a:bodyPr/>
+                    <a:lstStyle/>
+                    <a:p>
+                      <a:pPr algn="ctr" fontAlgn="ctr">
+                        <a:buNone/>
+                      </a:pPr>
+                      <a:r>
+                        <a:rPr lang="en-US" sz="1100" b="1" u="none" strike="noStrike" dirty="0">
+                          <a:solidFill>
+                            <a:srgbClr val="000000"/>
+                          </a:solidFill>
+                          <a:effectLst/>
+                        </a:rPr>
+                        <a:t>Competing</a:t>
+                      </a:r>
+                    </a:p>
+                    <a:p>
+                      <a:pPr algn="ctr" fontAlgn="ctr">
+                        <a:buNone/>
+                      </a:pPr>
+                      <a:r>
+                        <a:rPr lang="en-US" sz="1100" b="1" u="none" strike="noStrike" dirty="0">
+                          <a:solidFill>
+                            <a:srgbClr val="000000"/>
+                          </a:solidFill>
+                          <a:effectLst/>
+                        </a:rPr>
+                        <a:t>Products</a:t>
+                      </a:r>
+                      <a:endParaRPr lang="en-US" sz="1100" b="1" i="0" u="none" strike="noStrike" dirty="0">
+                        <a:solidFill>
+                          <a:srgbClr val="000000"/>
+                        </a:solidFill>
+                        <a:effectLst/>
+                        <a:latin typeface="맑은 고딕" panose="020B0503020000020004" pitchFamily="50" charset="-127"/>
+                        <a:ea typeface="맑은 고딕" panose="020B0503020000020004" pitchFamily="50" charset="-127"/>
+                      </a:endParaRPr>
+                    </a:p>
+                  </a:txBody>
+                  <a:tcPr marL="9525" marR="9525" marT="9525" marB="0" anchor="ctr"/>
+                </a:tc>
+                <a:tc>
+                  <a:txBody>
+                    <a:bodyPr/>
+                    <a:lstStyle/>
+                    <a:p>
+                      <a:pPr algn="ctr" fontAlgn="ctr">
+                        <a:buNone/>
+                      </a:pPr>
+                      <a:r>
+                        <a:rPr lang="en-US" sz="1100" b="1" i="0" u="none" strike="noStrike" dirty="0">
+                          <a:solidFill>
+                            <a:srgbClr val="000000"/>
+                          </a:solidFill>
+                          <a:effectLst/>
+                          <a:latin typeface="맑은 고딕" panose="020B0503020000020004" pitchFamily="50" charset="-127"/>
+                          <a:ea typeface="맑은 고딕" panose="020B0503020000020004" pitchFamily="50" charset="-127"/>
+                        </a:rPr>
+                        <a:t>Value</a:t>
+                      </a:r>
+                    </a:p>
+                    <a:p>
+                      <a:pPr algn="ctr" fontAlgn="ctr">
+                        <a:buNone/>
+                      </a:pPr>
+                      <a:r>
+                        <a:rPr lang="en-US" sz="1100" b="1" i="0" u="none" strike="noStrike" dirty="0">
+                          <a:solidFill>
+                            <a:srgbClr val="000000"/>
+                          </a:solidFill>
+                          <a:effectLst/>
+                          <a:latin typeface="맑은 고딕" panose="020B0503020000020004" pitchFamily="50" charset="-127"/>
+                          <a:ea typeface="맑은 고딕" panose="020B0503020000020004" pitchFamily="50" charset="-127"/>
+                        </a:rPr>
+                        <a:t>Score</a:t>
+                      </a:r>
+                    </a:p>
+                  </a:txBody>
+                  <a:tcPr marL="9525" marR="9525" marT="9525" marB="0" anchor="ctr"/>
+                </a:tc>
+                <a:extLst>
+                  <a:ext uri="{0D108BD9-81ED-4DB2-BD59-A6C34878D82A}">
+                    <a16:rowId xmlns:a16="http://schemas.microsoft.com/office/drawing/2014/main" val="956475320"/>
+                  </a:ext>
+                </a:extLst>
+              </a:tr>
+              <a:tr h="209550">
+                <a:tc>
+                  <a:txBody>
+                    <a:bodyPr/>
+                    <a:lstStyle/>
+                    <a:p>
+                      <a:pPr algn="l" fontAlgn="ctr">
+                        <a:buNone/>
+                      </a:pPr>
+                      <a:r>
+                        <a:rPr lang="en-US" sz="1100" b="0" u="none" strike="noStrike">
+                          <a:solidFill>
+                            <a:srgbClr val="000000"/>
+                          </a:solidFill>
+                          <a:effectLst/>
+                        </a:rPr>
+                        <a:t>cheap fan</a:t>
+                      </a:r>
+                      <a:endParaRPr lang="en-US" sz="1100" b="0" i="0" u="none" strike="noStrike">
+                        <a:solidFill>
+                          <a:srgbClr val="000000"/>
+                        </a:solidFill>
+                        <a:effectLst/>
+                        <a:latin typeface="맑은 고딕" panose="020B0503020000020004" pitchFamily="50" charset="-127"/>
+                        <a:ea typeface="맑은 고딕" panose="020B0503020000020004" pitchFamily="50" charset="-127"/>
+                      </a:endParaRPr>
+                    </a:p>
+                  </a:txBody>
+                  <a:tcPr marL="9525" marR="9525" marT="9525" marB="0" anchor="ctr"/>
+                </a:tc>
+                <a:tc>
+                  <a:txBody>
+                    <a:bodyPr/>
+                    <a:lstStyle/>
+                    <a:p>
+                      <a:pPr algn="ctr" fontAlgn="ctr">
+                        <a:buNone/>
+                      </a:pPr>
+                      <a:r>
+                        <a:rPr lang="en-US" altLang="ko-KR" sz="1100" b="0" u="none" strike="noStrike" dirty="0">
+                          <a:solidFill>
+                            <a:srgbClr val="000000"/>
+                          </a:solidFill>
+                          <a:effectLst/>
+                        </a:rPr>
+                        <a:t>-0.047 </a:t>
+                      </a:r>
+                      <a:endParaRPr lang="en-US" altLang="ko-KR" sz="1100" b="0" i="0" u="none" strike="noStrike" dirty="0">
+                        <a:solidFill>
+                          <a:srgbClr val="000000"/>
+                        </a:solidFill>
+                        <a:effectLst/>
+                        <a:latin typeface="맑은 고딕" panose="020B0503020000020004" pitchFamily="50" charset="-127"/>
+                        <a:ea typeface="맑은 고딕" panose="020B0503020000020004" pitchFamily="50" charset="-127"/>
+                      </a:endParaRPr>
+                    </a:p>
+                  </a:txBody>
+                  <a:tcPr marL="9525" marR="9525" marT="9525" marB="0" anchor="ctr"/>
+                </a:tc>
+                <a:tc>
+                  <a:txBody>
+                    <a:bodyPr/>
+                    <a:lstStyle/>
+                    <a:p>
+                      <a:pPr algn="ctr" fontAlgn="ctr">
+                        <a:buNone/>
+                      </a:pPr>
+                      <a:r>
+                        <a:rPr lang="en-US" altLang="ko-KR" sz="1100" b="0" u="none" strike="noStrike">
+                          <a:solidFill>
+                            <a:srgbClr val="000000"/>
+                          </a:solidFill>
+                          <a:effectLst/>
+                        </a:rPr>
+                        <a:t>2.521 </a:t>
+                      </a:r>
+                      <a:endParaRPr lang="en-US" altLang="ko-KR" sz="1100" b="0" i="0" u="none" strike="noStrike">
+                        <a:solidFill>
+                          <a:srgbClr val="000000"/>
+                        </a:solidFill>
+                        <a:effectLst/>
+                        <a:latin typeface="맑은 고딕" panose="020B0503020000020004" pitchFamily="50" charset="-127"/>
+                        <a:ea typeface="맑은 고딕" panose="020B0503020000020004" pitchFamily="50" charset="-127"/>
+                      </a:endParaRPr>
+                    </a:p>
+                  </a:txBody>
+                  <a:tcPr marL="9525" marR="9525" marT="9525" marB="0" anchor="ctr"/>
+                </a:tc>
+                <a:tc>
+                  <a:txBody>
+                    <a:bodyPr/>
+                    <a:lstStyle/>
+                    <a:p>
+                      <a:pPr algn="ctr" fontAlgn="ctr">
+                        <a:buNone/>
+                      </a:pPr>
+                      <a:r>
+                        <a:rPr lang="en-US" altLang="ko-KR" sz="1100" b="0" u="none" strike="noStrike">
+                          <a:solidFill>
+                            <a:srgbClr val="000000"/>
+                          </a:solidFill>
+                          <a:effectLst/>
+                        </a:rPr>
+                        <a:t>0.266 </a:t>
+                      </a:r>
+                      <a:endParaRPr lang="en-US" altLang="ko-KR" sz="1100" b="0" i="0" u="none" strike="noStrike">
+                        <a:solidFill>
+                          <a:srgbClr val="000000"/>
+                        </a:solidFill>
+                        <a:effectLst/>
+                        <a:latin typeface="맑은 고딕" panose="020B0503020000020004" pitchFamily="50" charset="-127"/>
+                        <a:ea typeface="맑은 고딕" panose="020B0503020000020004" pitchFamily="50" charset="-127"/>
+                      </a:endParaRPr>
+                    </a:p>
+                  </a:txBody>
+                  <a:tcPr marL="9525" marR="9525" marT="9525" marB="0" anchor="ctr"/>
+                </a:tc>
+                <a:extLst>
+                  <a:ext uri="{0D108BD9-81ED-4DB2-BD59-A6C34878D82A}">
+                    <a16:rowId xmlns:a16="http://schemas.microsoft.com/office/drawing/2014/main" val="3554971843"/>
+                  </a:ext>
+                </a:extLst>
+              </a:tr>
+              <a:tr h="209550">
+                <a:tc>
+                  <a:txBody>
+                    <a:bodyPr/>
+                    <a:lstStyle/>
+                    <a:p>
+                      <a:pPr algn="l" fontAlgn="ctr">
+                        <a:buNone/>
+                      </a:pPr>
+                      <a:r>
+                        <a:rPr lang="en-US" sz="1100" b="0" u="none" strike="noStrike" dirty="0">
+                          <a:solidFill>
+                            <a:srgbClr val="000000"/>
+                          </a:solidFill>
+                          <a:effectLst/>
+                        </a:rPr>
+                        <a:t>child safe fan</a:t>
+                      </a:r>
+                      <a:endParaRPr lang="en-US" sz="1100" b="0" i="0" u="none" strike="noStrike" dirty="0">
+                        <a:solidFill>
+                          <a:srgbClr val="000000"/>
+                        </a:solidFill>
+                        <a:effectLst/>
+                        <a:latin typeface="맑은 고딕" panose="020B0503020000020004" pitchFamily="50" charset="-127"/>
+                        <a:ea typeface="맑은 고딕" panose="020B0503020000020004" pitchFamily="50" charset="-127"/>
+                      </a:endParaRPr>
+                    </a:p>
+                  </a:txBody>
+                  <a:tcPr marL="9525" marR="9525" marT="9525" marB="0" anchor="ctr"/>
+                </a:tc>
+                <a:tc>
+                  <a:txBody>
+                    <a:bodyPr/>
+                    <a:lstStyle/>
+                    <a:p>
+                      <a:pPr algn="ctr" fontAlgn="ctr">
+                        <a:buNone/>
+                      </a:pPr>
+                      <a:r>
+                        <a:rPr lang="en-US" altLang="ko-KR" sz="1100" b="0" u="none" strike="noStrike" dirty="0">
+                          <a:solidFill>
+                            <a:srgbClr val="000000"/>
+                          </a:solidFill>
+                          <a:effectLst/>
+                        </a:rPr>
+                        <a:t>-0.122 </a:t>
+                      </a:r>
+                      <a:endParaRPr lang="en-US" altLang="ko-KR" sz="1100" b="0" i="0" u="none" strike="noStrike" dirty="0">
+                        <a:solidFill>
+                          <a:srgbClr val="000000"/>
+                        </a:solidFill>
+                        <a:effectLst/>
+                        <a:latin typeface="맑은 고딕" panose="020B0503020000020004" pitchFamily="50" charset="-127"/>
+                        <a:ea typeface="맑은 고딕" panose="020B0503020000020004" pitchFamily="50" charset="-127"/>
+                      </a:endParaRPr>
+                    </a:p>
+                  </a:txBody>
+                  <a:tcPr marL="9525" marR="9525" marT="9525" marB="0" anchor="ctr"/>
+                </a:tc>
+                <a:tc>
+                  <a:txBody>
+                    <a:bodyPr/>
+                    <a:lstStyle/>
+                    <a:p>
+                      <a:pPr algn="ctr" fontAlgn="ctr">
+                        <a:buNone/>
+                      </a:pPr>
+                      <a:r>
+                        <a:rPr lang="en-US" altLang="ko-KR" sz="1100" b="0" u="none" strike="noStrike">
+                          <a:solidFill>
+                            <a:srgbClr val="000000"/>
+                          </a:solidFill>
+                          <a:effectLst/>
+                        </a:rPr>
+                        <a:t>-0.572 </a:t>
+                      </a:r>
+                      <a:endParaRPr lang="en-US" altLang="ko-KR" sz="1100" b="0" i="0" u="none" strike="noStrike">
+                        <a:solidFill>
+                          <a:srgbClr val="000000"/>
+                        </a:solidFill>
+                        <a:effectLst/>
+                        <a:latin typeface="맑은 고딕" panose="020B0503020000020004" pitchFamily="50" charset="-127"/>
+                        <a:ea typeface="맑은 고딕" panose="020B0503020000020004" pitchFamily="50" charset="-127"/>
+                      </a:endParaRPr>
+                    </a:p>
+                  </a:txBody>
+                  <a:tcPr marL="9525" marR="9525" marT="9525" marB="0" anchor="ctr"/>
+                </a:tc>
+                <a:tc>
+                  <a:txBody>
+                    <a:bodyPr/>
+                    <a:lstStyle/>
+                    <a:p>
+                      <a:pPr algn="ctr" fontAlgn="ctr">
+                        <a:buNone/>
+                      </a:pPr>
+                      <a:r>
+                        <a:rPr lang="en-US" altLang="ko-KR" sz="1100" b="0" u="none" strike="noStrike">
+                          <a:solidFill>
+                            <a:srgbClr val="000000"/>
+                          </a:solidFill>
+                          <a:effectLst/>
+                        </a:rPr>
+                        <a:t>0.968 </a:t>
+                      </a:r>
+                      <a:endParaRPr lang="en-US" altLang="ko-KR" sz="1100" b="0" i="0" u="none" strike="noStrike">
+                        <a:solidFill>
+                          <a:srgbClr val="000000"/>
+                        </a:solidFill>
+                        <a:effectLst/>
+                        <a:latin typeface="맑은 고딕" panose="020B0503020000020004" pitchFamily="50" charset="-127"/>
+                        <a:ea typeface="맑은 고딕" panose="020B0503020000020004" pitchFamily="50" charset="-127"/>
+                      </a:endParaRPr>
+                    </a:p>
+                  </a:txBody>
+                  <a:tcPr marL="9525" marR="9525" marT="9525" marB="0" anchor="ctr"/>
+                </a:tc>
+                <a:extLst>
+                  <a:ext uri="{0D108BD9-81ED-4DB2-BD59-A6C34878D82A}">
+                    <a16:rowId xmlns:a16="http://schemas.microsoft.com/office/drawing/2014/main" val="26638167"/>
+                  </a:ext>
+                </a:extLst>
+              </a:tr>
+              <a:tr h="209550">
+                <a:tc>
+                  <a:txBody>
+                    <a:bodyPr/>
+                    <a:lstStyle/>
+                    <a:p>
+                      <a:pPr algn="l" fontAlgn="ctr">
+                        <a:buNone/>
+                      </a:pPr>
+                      <a:r>
+                        <a:rPr lang="en-US" sz="1100" b="0" u="none" strike="noStrike">
+                          <a:solidFill>
+                            <a:srgbClr val="000000"/>
+                          </a:solidFill>
+                          <a:effectLst/>
+                        </a:rPr>
+                        <a:t>climate keeper fan</a:t>
+                      </a:r>
+                      <a:endParaRPr lang="en-US" sz="1100" b="0" i="0" u="none" strike="noStrike">
+                        <a:solidFill>
+                          <a:srgbClr val="000000"/>
+                        </a:solidFill>
+                        <a:effectLst/>
+                        <a:latin typeface="맑은 고딕" panose="020B0503020000020004" pitchFamily="50" charset="-127"/>
+                        <a:ea typeface="맑은 고딕" panose="020B0503020000020004" pitchFamily="50" charset="-127"/>
+                      </a:endParaRPr>
+                    </a:p>
+                  </a:txBody>
+                  <a:tcPr marL="9525" marR="9525" marT="9525" marB="0" anchor="ctr"/>
+                </a:tc>
+                <a:tc>
+                  <a:txBody>
+                    <a:bodyPr/>
+                    <a:lstStyle/>
+                    <a:p>
+                      <a:pPr algn="ctr" fontAlgn="ctr">
+                        <a:buNone/>
+                      </a:pPr>
+                      <a:r>
+                        <a:rPr lang="en-US" altLang="ko-KR" sz="1100" b="0" u="none" strike="noStrike" dirty="0">
+                          <a:solidFill>
+                            <a:srgbClr val="000000"/>
+                          </a:solidFill>
+                          <a:effectLst/>
+                        </a:rPr>
+                        <a:t>-0.142 </a:t>
+                      </a:r>
+                      <a:endParaRPr lang="en-US" altLang="ko-KR" sz="1100" b="0" i="0" u="none" strike="noStrike" dirty="0">
+                        <a:solidFill>
+                          <a:srgbClr val="000000"/>
+                        </a:solidFill>
+                        <a:effectLst/>
+                        <a:latin typeface="맑은 고딕" panose="020B0503020000020004" pitchFamily="50" charset="-127"/>
+                        <a:ea typeface="맑은 고딕" panose="020B0503020000020004" pitchFamily="50" charset="-127"/>
+                      </a:endParaRPr>
+                    </a:p>
+                  </a:txBody>
+                  <a:tcPr marL="9525" marR="9525" marT="9525" marB="0" anchor="ctr"/>
+                </a:tc>
+                <a:tc>
+                  <a:txBody>
+                    <a:bodyPr/>
+                    <a:lstStyle/>
+                    <a:p>
+                      <a:pPr algn="ctr" fontAlgn="ctr">
+                        <a:buNone/>
+                      </a:pPr>
+                      <a:r>
+                        <a:rPr lang="en-US" altLang="ko-KR" sz="1100" b="0" u="none" strike="noStrike">
+                          <a:solidFill>
+                            <a:srgbClr val="000000"/>
+                          </a:solidFill>
+                          <a:effectLst/>
+                        </a:rPr>
+                        <a:t>-0.613 </a:t>
+                      </a:r>
+                      <a:endParaRPr lang="en-US" altLang="ko-KR" sz="1100" b="0" i="0" u="none" strike="noStrike">
+                        <a:solidFill>
+                          <a:srgbClr val="000000"/>
+                        </a:solidFill>
+                        <a:effectLst/>
+                        <a:latin typeface="맑은 고딕" panose="020B0503020000020004" pitchFamily="50" charset="-127"/>
+                        <a:ea typeface="맑은 고딕" panose="020B0503020000020004" pitchFamily="50" charset="-127"/>
+                      </a:endParaRPr>
+                    </a:p>
+                  </a:txBody>
+                  <a:tcPr marL="9525" marR="9525" marT="9525" marB="0" anchor="ctr"/>
+                </a:tc>
+                <a:tc>
+                  <a:txBody>
+                    <a:bodyPr/>
+                    <a:lstStyle/>
+                    <a:p>
+                      <a:pPr algn="ctr" fontAlgn="ctr">
+                        <a:buNone/>
+                      </a:pPr>
+                      <a:r>
+                        <a:rPr lang="en-US" altLang="ko-KR" sz="1100" b="0" u="none" strike="noStrike">
+                          <a:solidFill>
+                            <a:srgbClr val="000000"/>
+                          </a:solidFill>
+                          <a:effectLst/>
+                        </a:rPr>
+                        <a:t>0.988 </a:t>
+                      </a:r>
+                      <a:endParaRPr lang="en-US" altLang="ko-KR" sz="1100" b="0" i="0" u="none" strike="noStrike">
+                        <a:solidFill>
+                          <a:srgbClr val="000000"/>
+                        </a:solidFill>
+                        <a:effectLst/>
+                        <a:latin typeface="맑은 고딕" panose="020B0503020000020004" pitchFamily="50" charset="-127"/>
+                        <a:ea typeface="맑은 고딕" panose="020B0503020000020004" pitchFamily="50" charset="-127"/>
+                      </a:endParaRPr>
+                    </a:p>
+                  </a:txBody>
+                  <a:tcPr marL="9525" marR="9525" marT="9525" marB="0" anchor="ctr"/>
+                </a:tc>
+                <a:extLst>
+                  <a:ext uri="{0D108BD9-81ED-4DB2-BD59-A6C34878D82A}">
+                    <a16:rowId xmlns:a16="http://schemas.microsoft.com/office/drawing/2014/main" val="893998165"/>
+                  </a:ext>
+                </a:extLst>
+              </a:tr>
+              <a:tr h="209550">
+                <a:tc>
+                  <a:txBody>
+                    <a:bodyPr/>
+                    <a:lstStyle/>
+                    <a:p>
+                      <a:pPr algn="l" fontAlgn="ctr">
+                        <a:buNone/>
+                      </a:pPr>
+                      <a:r>
+                        <a:rPr lang="en-US" sz="1100" b="0" u="none" strike="noStrike" dirty="0">
+                          <a:solidFill>
+                            <a:srgbClr val="000000"/>
+                          </a:solidFill>
+                          <a:effectLst/>
+                        </a:rPr>
+                        <a:t>corded fan</a:t>
+                      </a:r>
+                      <a:endParaRPr lang="en-US" sz="1100" b="0" i="0" u="none" strike="noStrike" dirty="0">
+                        <a:solidFill>
+                          <a:srgbClr val="000000"/>
+                        </a:solidFill>
+                        <a:effectLst/>
+                        <a:latin typeface="맑은 고딕" panose="020B0503020000020004" pitchFamily="50" charset="-127"/>
+                        <a:ea typeface="맑은 고딕" panose="020B0503020000020004" pitchFamily="50" charset="-127"/>
+                      </a:endParaRPr>
+                    </a:p>
+                  </a:txBody>
+                  <a:tcPr marL="9525" marR="9525" marT="9525" marB="0" anchor="ctr"/>
+                </a:tc>
+                <a:tc>
+                  <a:txBody>
+                    <a:bodyPr/>
+                    <a:lstStyle/>
+                    <a:p>
+                      <a:pPr algn="ctr" fontAlgn="ctr">
+                        <a:buNone/>
+                      </a:pPr>
+                      <a:r>
+                        <a:rPr lang="en-US" altLang="ko-KR" sz="1100" b="0" u="none" strike="noStrike" dirty="0">
+                          <a:solidFill>
+                            <a:srgbClr val="000000"/>
+                          </a:solidFill>
+                          <a:effectLst/>
+                        </a:rPr>
+                        <a:t>-0.125 </a:t>
+                      </a:r>
+                      <a:endParaRPr lang="en-US" altLang="ko-KR" sz="1100" b="0" i="0" u="none" strike="noStrike" dirty="0">
+                        <a:solidFill>
+                          <a:srgbClr val="000000"/>
+                        </a:solidFill>
+                        <a:effectLst/>
+                        <a:latin typeface="맑은 고딕" panose="020B0503020000020004" pitchFamily="50" charset="-127"/>
+                        <a:ea typeface="맑은 고딕" panose="020B0503020000020004" pitchFamily="50" charset="-127"/>
+                      </a:endParaRPr>
+                    </a:p>
+                  </a:txBody>
+                  <a:tcPr marL="9525" marR="9525" marT="9525" marB="0" anchor="ctr"/>
+                </a:tc>
+                <a:tc>
+                  <a:txBody>
+                    <a:bodyPr/>
+                    <a:lstStyle/>
+                    <a:p>
+                      <a:pPr algn="ctr" fontAlgn="ctr">
+                        <a:buNone/>
+                      </a:pPr>
+                      <a:r>
+                        <a:rPr lang="en-US" altLang="ko-KR" sz="1100" b="0" u="none" strike="noStrike">
+                          <a:solidFill>
+                            <a:srgbClr val="000000"/>
+                          </a:solidFill>
+                          <a:effectLst/>
+                        </a:rPr>
+                        <a:t>-0.004 </a:t>
+                      </a:r>
+                      <a:endParaRPr lang="en-US" altLang="ko-KR" sz="1100" b="0" i="0" u="none" strike="noStrike">
+                        <a:solidFill>
+                          <a:srgbClr val="000000"/>
+                        </a:solidFill>
+                        <a:effectLst/>
+                        <a:latin typeface="맑은 고딕" panose="020B0503020000020004" pitchFamily="50" charset="-127"/>
+                        <a:ea typeface="맑은 고딕" panose="020B0503020000020004" pitchFamily="50" charset="-127"/>
+                      </a:endParaRPr>
+                    </a:p>
+                  </a:txBody>
+                  <a:tcPr marL="9525" marR="9525" marT="9525" marB="0" anchor="ctr"/>
+                </a:tc>
+                <a:tc>
+                  <a:txBody>
+                    <a:bodyPr/>
+                    <a:lstStyle/>
+                    <a:p>
+                      <a:pPr algn="ctr" fontAlgn="ctr">
+                        <a:buNone/>
+                      </a:pPr>
+                      <a:r>
+                        <a:rPr lang="en-US" altLang="ko-KR" sz="1100" b="0" u="none" strike="noStrike">
+                          <a:solidFill>
+                            <a:srgbClr val="000000"/>
+                          </a:solidFill>
+                          <a:effectLst/>
+                        </a:rPr>
+                        <a:t>0.629 </a:t>
+                      </a:r>
+                      <a:endParaRPr lang="en-US" altLang="ko-KR" sz="1100" b="0" i="0" u="none" strike="noStrike">
+                        <a:solidFill>
+                          <a:srgbClr val="000000"/>
+                        </a:solidFill>
+                        <a:effectLst/>
+                        <a:latin typeface="맑은 고딕" panose="020B0503020000020004" pitchFamily="50" charset="-127"/>
+                        <a:ea typeface="맑은 고딕" panose="020B0503020000020004" pitchFamily="50" charset="-127"/>
+                      </a:endParaRPr>
+                    </a:p>
+                  </a:txBody>
+                  <a:tcPr marL="9525" marR="9525" marT="9525" marB="0" anchor="ctr"/>
+                </a:tc>
+                <a:extLst>
+                  <a:ext uri="{0D108BD9-81ED-4DB2-BD59-A6C34878D82A}">
+                    <a16:rowId xmlns:a16="http://schemas.microsoft.com/office/drawing/2014/main" val="1823783465"/>
+                  </a:ext>
+                </a:extLst>
+              </a:tr>
+              <a:tr h="209550">
+                <a:tc>
+                  <a:txBody>
+                    <a:bodyPr/>
+                    <a:lstStyle/>
+                    <a:p>
+                      <a:pPr algn="l" fontAlgn="ctr">
+                        <a:buNone/>
+                      </a:pPr>
+                      <a:r>
+                        <a:rPr lang="en-US" sz="1100" b="0" u="none" strike="noStrike">
+                          <a:solidFill>
+                            <a:srgbClr val="000000"/>
+                          </a:solidFill>
+                          <a:effectLst/>
+                        </a:rPr>
+                        <a:t>desk fan</a:t>
+                      </a:r>
+                      <a:endParaRPr lang="en-US" sz="1100" b="0" i="0" u="none" strike="noStrike">
+                        <a:solidFill>
+                          <a:srgbClr val="000000"/>
+                        </a:solidFill>
+                        <a:effectLst/>
+                        <a:latin typeface="맑은 고딕" panose="020B0503020000020004" pitchFamily="50" charset="-127"/>
+                        <a:ea typeface="맑은 고딕" panose="020B0503020000020004" pitchFamily="50" charset="-127"/>
+                      </a:endParaRPr>
+                    </a:p>
+                  </a:txBody>
+                  <a:tcPr marL="9525" marR="9525" marT="9525" marB="0" anchor="ctr"/>
+                </a:tc>
+                <a:tc>
+                  <a:txBody>
+                    <a:bodyPr/>
+                    <a:lstStyle/>
+                    <a:p>
+                      <a:pPr algn="ctr" fontAlgn="ctr">
+                        <a:buNone/>
+                      </a:pPr>
+                      <a:r>
+                        <a:rPr lang="en-US" altLang="ko-KR" sz="1100" b="0" u="none" strike="noStrike">
+                          <a:solidFill>
+                            <a:srgbClr val="000000"/>
+                          </a:solidFill>
+                          <a:effectLst/>
+                        </a:rPr>
+                        <a:t>12.027 </a:t>
+                      </a:r>
+                      <a:endParaRPr lang="en-US" altLang="ko-KR" sz="1100" b="0" i="0" u="none" strike="noStrike">
+                        <a:solidFill>
+                          <a:srgbClr val="000000"/>
+                        </a:solidFill>
+                        <a:effectLst/>
+                        <a:latin typeface="맑은 고딕" panose="020B0503020000020004" pitchFamily="50" charset="-127"/>
+                        <a:ea typeface="맑은 고딕" panose="020B0503020000020004" pitchFamily="50" charset="-127"/>
+                      </a:endParaRPr>
+                    </a:p>
+                  </a:txBody>
+                  <a:tcPr marL="9525" marR="9525" marT="9525" marB="0" anchor="ctr"/>
+                </a:tc>
+                <a:tc>
+                  <a:txBody>
+                    <a:bodyPr/>
+                    <a:lstStyle/>
+                    <a:p>
+                      <a:pPr algn="ctr" fontAlgn="ctr">
+                        <a:buNone/>
+                      </a:pPr>
+                      <a:r>
+                        <a:rPr lang="en-US" altLang="ko-KR" sz="1100" b="0" u="none" strike="noStrike">
+                          <a:solidFill>
+                            <a:srgbClr val="000000"/>
+                          </a:solidFill>
+                          <a:effectLst/>
+                        </a:rPr>
+                        <a:t>0.627 </a:t>
+                      </a:r>
+                      <a:endParaRPr lang="en-US" altLang="ko-KR" sz="1100" b="0" i="0" u="none" strike="noStrike">
+                        <a:solidFill>
+                          <a:srgbClr val="000000"/>
+                        </a:solidFill>
+                        <a:effectLst/>
+                        <a:latin typeface="맑은 고딕" panose="020B0503020000020004" pitchFamily="50" charset="-127"/>
+                        <a:ea typeface="맑은 고딕" panose="020B0503020000020004" pitchFamily="50" charset="-127"/>
+                      </a:endParaRPr>
+                    </a:p>
+                  </a:txBody>
+                  <a:tcPr marL="9525" marR="9525" marT="9525" marB="0" anchor="ctr"/>
+                </a:tc>
+                <a:tc>
+                  <a:txBody>
+                    <a:bodyPr/>
+                    <a:lstStyle/>
+                    <a:p>
+                      <a:pPr algn="ctr" fontAlgn="ctr">
+                        <a:buNone/>
+                      </a:pPr>
+                      <a:r>
+                        <a:rPr lang="en-US" altLang="ko-KR" sz="1100" b="0" u="none" strike="noStrike">
+                          <a:solidFill>
+                            <a:srgbClr val="000000"/>
+                          </a:solidFill>
+                          <a:effectLst/>
+                        </a:rPr>
+                        <a:t>5.825 </a:t>
+                      </a:r>
+                      <a:endParaRPr lang="en-US" altLang="ko-KR" sz="1100" b="0" i="0" u="none" strike="noStrike">
+                        <a:solidFill>
+                          <a:srgbClr val="000000"/>
+                        </a:solidFill>
+                        <a:effectLst/>
+                        <a:latin typeface="맑은 고딕" panose="020B0503020000020004" pitchFamily="50" charset="-127"/>
+                        <a:ea typeface="맑은 고딕" panose="020B0503020000020004" pitchFamily="50" charset="-127"/>
+                      </a:endParaRPr>
+                    </a:p>
+                  </a:txBody>
+                  <a:tcPr marL="9525" marR="9525" marT="9525" marB="0" anchor="ctr"/>
+                </a:tc>
+                <a:extLst>
+                  <a:ext uri="{0D108BD9-81ED-4DB2-BD59-A6C34878D82A}">
+                    <a16:rowId xmlns:a16="http://schemas.microsoft.com/office/drawing/2014/main" val="3944367845"/>
+                  </a:ext>
+                </a:extLst>
+              </a:tr>
+              <a:tr h="209550">
+                <a:tc>
+                  <a:txBody>
+                    <a:bodyPr/>
+                    <a:lstStyle/>
+                    <a:p>
+                      <a:pPr algn="l" fontAlgn="ctr">
+                        <a:buNone/>
+                      </a:pPr>
+                      <a:r>
+                        <a:rPr lang="en-US" sz="1100" b="0" u="none" strike="noStrike" dirty="0" err="1">
+                          <a:solidFill>
+                            <a:srgbClr val="000000"/>
+                          </a:solidFill>
+                          <a:effectLst/>
+                        </a:rPr>
+                        <a:t>duracraft</a:t>
+                      </a:r>
+                      <a:r>
+                        <a:rPr lang="en-US" sz="1100" b="0" u="none" strike="noStrike" dirty="0">
+                          <a:solidFill>
+                            <a:srgbClr val="000000"/>
+                          </a:solidFill>
+                          <a:effectLst/>
+                        </a:rPr>
+                        <a:t> fan</a:t>
+                      </a:r>
+                      <a:endParaRPr lang="en-US" sz="1100" b="0" i="0" u="none" strike="noStrike" dirty="0">
+                        <a:solidFill>
+                          <a:srgbClr val="000000"/>
+                        </a:solidFill>
+                        <a:effectLst/>
+                        <a:latin typeface="맑은 고딕" panose="020B0503020000020004" pitchFamily="50" charset="-127"/>
+                        <a:ea typeface="맑은 고딕" panose="020B0503020000020004" pitchFamily="50" charset="-127"/>
+                      </a:endParaRPr>
+                    </a:p>
+                  </a:txBody>
+                  <a:tcPr marL="9525" marR="9525" marT="9525" marB="0" anchor="ctr"/>
+                </a:tc>
+                <a:tc>
+                  <a:txBody>
+                    <a:bodyPr/>
+                    <a:lstStyle/>
+                    <a:p>
+                      <a:pPr algn="ctr" fontAlgn="ctr">
+                        <a:buNone/>
+                      </a:pPr>
+                      <a:r>
+                        <a:rPr lang="en-US" altLang="ko-KR" sz="1100" b="0" u="none" strike="noStrike" dirty="0">
+                          <a:solidFill>
+                            <a:srgbClr val="000000"/>
+                          </a:solidFill>
+                          <a:effectLst/>
+                        </a:rPr>
+                        <a:t>-0.111 </a:t>
+                      </a:r>
+                      <a:endParaRPr lang="en-US" altLang="ko-KR" sz="1100" b="0" i="0" u="none" strike="noStrike" dirty="0">
+                        <a:solidFill>
+                          <a:srgbClr val="000000"/>
+                        </a:solidFill>
+                        <a:effectLst/>
+                        <a:latin typeface="맑은 고딕" panose="020B0503020000020004" pitchFamily="50" charset="-127"/>
+                        <a:ea typeface="맑은 고딕" panose="020B0503020000020004" pitchFamily="50" charset="-127"/>
+                      </a:endParaRPr>
+                    </a:p>
+                  </a:txBody>
+                  <a:tcPr marL="9525" marR="9525" marT="9525" marB="0" anchor="ctr"/>
+                </a:tc>
+                <a:tc>
+                  <a:txBody>
+                    <a:bodyPr/>
+                    <a:lstStyle/>
+                    <a:p>
+                      <a:pPr algn="ctr" fontAlgn="ctr">
+                        <a:buNone/>
+                      </a:pPr>
+                      <a:r>
+                        <a:rPr lang="en-US" altLang="ko-KR" sz="1100" b="0" u="none" strike="noStrike">
+                          <a:solidFill>
+                            <a:srgbClr val="000000"/>
+                          </a:solidFill>
+                          <a:effectLst/>
+                        </a:rPr>
+                        <a:t>-0.631 </a:t>
+                      </a:r>
+                      <a:endParaRPr lang="en-US" altLang="ko-KR" sz="1100" b="0" i="0" u="none" strike="noStrike">
+                        <a:solidFill>
+                          <a:srgbClr val="000000"/>
+                        </a:solidFill>
+                        <a:effectLst/>
+                        <a:latin typeface="맑은 고딕" panose="020B0503020000020004" pitchFamily="50" charset="-127"/>
+                        <a:ea typeface="맑은 고딕" panose="020B0503020000020004" pitchFamily="50" charset="-127"/>
+                      </a:endParaRPr>
+                    </a:p>
+                  </a:txBody>
+                  <a:tcPr marL="9525" marR="9525" marT="9525" marB="0" anchor="ctr"/>
+                </a:tc>
+                <a:tc>
+                  <a:txBody>
+                    <a:bodyPr/>
+                    <a:lstStyle/>
+                    <a:p>
+                      <a:pPr algn="ctr" fontAlgn="ctr">
+                        <a:buNone/>
+                      </a:pPr>
+                      <a:r>
+                        <a:rPr lang="en-US" altLang="ko-KR" sz="1100" b="0" u="none" strike="noStrike">
+                          <a:solidFill>
+                            <a:srgbClr val="000000"/>
+                          </a:solidFill>
+                          <a:effectLst/>
+                        </a:rPr>
+                        <a:t>1.036 </a:t>
+                      </a:r>
+                      <a:endParaRPr lang="en-US" altLang="ko-KR" sz="1100" b="0" i="0" u="none" strike="noStrike">
+                        <a:solidFill>
+                          <a:srgbClr val="000000"/>
+                        </a:solidFill>
+                        <a:effectLst/>
+                        <a:latin typeface="맑은 고딕" panose="020B0503020000020004" pitchFamily="50" charset="-127"/>
+                        <a:ea typeface="맑은 고딕" panose="020B0503020000020004" pitchFamily="50" charset="-127"/>
+                      </a:endParaRPr>
+                    </a:p>
+                  </a:txBody>
+                  <a:tcPr marL="9525" marR="9525" marT="9525" marB="0" anchor="ctr"/>
+                </a:tc>
+                <a:extLst>
+                  <a:ext uri="{0D108BD9-81ED-4DB2-BD59-A6C34878D82A}">
+                    <a16:rowId xmlns:a16="http://schemas.microsoft.com/office/drawing/2014/main" val="978102090"/>
+                  </a:ext>
+                </a:extLst>
+              </a:tr>
+              <a:tr h="209550">
+                <a:tc>
+                  <a:txBody>
+                    <a:bodyPr/>
+                    <a:lstStyle/>
+                    <a:p>
+                      <a:pPr algn="l" fontAlgn="ctr">
+                        <a:buNone/>
+                      </a:pPr>
+                      <a:r>
+                        <a:rPr lang="en-US" sz="1100" b="0" u="none" strike="noStrike">
+                          <a:solidFill>
+                            <a:srgbClr val="000000"/>
+                          </a:solidFill>
+                          <a:effectLst/>
+                        </a:rPr>
+                        <a:t>easy home fan</a:t>
+                      </a:r>
+                      <a:endParaRPr lang="en-US" sz="1100" b="0" i="0" u="none" strike="noStrike">
+                        <a:solidFill>
+                          <a:srgbClr val="000000"/>
+                        </a:solidFill>
+                        <a:effectLst/>
+                        <a:latin typeface="맑은 고딕" panose="020B0503020000020004" pitchFamily="50" charset="-127"/>
+                        <a:ea typeface="맑은 고딕" panose="020B0503020000020004" pitchFamily="50" charset="-127"/>
+                      </a:endParaRPr>
+                    </a:p>
+                  </a:txBody>
+                  <a:tcPr marL="9525" marR="9525" marT="9525" marB="0" anchor="ctr"/>
+                </a:tc>
+                <a:tc>
+                  <a:txBody>
+                    <a:bodyPr/>
+                    <a:lstStyle/>
+                    <a:p>
+                      <a:pPr algn="ctr" fontAlgn="ctr">
+                        <a:buNone/>
+                      </a:pPr>
+                      <a:r>
+                        <a:rPr lang="en-US" altLang="ko-KR" sz="1100" b="0" u="none" strike="noStrike" dirty="0">
+                          <a:solidFill>
+                            <a:srgbClr val="000000"/>
+                          </a:solidFill>
+                          <a:effectLst/>
+                        </a:rPr>
+                        <a:t>-0.126 </a:t>
+                      </a:r>
+                      <a:endParaRPr lang="en-US" altLang="ko-KR" sz="1100" b="0" i="0" u="none" strike="noStrike" dirty="0">
+                        <a:solidFill>
+                          <a:srgbClr val="000000"/>
+                        </a:solidFill>
+                        <a:effectLst/>
+                        <a:latin typeface="맑은 고딕" panose="020B0503020000020004" pitchFamily="50" charset="-127"/>
+                        <a:ea typeface="맑은 고딕" panose="020B0503020000020004" pitchFamily="50" charset="-127"/>
+                      </a:endParaRPr>
+                    </a:p>
+                  </a:txBody>
+                  <a:tcPr marL="9525" marR="9525" marT="9525" marB="0" anchor="ctr"/>
+                </a:tc>
+                <a:tc>
+                  <a:txBody>
+                    <a:bodyPr/>
+                    <a:lstStyle/>
+                    <a:p>
+                      <a:pPr algn="ctr" fontAlgn="ctr">
+                        <a:buNone/>
+                      </a:pPr>
+                      <a:r>
+                        <a:rPr lang="en-US" altLang="ko-KR" sz="1100" b="0" u="none" strike="noStrike">
+                          <a:solidFill>
+                            <a:srgbClr val="000000"/>
+                          </a:solidFill>
+                          <a:effectLst/>
+                        </a:rPr>
+                        <a:t>2.521 </a:t>
+                      </a:r>
+                      <a:endParaRPr lang="en-US" altLang="ko-KR" sz="1100" b="0" i="0" u="none" strike="noStrike">
+                        <a:solidFill>
+                          <a:srgbClr val="000000"/>
+                        </a:solidFill>
+                        <a:effectLst/>
+                        <a:latin typeface="맑은 고딕" panose="020B0503020000020004" pitchFamily="50" charset="-127"/>
+                        <a:ea typeface="맑은 고딕" panose="020B0503020000020004" pitchFamily="50" charset="-127"/>
+                      </a:endParaRPr>
+                    </a:p>
+                  </a:txBody>
+                  <a:tcPr marL="9525" marR="9525" marT="9525" marB="0" anchor="ctr"/>
+                </a:tc>
+                <a:tc>
+                  <a:txBody>
+                    <a:bodyPr/>
+                    <a:lstStyle/>
+                    <a:p>
+                      <a:pPr algn="ctr" fontAlgn="ctr">
+                        <a:buNone/>
+                      </a:pPr>
+                      <a:r>
+                        <a:rPr lang="en-US" altLang="ko-KR" sz="1100" b="0" u="none" strike="noStrike" dirty="0">
+                          <a:solidFill>
+                            <a:srgbClr val="000000"/>
+                          </a:solidFill>
+                          <a:effectLst/>
+                        </a:rPr>
+                        <a:t>0.247 </a:t>
+                      </a:r>
+                      <a:endParaRPr lang="en-US" altLang="ko-KR" sz="1100" b="0" i="0" u="none" strike="noStrike" dirty="0">
+                        <a:solidFill>
+                          <a:srgbClr val="000000"/>
+                        </a:solidFill>
+                        <a:effectLst/>
+                        <a:latin typeface="맑은 고딕" panose="020B0503020000020004" pitchFamily="50" charset="-127"/>
+                        <a:ea typeface="맑은 고딕" panose="020B0503020000020004" pitchFamily="50" charset="-127"/>
+                      </a:endParaRPr>
+                    </a:p>
+                  </a:txBody>
+                  <a:tcPr marL="9525" marR="9525" marT="9525" marB="0" anchor="ctr"/>
+                </a:tc>
+                <a:extLst>
+                  <a:ext uri="{0D108BD9-81ED-4DB2-BD59-A6C34878D82A}">
+                    <a16:rowId xmlns:a16="http://schemas.microsoft.com/office/drawing/2014/main" val="610257122"/>
+                  </a:ext>
+                </a:extLst>
+              </a:tr>
+              <a:tr h="209550">
+                <a:tc>
+                  <a:txBody>
+                    <a:bodyPr/>
+                    <a:lstStyle/>
+                    <a:p>
+                      <a:pPr algn="l" fontAlgn="ctr">
+                        <a:buNone/>
+                      </a:pPr>
+                      <a:r>
+                        <a:rPr lang="en-US" sz="1100" b="0" u="none" strike="noStrike" dirty="0">
+                          <a:solidFill>
+                            <a:srgbClr val="000000"/>
+                          </a:solidFill>
+                          <a:effectLst/>
+                        </a:rPr>
+                        <a:t>fam for dorm</a:t>
+                      </a:r>
+                      <a:endParaRPr lang="en-US" sz="1100" b="0" i="0" u="none" strike="noStrike" dirty="0">
+                        <a:solidFill>
+                          <a:srgbClr val="000000"/>
+                        </a:solidFill>
+                        <a:effectLst/>
+                        <a:latin typeface="맑은 고딕" panose="020B0503020000020004" pitchFamily="50" charset="-127"/>
+                        <a:ea typeface="맑은 고딕" panose="020B0503020000020004" pitchFamily="50" charset="-127"/>
+                      </a:endParaRPr>
+                    </a:p>
+                  </a:txBody>
+                  <a:tcPr marL="9525" marR="9525" marT="9525" marB="0" anchor="ctr"/>
+                </a:tc>
+                <a:tc>
+                  <a:txBody>
+                    <a:bodyPr/>
+                    <a:lstStyle/>
+                    <a:p>
+                      <a:pPr algn="ctr" fontAlgn="ctr">
+                        <a:buNone/>
+                      </a:pPr>
+                      <a:r>
+                        <a:rPr lang="en-US" altLang="ko-KR" sz="1100" b="0" u="none" strike="noStrike">
+                          <a:solidFill>
+                            <a:srgbClr val="000000"/>
+                          </a:solidFill>
+                          <a:effectLst/>
+                        </a:rPr>
+                        <a:t>-0.128 </a:t>
+                      </a:r>
+                      <a:endParaRPr lang="en-US" altLang="ko-KR" sz="1100" b="0" i="0" u="none" strike="noStrike">
+                        <a:solidFill>
+                          <a:srgbClr val="000000"/>
+                        </a:solidFill>
+                        <a:effectLst/>
+                        <a:latin typeface="맑은 고딕" panose="020B0503020000020004" pitchFamily="50" charset="-127"/>
+                        <a:ea typeface="맑은 고딕" panose="020B0503020000020004" pitchFamily="50" charset="-127"/>
+                      </a:endParaRPr>
+                    </a:p>
+                  </a:txBody>
+                  <a:tcPr marL="9525" marR="9525" marT="9525" marB="0" anchor="ctr"/>
+                </a:tc>
+                <a:tc>
+                  <a:txBody>
+                    <a:bodyPr/>
+                    <a:lstStyle/>
+                    <a:p>
+                      <a:pPr algn="ctr" fontAlgn="ctr">
+                        <a:buNone/>
+                      </a:pPr>
+                      <a:r>
+                        <a:rPr lang="en-US" altLang="ko-KR" sz="1100" b="0" u="none" strike="noStrike" dirty="0">
+                          <a:solidFill>
+                            <a:srgbClr val="000000"/>
+                          </a:solidFill>
+                          <a:effectLst/>
+                        </a:rPr>
+                        <a:t>-0.631 </a:t>
+                      </a:r>
+                      <a:endParaRPr lang="en-US" altLang="ko-KR" sz="1100" b="0" i="0" u="none" strike="noStrike" dirty="0">
+                        <a:solidFill>
+                          <a:srgbClr val="000000"/>
+                        </a:solidFill>
+                        <a:effectLst/>
+                        <a:latin typeface="맑은 고딕" panose="020B0503020000020004" pitchFamily="50" charset="-127"/>
+                        <a:ea typeface="맑은 고딕" panose="020B0503020000020004" pitchFamily="50" charset="-127"/>
+                      </a:endParaRPr>
+                    </a:p>
+                  </a:txBody>
+                  <a:tcPr marL="9525" marR="9525" marT="9525" marB="0" anchor="ctr"/>
+                </a:tc>
+                <a:tc>
+                  <a:txBody>
+                    <a:bodyPr/>
+                    <a:lstStyle/>
+                    <a:p>
+                      <a:pPr algn="ctr" fontAlgn="ctr">
+                        <a:buNone/>
+                      </a:pPr>
+                      <a:r>
+                        <a:rPr lang="en-US" altLang="ko-KR" sz="1100" b="0" u="none" strike="noStrike">
+                          <a:solidFill>
+                            <a:srgbClr val="000000"/>
+                          </a:solidFill>
+                          <a:effectLst/>
+                        </a:rPr>
+                        <a:t>1.019 </a:t>
+                      </a:r>
+                      <a:endParaRPr lang="en-US" altLang="ko-KR" sz="1100" b="0" i="0" u="none" strike="noStrike">
+                        <a:solidFill>
+                          <a:srgbClr val="000000"/>
+                        </a:solidFill>
+                        <a:effectLst/>
+                        <a:latin typeface="맑은 고딕" panose="020B0503020000020004" pitchFamily="50" charset="-127"/>
+                        <a:ea typeface="맑은 고딕" panose="020B0503020000020004" pitchFamily="50" charset="-127"/>
+                      </a:endParaRPr>
+                    </a:p>
+                  </a:txBody>
+                  <a:tcPr marL="9525" marR="9525" marT="9525" marB="0" anchor="ctr"/>
+                </a:tc>
+                <a:extLst>
+                  <a:ext uri="{0D108BD9-81ED-4DB2-BD59-A6C34878D82A}">
+                    <a16:rowId xmlns:a16="http://schemas.microsoft.com/office/drawing/2014/main" val="4001009554"/>
+                  </a:ext>
+                </a:extLst>
+              </a:tr>
+              <a:tr h="209550">
+                <a:tc>
+                  <a:txBody>
+                    <a:bodyPr/>
+                    <a:lstStyle/>
+                    <a:p>
+                      <a:pPr algn="ctr" fontAlgn="ctr">
+                        <a:buNone/>
+                      </a:pPr>
+                      <a:r>
+                        <a:rPr lang="en-US" altLang="ko-KR" sz="1100" b="0" u="none" strike="noStrike" dirty="0">
+                          <a:solidFill>
+                            <a:srgbClr val="000000"/>
+                          </a:solidFill>
+                          <a:effectLst/>
+                        </a:rPr>
+                        <a:t>…</a:t>
+                      </a:r>
+                      <a:endParaRPr lang="en-US" altLang="ko-KR" sz="1100" b="0" i="0" u="none" strike="noStrike" dirty="0">
+                        <a:solidFill>
+                          <a:srgbClr val="000000"/>
+                        </a:solidFill>
+                        <a:effectLst/>
+                        <a:latin typeface="맑은 고딕" panose="020B0503020000020004" pitchFamily="50" charset="-127"/>
+                        <a:ea typeface="맑은 고딕" panose="020B0503020000020004" pitchFamily="50" charset="-127"/>
+                      </a:endParaRPr>
+                    </a:p>
+                  </a:txBody>
+                  <a:tcPr marL="9525" marR="9525" marT="9525" marB="0" anchor="ctr"/>
+                </a:tc>
+                <a:tc>
+                  <a:txBody>
+                    <a:bodyPr/>
+                    <a:lstStyle/>
+                    <a:p>
+                      <a:pPr algn="ctr" fontAlgn="ctr">
+                        <a:buNone/>
+                      </a:pPr>
+                      <a:r>
+                        <a:rPr lang="en-US" altLang="ko-KR" sz="1100" b="0" u="none" strike="noStrike" dirty="0">
+                          <a:solidFill>
+                            <a:srgbClr val="000000"/>
+                          </a:solidFill>
+                          <a:effectLst/>
+                        </a:rPr>
+                        <a:t>…</a:t>
+                      </a:r>
+                      <a:endParaRPr lang="en-US" altLang="ko-KR" sz="1100" b="0" i="0" u="none" strike="noStrike" dirty="0">
+                        <a:solidFill>
+                          <a:srgbClr val="000000"/>
+                        </a:solidFill>
+                        <a:effectLst/>
+                        <a:latin typeface="맑은 고딕" panose="020B0503020000020004" pitchFamily="50" charset="-127"/>
+                        <a:ea typeface="맑은 고딕" panose="020B0503020000020004" pitchFamily="50" charset="-127"/>
+                      </a:endParaRPr>
+                    </a:p>
+                  </a:txBody>
+                  <a:tcPr marL="9525" marR="9525" marT="9525" marB="0" anchor="ctr"/>
+                </a:tc>
+                <a:tc>
+                  <a:txBody>
+                    <a:bodyPr/>
+                    <a:lstStyle/>
+                    <a:p>
+                      <a:pPr algn="ctr" fontAlgn="ctr">
+                        <a:buNone/>
+                      </a:pPr>
+                      <a:r>
+                        <a:rPr lang="en-US" altLang="ko-KR" sz="1100" b="0" u="none" strike="noStrike" dirty="0">
+                          <a:solidFill>
+                            <a:srgbClr val="000000"/>
+                          </a:solidFill>
+                          <a:effectLst/>
+                        </a:rPr>
+                        <a:t>…</a:t>
+                      </a:r>
+                      <a:endParaRPr lang="en-US" altLang="ko-KR" sz="1100" b="0" i="0" u="none" strike="noStrike" dirty="0">
+                        <a:solidFill>
+                          <a:srgbClr val="000000"/>
+                        </a:solidFill>
+                        <a:effectLst/>
+                        <a:latin typeface="맑은 고딕" panose="020B0503020000020004" pitchFamily="50" charset="-127"/>
+                        <a:ea typeface="맑은 고딕" panose="020B0503020000020004" pitchFamily="50" charset="-127"/>
+                      </a:endParaRPr>
+                    </a:p>
+                  </a:txBody>
+                  <a:tcPr marL="9525" marR="9525" marT="9525" marB="0" anchor="ctr"/>
+                </a:tc>
+                <a:tc>
+                  <a:txBody>
+                    <a:bodyPr/>
+                    <a:lstStyle/>
+                    <a:p>
+                      <a:pPr algn="ctr" fontAlgn="ctr">
+                        <a:buNone/>
+                      </a:pPr>
+                      <a:r>
+                        <a:rPr lang="en-US" altLang="ko-KR" sz="1100" b="0" u="none" strike="noStrike" dirty="0">
+                          <a:solidFill>
+                            <a:srgbClr val="000000"/>
+                          </a:solidFill>
+                          <a:effectLst/>
+                        </a:rPr>
+                        <a:t>…</a:t>
+                      </a:r>
+                      <a:endParaRPr lang="en-US" altLang="ko-KR" sz="1100" b="0" i="0" u="none" strike="noStrike" dirty="0">
+                        <a:solidFill>
+                          <a:srgbClr val="000000"/>
+                        </a:solidFill>
+                        <a:effectLst/>
+                        <a:latin typeface="맑은 고딕" panose="020B0503020000020004" pitchFamily="50" charset="-127"/>
+                        <a:ea typeface="맑은 고딕" panose="020B0503020000020004" pitchFamily="50" charset="-127"/>
+                      </a:endParaRPr>
+                    </a:p>
+                  </a:txBody>
+                  <a:tcPr marL="9525" marR="9525" marT="9525" marB="0" anchor="ctr"/>
+                </a:tc>
+                <a:extLst>
+                  <a:ext uri="{0D108BD9-81ED-4DB2-BD59-A6C34878D82A}">
+                    <a16:rowId xmlns:a16="http://schemas.microsoft.com/office/drawing/2014/main" val="3235559777"/>
+                  </a:ext>
+                </a:extLst>
+              </a:tr>
+              <a:tr h="209550">
+                <a:tc>
+                  <a:txBody>
+                    <a:bodyPr/>
+                    <a:lstStyle/>
+                    <a:p>
+                      <a:pPr algn="l" fontAlgn="ctr">
+                        <a:buNone/>
+                      </a:pPr>
+                      <a:r>
+                        <a:rPr lang="en-US" sz="1100" b="0" u="none" strike="noStrike" dirty="0">
+                          <a:solidFill>
+                            <a:srgbClr val="000000"/>
+                          </a:solidFill>
+                          <a:effectLst/>
+                        </a:rPr>
+                        <a:t>fan 660</a:t>
+                      </a:r>
+                      <a:endParaRPr lang="en-US" sz="1100" b="0" i="0" u="none" strike="noStrike" dirty="0">
+                        <a:solidFill>
+                          <a:srgbClr val="000000"/>
+                        </a:solidFill>
+                        <a:effectLst/>
+                        <a:latin typeface="맑은 고딕" panose="020B0503020000020004" pitchFamily="50" charset="-127"/>
+                        <a:ea typeface="맑은 고딕" panose="020B0503020000020004" pitchFamily="50" charset="-127"/>
+                      </a:endParaRPr>
+                    </a:p>
+                  </a:txBody>
+                  <a:tcPr marL="9525" marR="9525" marT="9525" marB="0" anchor="ctr"/>
+                </a:tc>
+                <a:tc>
+                  <a:txBody>
+                    <a:bodyPr/>
+                    <a:lstStyle/>
+                    <a:p>
+                      <a:pPr algn="ctr" fontAlgn="ctr">
+                        <a:buNone/>
+                      </a:pPr>
+                      <a:r>
+                        <a:rPr lang="en-US" altLang="ko-KR" sz="1100" b="0" u="none" strike="noStrike" dirty="0">
+                          <a:solidFill>
+                            <a:srgbClr val="000000"/>
+                          </a:solidFill>
+                          <a:effectLst/>
+                        </a:rPr>
+                        <a:t>-0.110 </a:t>
+                      </a:r>
+                      <a:endParaRPr lang="en-US" altLang="ko-KR" sz="1100" b="0" i="0" u="none" strike="noStrike" dirty="0">
+                        <a:solidFill>
+                          <a:srgbClr val="000000"/>
+                        </a:solidFill>
+                        <a:effectLst/>
+                        <a:latin typeface="맑은 고딕" panose="020B0503020000020004" pitchFamily="50" charset="-127"/>
+                        <a:ea typeface="맑은 고딕" panose="020B0503020000020004" pitchFamily="50" charset="-127"/>
+                      </a:endParaRPr>
+                    </a:p>
+                  </a:txBody>
+                  <a:tcPr marL="9525" marR="9525" marT="9525" marB="0" anchor="ctr"/>
+                </a:tc>
+                <a:tc>
+                  <a:txBody>
+                    <a:bodyPr/>
+                    <a:lstStyle/>
+                    <a:p>
+                      <a:pPr algn="ctr" fontAlgn="ctr">
+                        <a:buNone/>
+                      </a:pPr>
+                      <a:r>
+                        <a:rPr lang="en-US" altLang="ko-KR" sz="1100" b="0" u="none" strike="noStrike" dirty="0">
+                          <a:solidFill>
+                            <a:srgbClr val="000000"/>
+                          </a:solidFill>
+                          <a:effectLst/>
+                        </a:rPr>
+                        <a:t>-0.632 </a:t>
+                      </a:r>
+                      <a:endParaRPr lang="en-US" altLang="ko-KR" sz="1100" b="0" i="0" u="none" strike="noStrike" dirty="0">
+                        <a:solidFill>
+                          <a:srgbClr val="000000"/>
+                        </a:solidFill>
+                        <a:effectLst/>
+                        <a:latin typeface="맑은 고딕" panose="020B0503020000020004" pitchFamily="50" charset="-127"/>
+                        <a:ea typeface="맑은 고딕" panose="020B0503020000020004" pitchFamily="50" charset="-127"/>
+                      </a:endParaRPr>
+                    </a:p>
+                  </a:txBody>
+                  <a:tcPr marL="9525" marR="9525" marT="9525" marB="0" anchor="ctr"/>
+                </a:tc>
+                <a:tc>
+                  <a:txBody>
+                    <a:bodyPr/>
+                    <a:lstStyle/>
+                    <a:p>
+                      <a:pPr algn="ctr" fontAlgn="ctr">
+                        <a:buNone/>
+                      </a:pPr>
+                      <a:r>
+                        <a:rPr lang="en-US" altLang="ko-KR" sz="1100" b="0" u="none" strike="noStrike" dirty="0">
+                          <a:solidFill>
+                            <a:srgbClr val="000000"/>
+                          </a:solidFill>
+                          <a:effectLst/>
+                        </a:rPr>
+                        <a:t>1.038 </a:t>
+                      </a:r>
+                      <a:endParaRPr lang="en-US" altLang="ko-KR" sz="1100" b="0" i="0" u="none" strike="noStrike" dirty="0">
+                        <a:solidFill>
+                          <a:srgbClr val="000000"/>
+                        </a:solidFill>
+                        <a:effectLst/>
+                        <a:latin typeface="맑은 고딕" panose="020B0503020000020004" pitchFamily="50" charset="-127"/>
+                        <a:ea typeface="맑은 고딕" panose="020B0503020000020004" pitchFamily="50" charset="-127"/>
+                      </a:endParaRPr>
+                    </a:p>
+                  </a:txBody>
+                  <a:tcPr marL="9525" marR="9525" marT="9525" marB="0" anchor="ctr"/>
+                </a:tc>
+                <a:extLst>
+                  <a:ext uri="{0D108BD9-81ED-4DB2-BD59-A6C34878D82A}">
+                    <a16:rowId xmlns:a16="http://schemas.microsoft.com/office/drawing/2014/main" val="1872549823"/>
+                  </a:ext>
+                </a:extLst>
+              </a:tr>
+            </a:tbl>
+          </a:graphicData>
+        </a:graphic>
+      </p:graphicFrame>
+      <p:sp>
+        <p:nvSpPr>
+          <p:cNvPr id="18" name="화살표: 오른쪽 17">
+            <a:extLst>
+              <a:ext uri="{FF2B5EF4-FFF2-40B4-BE49-F238E27FC236}">
+                <a16:creationId xmlns:a16="http://schemas.microsoft.com/office/drawing/2014/main" id="{41BDE1F6-A198-B042-8587-8F6827B73B1D}"/>
+              </a:ext>
+            </a:extLst>
+          </p:cNvPr>
+          <p:cNvSpPr/>
+          <p:nvPr/>
+        </p:nvSpPr>
+        <p:spPr>
+          <a:xfrm>
+            <a:off x="4667569" y="3257550"/>
+            <a:ext cx="2172089" cy="342900"/>
+          </a:xfrm>
+          <a:prstGeom prst="rightArrow">
+            <a:avLst/>
+          </a:prstGeom>
+        </p:spPr>
+        <p:style>
+          <a:lnRef idx="2">
+            <a:schemeClr val="accent1">
+              <a:shade val="15000"/>
+            </a:schemeClr>
+          </a:lnRef>
+          <a:fillRef idx="1">
+            <a:schemeClr val="accent1"/>
+          </a:fillRef>
+          <a:effectRef idx="0">
+            <a:schemeClr val="accent1"/>
+          </a:effectRef>
+          <a:fontRef idx="minor">
+            <a:schemeClr val="lt1"/>
+          </a:fontRef>
+        </p:style>
+        <p:txBody>
+          <a:bodyPr rtlCol="0" anchor="ctr"/>
+          <a:lstStyle/>
+          <a:p>
+            <a:pPr algn="ctr"/>
+            <a:endParaRPr lang="ko-KR" altLang="en-US"/>
+          </a:p>
+        </p:txBody>
+      </p:sp>
+      <p:sp>
+        <p:nvSpPr>
+          <p:cNvPr id="2" name="TextBox 1">
+            <a:extLst>
+              <a:ext uri="{FF2B5EF4-FFF2-40B4-BE49-F238E27FC236}">
+                <a16:creationId xmlns:a16="http://schemas.microsoft.com/office/drawing/2014/main" id="{A4EEA004-F3E7-C6BE-ACEA-A975CB57ABED}"/>
+              </a:ext>
+            </a:extLst>
+          </p:cNvPr>
+          <p:cNvSpPr txBox="1"/>
+          <p:nvPr/>
+        </p:nvSpPr>
+        <p:spPr>
+          <a:xfrm>
+            <a:off x="4649635" y="2167357"/>
+            <a:ext cx="2190023" cy="861774"/>
+          </a:xfrm>
+          <a:prstGeom prst="rect">
+            <a:avLst/>
+          </a:prstGeom>
+          <a:noFill/>
+        </p:spPr>
+        <p:txBody>
+          <a:bodyPr wrap="none" rtlCol="0">
+            <a:spAutoFit/>
+          </a:bodyPr>
+          <a:lstStyle/>
+          <a:p>
+            <a:r>
+              <a:rPr lang="en-US" altLang="ko-KR" sz="1400" dirty="0"/>
+              <a:t>1. </a:t>
+            </a:r>
+            <a:r>
+              <a:rPr lang="ko-KR" altLang="en-US" sz="1400" dirty="0"/>
+              <a:t>사용 불가 키워드 제거</a:t>
+            </a:r>
+            <a:endParaRPr lang="en-US" altLang="ko-KR" sz="1400" dirty="0"/>
+          </a:p>
+          <a:p>
+            <a:r>
+              <a:rPr lang="en-US" altLang="ko-KR" sz="1200" dirty="0"/>
+              <a:t>- </a:t>
+            </a:r>
+            <a:r>
+              <a:rPr lang="ko-KR" altLang="en-US" sz="1200" dirty="0"/>
+              <a:t>외국어</a:t>
+            </a:r>
+            <a:endParaRPr lang="en-US" altLang="ko-KR" sz="1200" dirty="0"/>
+          </a:p>
+          <a:p>
+            <a:r>
+              <a:rPr lang="en-US" altLang="ko-KR" sz="1200" dirty="0"/>
+              <a:t>- </a:t>
+            </a:r>
+            <a:r>
+              <a:rPr lang="ko-KR" altLang="en-US" sz="1200" dirty="0"/>
+              <a:t>복수형 키워드</a:t>
+            </a:r>
+            <a:endParaRPr lang="en-US" altLang="ko-KR" sz="1200" dirty="0"/>
+          </a:p>
+          <a:p>
+            <a:r>
+              <a:rPr lang="en-US" altLang="ko-KR" sz="1200" dirty="0"/>
+              <a:t>- </a:t>
+            </a:r>
+            <a:r>
+              <a:rPr lang="ko-KR" altLang="en-US" sz="1200" dirty="0"/>
+              <a:t>기호가 포함된 키워드</a:t>
+            </a:r>
+          </a:p>
+        </p:txBody>
+      </p:sp>
+      <p:sp>
+        <p:nvSpPr>
+          <p:cNvPr id="3" name="TextBox 2">
+            <a:extLst>
+              <a:ext uri="{FF2B5EF4-FFF2-40B4-BE49-F238E27FC236}">
+                <a16:creationId xmlns:a16="http://schemas.microsoft.com/office/drawing/2014/main" id="{CC2D6772-86F3-DDC0-F4B6-909A65221DC6}"/>
+              </a:ext>
+            </a:extLst>
+          </p:cNvPr>
+          <p:cNvSpPr txBox="1"/>
+          <p:nvPr/>
+        </p:nvSpPr>
+        <p:spPr>
+          <a:xfrm>
+            <a:off x="4367006" y="3828869"/>
+            <a:ext cx="2791149" cy="923330"/>
+          </a:xfrm>
+          <a:prstGeom prst="rect">
+            <a:avLst/>
+          </a:prstGeom>
+          <a:noFill/>
+        </p:spPr>
+        <p:txBody>
+          <a:bodyPr wrap="none" rtlCol="0">
+            <a:spAutoFit/>
+          </a:bodyPr>
+          <a:lstStyle/>
+          <a:p>
+            <a:r>
+              <a:rPr lang="en-US" altLang="ko-KR" sz="1400" dirty="0"/>
+              <a:t>2. </a:t>
+            </a:r>
+            <a:r>
+              <a:rPr lang="ko-KR" altLang="en-US" sz="1400" dirty="0"/>
+              <a:t>수치 정규화 및 </a:t>
+            </a:r>
+            <a:r>
+              <a:rPr lang="ko-KR" altLang="en-US" sz="1400" dirty="0" err="1"/>
+              <a:t>결측치</a:t>
+            </a:r>
+            <a:r>
+              <a:rPr lang="ko-KR" altLang="en-US" sz="1400" dirty="0"/>
+              <a:t> 제거</a:t>
+            </a:r>
+            <a:endParaRPr lang="en-US" altLang="ko-KR" sz="1400" dirty="0"/>
+          </a:p>
+          <a:p>
+            <a:endParaRPr lang="en-US" altLang="ko-KR" sz="1400" dirty="0"/>
+          </a:p>
+          <a:p>
+            <a:r>
+              <a:rPr lang="en-US" altLang="ko-KR" sz="1400" dirty="0"/>
+              <a:t>3. </a:t>
+            </a:r>
+            <a:r>
+              <a:rPr lang="ko-KR" altLang="en-US" sz="1400" dirty="0"/>
+              <a:t>두 수치를 기반으로 점수</a:t>
+            </a:r>
+            <a:r>
+              <a:rPr lang="en-US" altLang="ko-KR" sz="1400" dirty="0"/>
+              <a:t> </a:t>
+            </a:r>
+            <a:r>
+              <a:rPr lang="ko-KR" altLang="en-US" sz="1400" dirty="0"/>
+              <a:t>생성</a:t>
+            </a:r>
+            <a:endParaRPr lang="en-US" altLang="ko-KR" sz="1400" dirty="0"/>
+          </a:p>
+          <a:p>
+            <a:r>
+              <a:rPr lang="en-US" altLang="ko-KR" sz="1200" dirty="0"/>
+              <a:t>   (</a:t>
+            </a:r>
+            <a:r>
+              <a:rPr lang="en-US" altLang="ko-KR" sz="1200" dirty="0" err="1"/>
+              <a:t>sv</a:t>
+            </a:r>
+            <a:r>
+              <a:rPr lang="en-US" altLang="ko-KR" sz="1200" dirty="0"/>
+              <a:t> + 1)  / (cp + 1) = vs</a:t>
+            </a:r>
+            <a:endParaRPr lang="ko-KR" altLang="en-US" sz="1200" dirty="0"/>
+          </a:p>
+        </p:txBody>
+      </p:sp>
+    </p:spTree>
+    <p:extLst>
+      <p:ext uri="{BB962C8B-B14F-4D97-AF65-F5344CB8AC3E}">
+        <p14:creationId xmlns:p14="http://schemas.microsoft.com/office/powerpoint/2010/main" val="1466545514"/>
+      </p:ext>
+    </p:extLst>
+  </p:cSld>
+  <p:clrMapOvr>
+    <a:masterClrMapping/>
+  </p:clrMapOvr>
+</p:sld>
+</file>
+
+<file path=ppt/slides/slide5.xml><?xml version="1.0" encoding="utf-8"?>
+<p:sld xmlns:a="http://schemas.openxmlformats.org/drawingml/2006/main" xmlns:r="http://schemas.openxmlformats.org/officeDocument/2006/relationships" xmlns:p="http://schemas.openxmlformats.org/presentationml/2006/main">
+  <p:cSld>
+    <p:spTree>
+      <p:nvGrpSpPr>
+        <p:cNvPr id="1" name=""/>
+        <p:cNvGrpSpPr/>
+        <p:nvPr/>
+      </p:nvGrpSpPr>
+      <p:grpSpPr>
+        <a:xfrm>
+          <a:off x="0" y="0"/>
+          <a:ext cx="0" cy="0"/>
+          <a:chOff x="0" y="0"/>
+          <a:chExt cx="0" cy="0"/>
+        </a:xfrm>
+      </p:grpSpPr>
+      <p:sp>
+        <p:nvSpPr>
+          <p:cNvPr id="4" name="TextBox 3">
+            <a:extLst>
+              <a:ext uri="{FF2B5EF4-FFF2-40B4-BE49-F238E27FC236}">
+                <a16:creationId xmlns:a16="http://schemas.microsoft.com/office/drawing/2014/main" id="{69F66B95-63E7-F39A-7F5E-9508E4233D10}"/>
+              </a:ext>
+            </a:extLst>
+          </p:cNvPr>
+          <p:cNvSpPr txBox="1"/>
+          <p:nvPr/>
+        </p:nvSpPr>
+        <p:spPr>
+          <a:xfrm>
+            <a:off x="2165359" y="4767430"/>
+            <a:ext cx="795411" cy="369332"/>
+          </a:xfrm>
+          <a:prstGeom prst="rect">
+            <a:avLst/>
+          </a:prstGeom>
+          <a:noFill/>
+        </p:spPr>
+        <p:txBody>
+          <a:bodyPr wrap="none" rtlCol="0">
+            <a:spAutoFit/>
+          </a:bodyPr>
+          <a:lstStyle/>
+          <a:p>
+            <a:r>
+              <a:rPr lang="en-US" altLang="ko-KR" dirty="0"/>
+              <a:t>151</a:t>
+            </a:r>
+            <a:r>
+              <a:rPr lang="ko-KR" altLang="en-US" dirty="0"/>
+              <a:t>개</a:t>
+            </a:r>
+            <a:endParaRPr lang="en-US" altLang="ko-KR" dirty="0"/>
+          </a:p>
+        </p:txBody>
+      </p:sp>
+      <p:graphicFrame>
+        <p:nvGraphicFramePr>
+          <p:cNvPr id="5" name="표 4">
+            <a:extLst>
+              <a:ext uri="{FF2B5EF4-FFF2-40B4-BE49-F238E27FC236}">
+                <a16:creationId xmlns:a16="http://schemas.microsoft.com/office/drawing/2014/main" id="{73FA173C-F1A3-6825-5784-F0A1C0A3E4B4}"/>
+              </a:ext>
+            </a:extLst>
+          </p:cNvPr>
+          <p:cNvGraphicFramePr>
+            <a:graphicFrameLocks noGrp="1"/>
+          </p:cNvGraphicFramePr>
+          <p:nvPr>
+            <p:extLst>
+              <p:ext uri="{D42A27DB-BD31-4B8C-83A1-F6EECF244321}">
+                <p14:modId xmlns:p14="http://schemas.microsoft.com/office/powerpoint/2010/main" val="700696391"/>
+              </p:ext>
+            </p:extLst>
+          </p:nvPr>
+        </p:nvGraphicFramePr>
+        <p:xfrm>
+          <a:off x="1045795" y="1904090"/>
           <a:ext cx="3034541" cy="2305050"/>
         </p:xfrm>
         <a:graphic>
@@ -7286,12 +9425,2563 @@
           </a:graphicData>
         </a:graphic>
       </p:graphicFrame>
+      <p:graphicFrame>
+        <p:nvGraphicFramePr>
+          <p:cNvPr id="6" name="표 5">
+            <a:extLst>
+              <a:ext uri="{FF2B5EF4-FFF2-40B4-BE49-F238E27FC236}">
+                <a16:creationId xmlns:a16="http://schemas.microsoft.com/office/drawing/2014/main" id="{35A59E7E-DFF0-1F7A-BE52-FF53DF0FD41B}"/>
+              </a:ext>
+            </a:extLst>
+          </p:cNvPr>
+          <p:cNvGraphicFramePr>
+            <a:graphicFrameLocks noGrp="1"/>
+          </p:cNvGraphicFramePr>
+          <p:nvPr>
+            <p:extLst>
+              <p:ext uri="{D42A27DB-BD31-4B8C-83A1-F6EECF244321}">
+                <p14:modId xmlns:p14="http://schemas.microsoft.com/office/powerpoint/2010/main" val="3605061508"/>
+              </p:ext>
+            </p:extLst>
+          </p:nvPr>
+        </p:nvGraphicFramePr>
+        <p:xfrm>
+          <a:off x="6062568" y="1414249"/>
+          <a:ext cx="5546724" cy="3352800"/>
+        </p:xfrm>
+        <a:graphic>
+          <a:graphicData uri="http://schemas.openxmlformats.org/drawingml/2006/table">
+            <a:tbl>
+              <a:tblPr firstRow="1">
+                <a:tableStyleId>{3B4B98B0-60AC-42C2-AFA5-B58CD77FA1E5}</a:tableStyleId>
+              </a:tblPr>
+              <a:tblGrid>
+                <a:gridCol w="2365374">
+                  <a:extLst>
+                    <a:ext uri="{9D8B030D-6E8A-4147-A177-3AD203B41FA5}">
+                      <a16:colId xmlns:a16="http://schemas.microsoft.com/office/drawing/2014/main" val="3604982946"/>
+                    </a:ext>
+                  </a:extLst>
+                </a:gridCol>
+                <a:gridCol w="628650">
+                  <a:extLst>
+                    <a:ext uri="{9D8B030D-6E8A-4147-A177-3AD203B41FA5}">
+                      <a16:colId xmlns:a16="http://schemas.microsoft.com/office/drawing/2014/main" val="2862819776"/>
+                    </a:ext>
+                  </a:extLst>
+                </a:gridCol>
+                <a:gridCol w="809625">
+                  <a:extLst>
+                    <a:ext uri="{9D8B030D-6E8A-4147-A177-3AD203B41FA5}">
+                      <a16:colId xmlns:a16="http://schemas.microsoft.com/office/drawing/2014/main" val="3637478117"/>
+                    </a:ext>
+                  </a:extLst>
+                </a:gridCol>
+                <a:gridCol w="742950">
+                  <a:extLst>
+                    <a:ext uri="{9D8B030D-6E8A-4147-A177-3AD203B41FA5}">
+                      <a16:colId xmlns:a16="http://schemas.microsoft.com/office/drawing/2014/main" val="387136019"/>
+                    </a:ext>
+                  </a:extLst>
+                </a:gridCol>
+                <a:gridCol w="1000125">
+                  <a:extLst>
+                    <a:ext uri="{9D8B030D-6E8A-4147-A177-3AD203B41FA5}">
+                      <a16:colId xmlns:a16="http://schemas.microsoft.com/office/drawing/2014/main" val="995509960"/>
+                    </a:ext>
+                  </a:extLst>
+                </a:gridCol>
+              </a:tblGrid>
+              <a:tr h="209550">
+                <a:tc>
+                  <a:txBody>
+                    <a:bodyPr/>
+                    <a:lstStyle/>
+                    <a:p>
+                      <a:pPr algn="ctr" fontAlgn="ctr">
+                        <a:buNone/>
+                      </a:pPr>
+                      <a:r>
+                        <a:rPr lang="en-US" sz="1100" b="1" u="none" strike="noStrike" dirty="0">
+                          <a:solidFill>
+                            <a:srgbClr val="000000"/>
+                          </a:solidFill>
+                          <a:effectLst/>
+                        </a:rPr>
+                        <a:t>Keywords</a:t>
+                      </a:r>
+                      <a:endParaRPr lang="en-US" sz="1100" b="1" i="0" u="none" strike="noStrike" dirty="0">
+                        <a:solidFill>
+                          <a:srgbClr val="000000"/>
+                        </a:solidFill>
+                        <a:effectLst/>
+                        <a:latin typeface="맑은 고딕" panose="020B0503020000020004" pitchFamily="50" charset="-127"/>
+                        <a:ea typeface="맑은 고딕" panose="020B0503020000020004" pitchFamily="50" charset="-127"/>
+                      </a:endParaRPr>
+                    </a:p>
+                  </a:txBody>
+                  <a:tcPr marL="9525" marR="9525" marT="9525" marB="0" anchor="ctr"/>
+                </a:tc>
+                <a:tc>
+                  <a:txBody>
+                    <a:bodyPr/>
+                    <a:lstStyle/>
+                    <a:p>
+                      <a:pPr algn="ctr" fontAlgn="ctr">
+                        <a:buNone/>
+                      </a:pPr>
+                      <a:r>
+                        <a:rPr lang="en-US" sz="1100" b="1" u="none" strike="noStrike" dirty="0">
+                          <a:solidFill>
+                            <a:srgbClr val="000000"/>
+                          </a:solidFill>
+                          <a:effectLst/>
+                        </a:rPr>
+                        <a:t>SV</a:t>
+                      </a:r>
+                      <a:endParaRPr lang="en-US" sz="1100" b="1" i="0" u="none" strike="noStrike" dirty="0">
+                        <a:solidFill>
+                          <a:srgbClr val="000000"/>
+                        </a:solidFill>
+                        <a:effectLst/>
+                        <a:latin typeface="맑은 고딕" panose="020B0503020000020004" pitchFamily="50" charset="-127"/>
+                        <a:ea typeface="맑은 고딕" panose="020B0503020000020004" pitchFamily="50" charset="-127"/>
+                      </a:endParaRPr>
+                    </a:p>
+                  </a:txBody>
+                  <a:tcPr marL="9525" marR="9525" marT="9525" marB="0" anchor="ctr"/>
+                </a:tc>
+                <a:tc>
+                  <a:txBody>
+                    <a:bodyPr/>
+                    <a:lstStyle/>
+                    <a:p>
+                      <a:pPr algn="ctr" fontAlgn="ctr">
+                        <a:buNone/>
+                      </a:pPr>
+                      <a:r>
+                        <a:rPr lang="en-US" sz="1100" b="1" u="none" strike="noStrike" dirty="0">
+                          <a:solidFill>
+                            <a:srgbClr val="000000"/>
+                          </a:solidFill>
+                          <a:effectLst/>
+                        </a:rPr>
+                        <a:t>CP</a:t>
+                      </a:r>
+                      <a:endParaRPr lang="en-US" sz="1100" b="1" i="0" u="none" strike="noStrike" dirty="0">
+                        <a:solidFill>
+                          <a:srgbClr val="000000"/>
+                        </a:solidFill>
+                        <a:effectLst/>
+                        <a:latin typeface="맑은 고딕" panose="020B0503020000020004" pitchFamily="50" charset="-127"/>
+                        <a:ea typeface="맑은 고딕" panose="020B0503020000020004" pitchFamily="50" charset="-127"/>
+                      </a:endParaRPr>
+                    </a:p>
+                  </a:txBody>
+                  <a:tcPr marL="9525" marR="9525" marT="9525" marB="0" anchor="ctr"/>
+                </a:tc>
+                <a:tc>
+                  <a:txBody>
+                    <a:bodyPr/>
+                    <a:lstStyle/>
+                    <a:p>
+                      <a:pPr algn="ctr" fontAlgn="ctr">
+                        <a:buNone/>
+                      </a:pPr>
+                      <a:r>
+                        <a:rPr lang="en-US" sz="1100" b="1" u="none" strike="noStrike" dirty="0">
+                          <a:solidFill>
+                            <a:srgbClr val="000000"/>
+                          </a:solidFill>
+                          <a:effectLst/>
+                        </a:rPr>
+                        <a:t>VS</a:t>
+                      </a:r>
+                      <a:endParaRPr lang="en-US" sz="1100" b="1" i="0" u="none" strike="noStrike" dirty="0">
+                        <a:solidFill>
+                          <a:srgbClr val="000000"/>
+                        </a:solidFill>
+                        <a:effectLst/>
+                        <a:latin typeface="맑은 고딕" panose="020B0503020000020004" pitchFamily="50" charset="-127"/>
+                        <a:ea typeface="맑은 고딕" panose="020B0503020000020004" pitchFamily="50" charset="-127"/>
+                      </a:endParaRPr>
+                    </a:p>
+                  </a:txBody>
+                  <a:tcPr marL="9525" marR="9525" marT="9525" marB="0" anchor="ctr"/>
+                </a:tc>
+                <a:tc>
+                  <a:txBody>
+                    <a:bodyPr/>
+                    <a:lstStyle/>
+                    <a:p>
+                      <a:pPr algn="ctr" fontAlgn="ctr">
+                        <a:buNone/>
+                      </a:pPr>
+                      <a:r>
+                        <a:rPr lang="en-US" sz="1100" b="1" u="none" strike="noStrike" dirty="0">
+                          <a:solidFill>
+                            <a:srgbClr val="000000"/>
+                          </a:solidFill>
+                          <a:effectLst/>
+                        </a:rPr>
+                        <a:t>Category</a:t>
+                      </a:r>
+                      <a:endParaRPr lang="en-US" sz="1100" b="1" i="0" u="none" strike="noStrike" dirty="0">
+                        <a:solidFill>
+                          <a:srgbClr val="000000"/>
+                        </a:solidFill>
+                        <a:effectLst/>
+                        <a:latin typeface="맑은 고딕" panose="020B0503020000020004" pitchFamily="50" charset="-127"/>
+                        <a:ea typeface="맑은 고딕" panose="020B0503020000020004" pitchFamily="50" charset="-127"/>
+                      </a:endParaRPr>
+                    </a:p>
+                  </a:txBody>
+                  <a:tcPr marL="9525" marR="9525" marT="9525" marB="0" anchor="ctr"/>
+                </a:tc>
+                <a:extLst>
+                  <a:ext uri="{0D108BD9-81ED-4DB2-BD59-A6C34878D82A}">
+                    <a16:rowId xmlns:a16="http://schemas.microsoft.com/office/drawing/2014/main" val="749894055"/>
+                  </a:ext>
+                </a:extLst>
+              </a:tr>
+              <a:tr h="209550">
+                <a:tc>
+                  <a:txBody>
+                    <a:bodyPr/>
+                    <a:lstStyle/>
+                    <a:p>
+                      <a:pPr algn="l" fontAlgn="ctr">
+                        <a:buNone/>
+                      </a:pPr>
+                      <a:r>
+                        <a:rPr lang="en-US" sz="1100" b="0" u="none" strike="noStrike">
+                          <a:solidFill>
+                            <a:srgbClr val="000000"/>
+                          </a:solidFill>
+                          <a:effectLst/>
+                        </a:rPr>
+                        <a:t>desk fan</a:t>
+                      </a:r>
+                      <a:endParaRPr lang="en-US" sz="1100" b="0" i="0" u="none" strike="noStrike">
+                        <a:solidFill>
+                          <a:srgbClr val="000000"/>
+                        </a:solidFill>
+                        <a:effectLst/>
+                        <a:latin typeface="맑은 고딕" panose="020B0503020000020004" pitchFamily="50" charset="-127"/>
+                        <a:ea typeface="맑은 고딕" panose="020B0503020000020004" pitchFamily="50" charset="-127"/>
+                      </a:endParaRPr>
+                    </a:p>
+                  </a:txBody>
+                  <a:tcPr marL="9525" marR="9525" marT="9525" marB="0" anchor="ctr"/>
+                </a:tc>
+                <a:tc>
+                  <a:txBody>
+                    <a:bodyPr/>
+                    <a:lstStyle/>
+                    <a:p>
+                      <a:pPr algn="ctr" fontAlgn="ctr">
+                        <a:buNone/>
+                      </a:pPr>
+                      <a:r>
+                        <a:rPr lang="en-US" altLang="ko-KR" sz="1100" b="0" u="none" strike="noStrike">
+                          <a:solidFill>
+                            <a:srgbClr val="000000"/>
+                          </a:solidFill>
+                          <a:effectLst/>
+                        </a:rPr>
+                        <a:t>11.616 </a:t>
+                      </a:r>
+                      <a:endParaRPr lang="en-US" altLang="ko-KR" sz="1100" b="0" i="0" u="none" strike="noStrike">
+                        <a:solidFill>
+                          <a:srgbClr val="000000"/>
+                        </a:solidFill>
+                        <a:effectLst/>
+                        <a:latin typeface="맑은 고딕" panose="020B0503020000020004" pitchFamily="50" charset="-127"/>
+                        <a:ea typeface="맑은 고딕" panose="020B0503020000020004" pitchFamily="50" charset="-127"/>
+                      </a:endParaRPr>
+                    </a:p>
+                  </a:txBody>
+                  <a:tcPr marL="9525" marR="9525" marT="9525" marB="0" anchor="ctr"/>
+                </a:tc>
+                <a:tc>
+                  <a:txBody>
+                    <a:bodyPr/>
+                    <a:lstStyle/>
+                    <a:p>
+                      <a:pPr algn="ctr" fontAlgn="ctr">
+                        <a:buNone/>
+                      </a:pPr>
+                      <a:r>
+                        <a:rPr lang="en-US" altLang="ko-KR" sz="1100" b="0" u="none" strike="noStrike" dirty="0">
+                          <a:solidFill>
+                            <a:srgbClr val="000000"/>
+                          </a:solidFill>
+                          <a:effectLst/>
+                        </a:rPr>
+                        <a:t>0.671 </a:t>
+                      </a:r>
+                      <a:endParaRPr lang="en-US" altLang="ko-KR" sz="1100" b="0" i="0" u="none" strike="noStrike" dirty="0">
+                        <a:solidFill>
+                          <a:srgbClr val="000000"/>
+                        </a:solidFill>
+                        <a:effectLst/>
+                        <a:latin typeface="맑은 고딕" panose="020B0503020000020004" pitchFamily="50" charset="-127"/>
+                        <a:ea typeface="맑은 고딕" panose="020B0503020000020004" pitchFamily="50" charset="-127"/>
+                      </a:endParaRPr>
+                    </a:p>
+                  </a:txBody>
+                  <a:tcPr marL="9525" marR="9525" marT="9525" marB="0" anchor="ctr"/>
+                </a:tc>
+                <a:tc>
+                  <a:txBody>
+                    <a:bodyPr/>
+                    <a:lstStyle/>
+                    <a:p>
+                      <a:pPr algn="ctr" fontAlgn="ctr">
+                        <a:buNone/>
+                      </a:pPr>
+                      <a:r>
+                        <a:rPr lang="en-US" altLang="ko-KR" sz="1100" b="0" u="none" strike="noStrike">
+                          <a:solidFill>
+                            <a:srgbClr val="000000"/>
+                          </a:solidFill>
+                          <a:effectLst/>
+                        </a:rPr>
+                        <a:t>5.560 </a:t>
+                      </a:r>
+                      <a:endParaRPr lang="en-US" altLang="ko-KR" sz="1100" b="0" i="0" u="none" strike="noStrike">
+                        <a:solidFill>
+                          <a:srgbClr val="000000"/>
+                        </a:solidFill>
+                        <a:effectLst/>
+                        <a:latin typeface="맑은 고딕" panose="020B0503020000020004" pitchFamily="50" charset="-127"/>
+                        <a:ea typeface="맑은 고딕" panose="020B0503020000020004" pitchFamily="50" charset="-127"/>
+                      </a:endParaRPr>
+                    </a:p>
+                  </a:txBody>
+                  <a:tcPr marL="9525" marR="9525" marT="9525" marB="0" anchor="ctr"/>
+                </a:tc>
+                <a:tc>
+                  <a:txBody>
+                    <a:bodyPr/>
+                    <a:lstStyle/>
+                    <a:p>
+                      <a:pPr algn="ctr" fontAlgn="ctr">
+                        <a:buNone/>
+                      </a:pPr>
+                      <a:r>
+                        <a:rPr lang="en-US" sz="1100" b="0" u="none" strike="noStrike" dirty="0">
+                          <a:solidFill>
+                            <a:srgbClr val="000000"/>
+                          </a:solidFill>
+                          <a:effectLst/>
+                        </a:rPr>
+                        <a:t>Direct</a:t>
+                      </a:r>
+                      <a:endParaRPr lang="en-US" sz="1100" b="0" i="0" u="none" strike="noStrike" dirty="0">
+                        <a:solidFill>
+                          <a:srgbClr val="000000"/>
+                        </a:solidFill>
+                        <a:effectLst/>
+                        <a:latin typeface="맑은 고딕" panose="020B0503020000020004" pitchFamily="50" charset="-127"/>
+                        <a:ea typeface="맑은 고딕" panose="020B0503020000020004" pitchFamily="50" charset="-127"/>
+                      </a:endParaRPr>
+                    </a:p>
+                  </a:txBody>
+                  <a:tcPr marL="9525" marR="9525" marT="9525" marB="0" anchor="ctr"/>
+                </a:tc>
+                <a:extLst>
+                  <a:ext uri="{0D108BD9-81ED-4DB2-BD59-A6C34878D82A}">
+                    <a16:rowId xmlns:a16="http://schemas.microsoft.com/office/drawing/2014/main" val="2697131934"/>
+                  </a:ext>
+                </a:extLst>
+              </a:tr>
+              <a:tr h="209550">
+                <a:tc>
+                  <a:txBody>
+                    <a:bodyPr/>
+                    <a:lstStyle/>
+                    <a:p>
+                      <a:pPr algn="l" fontAlgn="ctr">
+                        <a:buNone/>
+                      </a:pPr>
+                      <a:r>
+                        <a:rPr lang="en-US" sz="1100" b="0" u="none" strike="noStrike">
+                          <a:solidFill>
+                            <a:srgbClr val="000000"/>
+                          </a:solidFill>
+                          <a:effectLst/>
+                        </a:rPr>
+                        <a:t>bedside fan</a:t>
+                      </a:r>
+                      <a:endParaRPr lang="en-US" sz="1100" b="0" i="0" u="none" strike="noStrike">
+                        <a:solidFill>
+                          <a:srgbClr val="000000"/>
+                        </a:solidFill>
+                        <a:effectLst/>
+                        <a:latin typeface="맑은 고딕" panose="020B0503020000020004" pitchFamily="50" charset="-127"/>
+                        <a:ea typeface="맑은 고딕" panose="020B0503020000020004" pitchFamily="50" charset="-127"/>
+                      </a:endParaRPr>
+                    </a:p>
+                  </a:txBody>
+                  <a:tcPr marL="9525" marR="9525" marT="9525" marB="0" anchor="ctr"/>
+                </a:tc>
+                <a:tc>
+                  <a:txBody>
+                    <a:bodyPr/>
+                    <a:lstStyle/>
+                    <a:p>
+                      <a:pPr algn="ctr" fontAlgn="ctr">
+                        <a:buNone/>
+                      </a:pPr>
+                      <a:r>
+                        <a:rPr lang="en-US" altLang="ko-KR" sz="1100" b="0" u="none" strike="noStrike">
+                          <a:solidFill>
+                            <a:srgbClr val="000000"/>
+                          </a:solidFill>
+                          <a:effectLst/>
+                        </a:rPr>
+                        <a:t>0.459 </a:t>
+                      </a:r>
+                      <a:endParaRPr lang="en-US" altLang="ko-KR" sz="1100" b="0" i="0" u="none" strike="noStrike">
+                        <a:solidFill>
+                          <a:srgbClr val="000000"/>
+                        </a:solidFill>
+                        <a:effectLst/>
+                        <a:latin typeface="맑은 고딕" panose="020B0503020000020004" pitchFamily="50" charset="-127"/>
+                        <a:ea typeface="맑은 고딕" panose="020B0503020000020004" pitchFamily="50" charset="-127"/>
+                      </a:endParaRPr>
+                    </a:p>
+                  </a:txBody>
+                  <a:tcPr marL="9525" marR="9525" marT="9525" marB="0" anchor="ctr"/>
+                </a:tc>
+                <a:tc>
+                  <a:txBody>
+                    <a:bodyPr/>
+                    <a:lstStyle/>
+                    <a:p>
+                      <a:pPr algn="ctr" fontAlgn="ctr">
+                        <a:buNone/>
+                      </a:pPr>
+                      <a:r>
+                        <a:rPr lang="en-US" altLang="ko-KR" sz="1100" b="0" u="none" strike="noStrike">
+                          <a:solidFill>
+                            <a:srgbClr val="000000"/>
+                          </a:solidFill>
+                          <a:effectLst/>
+                        </a:rPr>
+                        <a:t>-0.529 </a:t>
+                      </a:r>
+                      <a:endParaRPr lang="en-US" altLang="ko-KR" sz="1100" b="0" i="0" u="none" strike="noStrike">
+                        <a:solidFill>
+                          <a:srgbClr val="000000"/>
+                        </a:solidFill>
+                        <a:effectLst/>
+                        <a:latin typeface="맑은 고딕" panose="020B0503020000020004" pitchFamily="50" charset="-127"/>
+                        <a:ea typeface="맑은 고딕" panose="020B0503020000020004" pitchFamily="50" charset="-127"/>
+                      </a:endParaRPr>
+                    </a:p>
+                  </a:txBody>
+                  <a:tcPr marL="9525" marR="9525" marT="9525" marB="0" anchor="ctr"/>
+                </a:tc>
+                <a:tc>
+                  <a:txBody>
+                    <a:bodyPr/>
+                    <a:lstStyle/>
+                    <a:p>
+                      <a:pPr algn="ctr" fontAlgn="ctr">
+                        <a:buNone/>
+                      </a:pPr>
+                      <a:r>
+                        <a:rPr lang="en-US" altLang="ko-KR" sz="1100" b="0" u="none" strike="noStrike">
+                          <a:solidFill>
+                            <a:srgbClr val="000000"/>
+                          </a:solidFill>
+                          <a:effectLst/>
+                        </a:rPr>
+                        <a:t>1.470 </a:t>
+                      </a:r>
+                      <a:endParaRPr lang="en-US" altLang="ko-KR" sz="1100" b="0" i="0" u="none" strike="noStrike">
+                        <a:solidFill>
+                          <a:srgbClr val="000000"/>
+                        </a:solidFill>
+                        <a:effectLst/>
+                        <a:latin typeface="맑은 고딕" panose="020B0503020000020004" pitchFamily="50" charset="-127"/>
+                        <a:ea typeface="맑은 고딕" panose="020B0503020000020004" pitchFamily="50" charset="-127"/>
+                      </a:endParaRPr>
+                    </a:p>
+                  </a:txBody>
+                  <a:tcPr marL="9525" marR="9525" marT="9525" marB="0" anchor="ctr"/>
+                </a:tc>
+                <a:tc>
+                  <a:txBody>
+                    <a:bodyPr/>
+                    <a:lstStyle/>
+                    <a:p>
+                      <a:pPr algn="ctr" fontAlgn="ctr">
+                        <a:buNone/>
+                      </a:pPr>
+                      <a:r>
+                        <a:rPr lang="en-US" sz="1100" b="0" u="none" strike="noStrike" dirty="0">
+                          <a:solidFill>
+                            <a:srgbClr val="000000"/>
+                          </a:solidFill>
+                          <a:effectLst/>
+                        </a:rPr>
+                        <a:t>Indirect</a:t>
+                      </a:r>
+                      <a:endParaRPr lang="en-US" sz="1100" b="0" i="0" u="none" strike="noStrike" dirty="0">
+                        <a:solidFill>
+                          <a:srgbClr val="000000"/>
+                        </a:solidFill>
+                        <a:effectLst/>
+                        <a:latin typeface="맑은 고딕" panose="020B0503020000020004" pitchFamily="50" charset="-127"/>
+                        <a:ea typeface="맑은 고딕" panose="020B0503020000020004" pitchFamily="50" charset="-127"/>
+                      </a:endParaRPr>
+                    </a:p>
+                  </a:txBody>
+                  <a:tcPr marL="9525" marR="9525" marT="9525" marB="0" anchor="ctr"/>
+                </a:tc>
+                <a:extLst>
+                  <a:ext uri="{0D108BD9-81ED-4DB2-BD59-A6C34878D82A}">
+                    <a16:rowId xmlns:a16="http://schemas.microsoft.com/office/drawing/2014/main" val="4107698761"/>
+                  </a:ext>
+                </a:extLst>
+              </a:tr>
+              <a:tr h="209550">
+                <a:tc>
+                  <a:txBody>
+                    <a:bodyPr/>
+                    <a:lstStyle/>
+                    <a:p>
+                      <a:pPr algn="l" fontAlgn="ctr">
+                        <a:buNone/>
+                      </a:pPr>
+                      <a:r>
+                        <a:rPr lang="en-US" sz="1100" b="0" u="none" strike="noStrike">
+                          <a:solidFill>
+                            <a:srgbClr val="000000"/>
+                          </a:solidFill>
+                          <a:effectLst/>
+                        </a:rPr>
+                        <a:t>table fan</a:t>
+                      </a:r>
+                      <a:endParaRPr lang="en-US" sz="1100" b="0" i="0" u="none" strike="noStrike">
+                        <a:solidFill>
+                          <a:srgbClr val="000000"/>
+                        </a:solidFill>
+                        <a:effectLst/>
+                        <a:latin typeface="맑은 고딕" panose="020B0503020000020004" pitchFamily="50" charset="-127"/>
+                        <a:ea typeface="맑은 고딕" panose="020B0503020000020004" pitchFamily="50" charset="-127"/>
+                      </a:endParaRPr>
+                    </a:p>
+                  </a:txBody>
+                  <a:tcPr marL="9525" marR="9525" marT="9525" marB="0" anchor="ctr"/>
+                </a:tc>
+                <a:tc>
+                  <a:txBody>
+                    <a:bodyPr/>
+                    <a:lstStyle/>
+                    <a:p>
+                      <a:pPr algn="ctr" fontAlgn="ctr">
+                        <a:buNone/>
+                      </a:pPr>
+                      <a:r>
+                        <a:rPr lang="en-US" altLang="ko-KR" sz="1100" b="0" u="none" strike="noStrike" dirty="0">
+                          <a:solidFill>
+                            <a:srgbClr val="000000"/>
+                          </a:solidFill>
+                          <a:effectLst/>
+                        </a:rPr>
+                        <a:t>1.609 </a:t>
+                      </a:r>
+                      <a:endParaRPr lang="en-US" altLang="ko-KR" sz="1100" b="0" i="0" u="none" strike="noStrike" dirty="0">
+                        <a:solidFill>
+                          <a:srgbClr val="000000"/>
+                        </a:solidFill>
+                        <a:effectLst/>
+                        <a:latin typeface="맑은 고딕" panose="020B0503020000020004" pitchFamily="50" charset="-127"/>
+                        <a:ea typeface="맑은 고딕" panose="020B0503020000020004" pitchFamily="50" charset="-127"/>
+                      </a:endParaRPr>
+                    </a:p>
+                  </a:txBody>
+                  <a:tcPr marL="9525" marR="9525" marT="9525" marB="0" anchor="ctr"/>
+                </a:tc>
+                <a:tc>
+                  <a:txBody>
+                    <a:bodyPr/>
+                    <a:lstStyle/>
+                    <a:p>
+                      <a:pPr algn="ctr" fontAlgn="ctr">
+                        <a:buNone/>
+                      </a:pPr>
+                      <a:r>
+                        <a:rPr lang="en-US" altLang="ko-KR" sz="1100" b="0" u="none" strike="noStrike">
+                          <a:solidFill>
+                            <a:srgbClr val="000000"/>
+                          </a:solidFill>
+                          <a:effectLst/>
+                        </a:rPr>
+                        <a:t>0.347 </a:t>
+                      </a:r>
+                      <a:endParaRPr lang="en-US" altLang="ko-KR" sz="1100" b="0" i="0" u="none" strike="noStrike">
+                        <a:solidFill>
+                          <a:srgbClr val="000000"/>
+                        </a:solidFill>
+                        <a:effectLst/>
+                        <a:latin typeface="맑은 고딕" panose="020B0503020000020004" pitchFamily="50" charset="-127"/>
+                        <a:ea typeface="맑은 고딕" panose="020B0503020000020004" pitchFamily="50" charset="-127"/>
+                      </a:endParaRPr>
+                    </a:p>
+                  </a:txBody>
+                  <a:tcPr marL="9525" marR="9525" marT="9525" marB="0" anchor="ctr"/>
+                </a:tc>
+                <a:tc>
+                  <a:txBody>
+                    <a:bodyPr/>
+                    <a:lstStyle/>
+                    <a:p>
+                      <a:pPr algn="ctr" fontAlgn="ctr">
+                        <a:buNone/>
+                      </a:pPr>
+                      <a:r>
+                        <a:rPr lang="en-US" altLang="ko-KR" sz="1100" b="0" u="none" strike="noStrike">
+                          <a:solidFill>
+                            <a:srgbClr val="000000"/>
+                          </a:solidFill>
+                          <a:effectLst/>
+                        </a:rPr>
+                        <a:t>1.401 </a:t>
+                      </a:r>
+                      <a:endParaRPr lang="en-US" altLang="ko-KR" sz="1100" b="0" i="0" u="none" strike="noStrike">
+                        <a:solidFill>
+                          <a:srgbClr val="000000"/>
+                        </a:solidFill>
+                        <a:effectLst/>
+                        <a:latin typeface="맑은 고딕" panose="020B0503020000020004" pitchFamily="50" charset="-127"/>
+                        <a:ea typeface="맑은 고딕" panose="020B0503020000020004" pitchFamily="50" charset="-127"/>
+                      </a:endParaRPr>
+                    </a:p>
+                  </a:txBody>
+                  <a:tcPr marL="9525" marR="9525" marT="9525" marB="0" anchor="ctr"/>
+                </a:tc>
+                <a:tc>
+                  <a:txBody>
+                    <a:bodyPr/>
+                    <a:lstStyle/>
+                    <a:p>
+                      <a:pPr algn="ctr" fontAlgn="ctr">
+                        <a:buNone/>
+                      </a:pPr>
+                      <a:r>
+                        <a:rPr lang="en-US" sz="1100" b="0" u="none" strike="noStrike">
+                          <a:solidFill>
+                            <a:srgbClr val="000000"/>
+                          </a:solidFill>
+                          <a:effectLst/>
+                        </a:rPr>
+                        <a:t>Direct</a:t>
+                      </a:r>
+                      <a:endParaRPr lang="en-US" sz="1100" b="0" i="0" u="none" strike="noStrike">
+                        <a:solidFill>
+                          <a:srgbClr val="000000"/>
+                        </a:solidFill>
+                        <a:effectLst/>
+                        <a:latin typeface="맑은 고딕" panose="020B0503020000020004" pitchFamily="50" charset="-127"/>
+                        <a:ea typeface="맑은 고딕" panose="020B0503020000020004" pitchFamily="50" charset="-127"/>
+                      </a:endParaRPr>
+                    </a:p>
+                  </a:txBody>
+                  <a:tcPr marL="9525" marR="9525" marT="9525" marB="0" anchor="ctr"/>
+                </a:tc>
+                <a:extLst>
+                  <a:ext uri="{0D108BD9-81ED-4DB2-BD59-A6C34878D82A}">
+                    <a16:rowId xmlns:a16="http://schemas.microsoft.com/office/drawing/2014/main" val="3304486986"/>
+                  </a:ext>
+                </a:extLst>
+              </a:tr>
+              <a:tr h="209550">
+                <a:tc>
+                  <a:txBody>
+                    <a:bodyPr/>
+                    <a:lstStyle/>
+                    <a:p>
+                      <a:pPr algn="l" fontAlgn="ctr">
+                        <a:buNone/>
+                      </a:pPr>
+                      <a:r>
+                        <a:rPr lang="en-US" sz="1100" b="0" u="none" strike="noStrike">
+                          <a:solidFill>
+                            <a:srgbClr val="000000"/>
+                          </a:solidFill>
+                          <a:effectLst/>
+                        </a:rPr>
+                        <a:t>tabletop fan</a:t>
+                      </a:r>
+                      <a:endParaRPr lang="en-US" sz="1100" b="0" i="0" u="none" strike="noStrike">
+                        <a:solidFill>
+                          <a:srgbClr val="000000"/>
+                        </a:solidFill>
+                        <a:effectLst/>
+                        <a:latin typeface="맑은 고딕" panose="020B0503020000020004" pitchFamily="50" charset="-127"/>
+                        <a:ea typeface="맑은 고딕" panose="020B0503020000020004" pitchFamily="50" charset="-127"/>
+                      </a:endParaRPr>
+                    </a:p>
+                  </a:txBody>
+                  <a:tcPr marL="9525" marR="9525" marT="9525" marB="0" anchor="ctr"/>
+                </a:tc>
+                <a:tc>
+                  <a:txBody>
+                    <a:bodyPr/>
+                    <a:lstStyle/>
+                    <a:p>
+                      <a:pPr algn="ctr" fontAlgn="ctr">
+                        <a:buNone/>
+                      </a:pPr>
+                      <a:r>
+                        <a:rPr lang="en-US" altLang="ko-KR" sz="1100" b="0" u="none" strike="noStrike">
+                          <a:solidFill>
+                            <a:srgbClr val="000000"/>
+                          </a:solidFill>
+                          <a:effectLst/>
+                        </a:rPr>
+                        <a:t>0.385 </a:t>
+                      </a:r>
+                      <a:endParaRPr lang="en-US" altLang="ko-KR" sz="1100" b="0" i="0" u="none" strike="noStrike">
+                        <a:solidFill>
+                          <a:srgbClr val="000000"/>
+                        </a:solidFill>
+                        <a:effectLst/>
+                        <a:latin typeface="맑은 고딕" panose="020B0503020000020004" pitchFamily="50" charset="-127"/>
+                        <a:ea typeface="맑은 고딕" panose="020B0503020000020004" pitchFamily="50" charset="-127"/>
+                      </a:endParaRPr>
+                    </a:p>
+                  </a:txBody>
+                  <a:tcPr marL="9525" marR="9525" marT="9525" marB="0" anchor="ctr"/>
+                </a:tc>
+                <a:tc>
+                  <a:txBody>
+                    <a:bodyPr/>
+                    <a:lstStyle/>
+                    <a:p>
+                      <a:pPr algn="ctr" fontAlgn="ctr">
+                        <a:buNone/>
+                      </a:pPr>
+                      <a:r>
+                        <a:rPr lang="en-US" altLang="ko-KR" sz="1100" b="0" u="none" strike="noStrike">
+                          <a:solidFill>
+                            <a:srgbClr val="000000"/>
+                          </a:solidFill>
+                          <a:effectLst/>
+                        </a:rPr>
+                        <a:t>-0.367 </a:t>
+                      </a:r>
+                      <a:endParaRPr lang="en-US" altLang="ko-KR" sz="1100" b="0" i="0" u="none" strike="noStrike">
+                        <a:solidFill>
+                          <a:srgbClr val="000000"/>
+                        </a:solidFill>
+                        <a:effectLst/>
+                        <a:latin typeface="맑은 고딕" panose="020B0503020000020004" pitchFamily="50" charset="-127"/>
+                        <a:ea typeface="맑은 고딕" panose="020B0503020000020004" pitchFamily="50" charset="-127"/>
+                      </a:endParaRPr>
+                    </a:p>
+                  </a:txBody>
+                  <a:tcPr marL="9525" marR="9525" marT="9525" marB="0" anchor="ctr"/>
+                </a:tc>
+                <a:tc>
+                  <a:txBody>
+                    <a:bodyPr/>
+                    <a:lstStyle/>
+                    <a:p>
+                      <a:pPr algn="ctr" fontAlgn="ctr">
+                        <a:buNone/>
+                      </a:pPr>
+                      <a:r>
+                        <a:rPr lang="en-US" altLang="ko-KR" sz="1100" b="0" u="none" strike="noStrike">
+                          <a:solidFill>
+                            <a:srgbClr val="000000"/>
+                          </a:solidFill>
+                          <a:effectLst/>
+                        </a:rPr>
+                        <a:t>1.222 </a:t>
+                      </a:r>
+                      <a:endParaRPr lang="en-US" altLang="ko-KR" sz="1100" b="0" i="0" u="none" strike="noStrike">
+                        <a:solidFill>
+                          <a:srgbClr val="000000"/>
+                        </a:solidFill>
+                        <a:effectLst/>
+                        <a:latin typeface="맑은 고딕" panose="020B0503020000020004" pitchFamily="50" charset="-127"/>
+                        <a:ea typeface="맑은 고딕" panose="020B0503020000020004" pitchFamily="50" charset="-127"/>
+                      </a:endParaRPr>
+                    </a:p>
+                  </a:txBody>
+                  <a:tcPr marL="9525" marR="9525" marT="9525" marB="0" anchor="ctr"/>
+                </a:tc>
+                <a:tc>
+                  <a:txBody>
+                    <a:bodyPr/>
+                    <a:lstStyle/>
+                    <a:p>
+                      <a:pPr algn="ctr" fontAlgn="ctr">
+                        <a:buNone/>
+                      </a:pPr>
+                      <a:r>
+                        <a:rPr lang="en-US" sz="1100" b="0" u="none" strike="noStrike">
+                          <a:solidFill>
+                            <a:srgbClr val="000000"/>
+                          </a:solidFill>
+                          <a:effectLst/>
+                        </a:rPr>
+                        <a:t>Direct</a:t>
+                      </a:r>
+                      <a:endParaRPr lang="en-US" sz="1100" b="0" i="0" u="none" strike="noStrike">
+                        <a:solidFill>
+                          <a:srgbClr val="000000"/>
+                        </a:solidFill>
+                        <a:effectLst/>
+                        <a:latin typeface="맑은 고딕" panose="020B0503020000020004" pitchFamily="50" charset="-127"/>
+                        <a:ea typeface="맑은 고딕" panose="020B0503020000020004" pitchFamily="50" charset="-127"/>
+                      </a:endParaRPr>
+                    </a:p>
+                  </a:txBody>
+                  <a:tcPr marL="9525" marR="9525" marT="9525" marB="0" anchor="ctr"/>
+                </a:tc>
+                <a:extLst>
+                  <a:ext uri="{0D108BD9-81ED-4DB2-BD59-A6C34878D82A}">
+                    <a16:rowId xmlns:a16="http://schemas.microsoft.com/office/drawing/2014/main" val="3930879097"/>
+                  </a:ext>
+                </a:extLst>
+              </a:tr>
+              <a:tr h="209550">
+                <a:tc>
+                  <a:txBody>
+                    <a:bodyPr/>
+                    <a:lstStyle/>
+                    <a:p>
+                      <a:pPr algn="l" fontAlgn="ctr">
+                        <a:buNone/>
+                      </a:pPr>
+                      <a:r>
+                        <a:rPr lang="en-US" sz="1100" b="0" u="none" strike="noStrike">
+                          <a:solidFill>
+                            <a:srgbClr val="000000"/>
+                          </a:solidFill>
+                          <a:effectLst/>
+                        </a:rPr>
+                        <a:t>vornado 660</a:t>
+                      </a:r>
+                      <a:endParaRPr lang="en-US" sz="1100" b="0" i="0" u="none" strike="noStrike">
+                        <a:solidFill>
+                          <a:srgbClr val="000000"/>
+                        </a:solidFill>
+                        <a:effectLst/>
+                        <a:latin typeface="맑은 고딕" panose="020B0503020000020004" pitchFamily="50" charset="-127"/>
+                        <a:ea typeface="맑은 고딕" panose="020B0503020000020004" pitchFamily="50" charset="-127"/>
+                      </a:endParaRPr>
+                    </a:p>
+                  </a:txBody>
+                  <a:tcPr marL="9525" marR="9525" marT="9525" marB="0" anchor="ctr"/>
+                </a:tc>
+                <a:tc>
+                  <a:txBody>
+                    <a:bodyPr/>
+                    <a:lstStyle/>
+                    <a:p>
+                      <a:pPr algn="ctr" fontAlgn="ctr">
+                        <a:buNone/>
+                      </a:pPr>
+                      <a:r>
+                        <a:rPr lang="en-US" altLang="ko-KR" sz="1100" b="0" u="none" strike="noStrike" dirty="0">
+                          <a:solidFill>
+                            <a:srgbClr val="000000"/>
+                          </a:solidFill>
+                          <a:effectLst/>
+                        </a:rPr>
+                        <a:t>0.014 </a:t>
+                      </a:r>
+                      <a:endParaRPr lang="en-US" altLang="ko-KR" sz="1100" b="0" i="0" u="none" strike="noStrike" dirty="0">
+                        <a:solidFill>
+                          <a:srgbClr val="000000"/>
+                        </a:solidFill>
+                        <a:effectLst/>
+                        <a:latin typeface="맑은 고딕" panose="020B0503020000020004" pitchFamily="50" charset="-127"/>
+                        <a:ea typeface="맑은 고딕" panose="020B0503020000020004" pitchFamily="50" charset="-127"/>
+                      </a:endParaRPr>
+                    </a:p>
+                  </a:txBody>
+                  <a:tcPr marL="9525" marR="9525" marT="9525" marB="0" anchor="ctr"/>
+                </a:tc>
+                <a:tc>
+                  <a:txBody>
+                    <a:bodyPr/>
+                    <a:lstStyle/>
+                    <a:p>
+                      <a:pPr algn="ctr" fontAlgn="ctr">
+                        <a:buNone/>
+                      </a:pPr>
+                      <a:r>
+                        <a:rPr lang="en-US" altLang="ko-KR" sz="1100" b="0" u="none" strike="noStrike">
+                          <a:solidFill>
+                            <a:srgbClr val="000000"/>
+                          </a:solidFill>
+                          <a:effectLst/>
+                        </a:rPr>
+                        <a:t>-0.623 </a:t>
+                      </a:r>
+                      <a:endParaRPr lang="en-US" altLang="ko-KR" sz="1100" b="0" i="0" u="none" strike="noStrike">
+                        <a:solidFill>
+                          <a:srgbClr val="000000"/>
+                        </a:solidFill>
+                        <a:effectLst/>
+                        <a:latin typeface="맑은 고딕" panose="020B0503020000020004" pitchFamily="50" charset="-127"/>
+                        <a:ea typeface="맑은 고딕" panose="020B0503020000020004" pitchFamily="50" charset="-127"/>
+                      </a:endParaRPr>
+                    </a:p>
+                  </a:txBody>
+                  <a:tcPr marL="9525" marR="9525" marT="9525" marB="0" anchor="ctr"/>
+                </a:tc>
+                <a:tc>
+                  <a:txBody>
+                    <a:bodyPr/>
+                    <a:lstStyle/>
+                    <a:p>
+                      <a:pPr algn="ctr" fontAlgn="ctr">
+                        <a:buNone/>
+                      </a:pPr>
+                      <a:r>
+                        <a:rPr lang="en-US" altLang="ko-KR" sz="1100" b="0" u="none" strike="noStrike">
+                          <a:solidFill>
+                            <a:srgbClr val="000000"/>
+                          </a:solidFill>
+                          <a:effectLst/>
+                        </a:rPr>
+                        <a:t>1.164 </a:t>
+                      </a:r>
+                      <a:endParaRPr lang="en-US" altLang="ko-KR" sz="1100" b="0" i="0" u="none" strike="noStrike">
+                        <a:solidFill>
+                          <a:srgbClr val="000000"/>
+                        </a:solidFill>
+                        <a:effectLst/>
+                        <a:latin typeface="맑은 고딕" panose="020B0503020000020004" pitchFamily="50" charset="-127"/>
+                        <a:ea typeface="맑은 고딕" panose="020B0503020000020004" pitchFamily="50" charset="-127"/>
+                      </a:endParaRPr>
+                    </a:p>
+                  </a:txBody>
+                  <a:tcPr marL="9525" marR="9525" marT="9525" marB="0" anchor="ctr"/>
+                </a:tc>
+                <a:tc>
+                  <a:txBody>
+                    <a:bodyPr/>
+                    <a:lstStyle/>
+                    <a:p>
+                      <a:pPr algn="ctr" fontAlgn="ctr">
+                        <a:buNone/>
+                      </a:pPr>
+                      <a:r>
+                        <a:rPr lang="en-US" sz="1100" b="0" u="none" strike="noStrike" dirty="0">
+                          <a:solidFill>
+                            <a:srgbClr val="000000"/>
+                          </a:solidFill>
+                          <a:effectLst/>
+                        </a:rPr>
+                        <a:t>Indirect</a:t>
+                      </a:r>
+                      <a:endParaRPr lang="en-US" sz="1100" b="0" i="0" u="none" strike="noStrike" dirty="0">
+                        <a:solidFill>
+                          <a:srgbClr val="000000"/>
+                        </a:solidFill>
+                        <a:effectLst/>
+                        <a:latin typeface="맑은 고딕" panose="020B0503020000020004" pitchFamily="50" charset="-127"/>
+                        <a:ea typeface="맑은 고딕" panose="020B0503020000020004" pitchFamily="50" charset="-127"/>
+                      </a:endParaRPr>
+                    </a:p>
+                  </a:txBody>
+                  <a:tcPr marL="9525" marR="9525" marT="9525" marB="0" anchor="ctr"/>
+                </a:tc>
+                <a:extLst>
+                  <a:ext uri="{0D108BD9-81ED-4DB2-BD59-A6C34878D82A}">
+                    <a16:rowId xmlns:a16="http://schemas.microsoft.com/office/drawing/2014/main" val="4221767080"/>
+                  </a:ext>
+                </a:extLst>
+              </a:tr>
+              <a:tr h="209550">
+                <a:tc>
+                  <a:txBody>
+                    <a:bodyPr/>
+                    <a:lstStyle/>
+                    <a:p>
+                      <a:pPr algn="l" fontAlgn="ctr">
+                        <a:buNone/>
+                      </a:pPr>
+                      <a:r>
+                        <a:rPr lang="en-US" sz="1100" b="0" u="none" strike="noStrike">
+                          <a:solidFill>
+                            <a:srgbClr val="000000"/>
+                          </a:solidFill>
+                          <a:effectLst/>
+                        </a:rPr>
+                        <a:t>table top fan</a:t>
+                      </a:r>
+                      <a:endParaRPr lang="en-US" sz="1100" b="0" i="0" u="none" strike="noStrike">
+                        <a:solidFill>
+                          <a:srgbClr val="000000"/>
+                        </a:solidFill>
+                        <a:effectLst/>
+                        <a:latin typeface="맑은 고딕" panose="020B0503020000020004" pitchFamily="50" charset="-127"/>
+                        <a:ea typeface="맑은 고딕" panose="020B0503020000020004" pitchFamily="50" charset="-127"/>
+                      </a:endParaRPr>
+                    </a:p>
+                  </a:txBody>
+                  <a:tcPr marL="9525" marR="9525" marT="9525" marB="0" anchor="ctr"/>
+                </a:tc>
+                <a:tc>
+                  <a:txBody>
+                    <a:bodyPr/>
+                    <a:lstStyle/>
+                    <a:p>
+                      <a:pPr algn="ctr" fontAlgn="ctr">
+                        <a:buNone/>
+                      </a:pPr>
+                      <a:r>
+                        <a:rPr lang="en-US" altLang="ko-KR" sz="1100" b="0" u="none" strike="noStrike">
+                          <a:solidFill>
+                            <a:srgbClr val="000000"/>
+                          </a:solidFill>
+                          <a:effectLst/>
+                        </a:rPr>
+                        <a:t>0.164 </a:t>
+                      </a:r>
+                      <a:endParaRPr lang="en-US" altLang="ko-KR" sz="1100" b="0" i="0" u="none" strike="noStrike">
+                        <a:solidFill>
+                          <a:srgbClr val="000000"/>
+                        </a:solidFill>
+                        <a:effectLst/>
+                        <a:latin typeface="맑은 고딕" panose="020B0503020000020004" pitchFamily="50" charset="-127"/>
+                        <a:ea typeface="맑은 고딕" panose="020B0503020000020004" pitchFamily="50" charset="-127"/>
+                      </a:endParaRPr>
+                    </a:p>
+                  </a:txBody>
+                  <a:tcPr marL="9525" marR="9525" marT="9525" marB="0" anchor="ctr"/>
+                </a:tc>
+                <a:tc>
+                  <a:txBody>
+                    <a:bodyPr/>
+                    <a:lstStyle/>
+                    <a:p>
+                      <a:pPr algn="ctr" fontAlgn="ctr">
+                        <a:buNone/>
+                      </a:pPr>
+                      <a:r>
+                        <a:rPr lang="en-US" altLang="ko-KR" sz="1100" b="0" u="none" strike="noStrike">
+                          <a:solidFill>
+                            <a:srgbClr val="000000"/>
+                          </a:solidFill>
+                          <a:effectLst/>
+                        </a:rPr>
+                        <a:t>-0.399 </a:t>
+                      </a:r>
+                      <a:endParaRPr lang="en-US" altLang="ko-KR" sz="1100" b="0" i="0" u="none" strike="noStrike">
+                        <a:solidFill>
+                          <a:srgbClr val="000000"/>
+                        </a:solidFill>
+                        <a:effectLst/>
+                        <a:latin typeface="맑은 고딕" panose="020B0503020000020004" pitchFamily="50" charset="-127"/>
+                        <a:ea typeface="맑은 고딕" panose="020B0503020000020004" pitchFamily="50" charset="-127"/>
+                      </a:endParaRPr>
+                    </a:p>
+                  </a:txBody>
+                  <a:tcPr marL="9525" marR="9525" marT="9525" marB="0" anchor="ctr"/>
+                </a:tc>
+                <a:tc>
+                  <a:txBody>
+                    <a:bodyPr/>
+                    <a:lstStyle/>
+                    <a:p>
+                      <a:pPr algn="ctr" fontAlgn="ctr">
+                        <a:buNone/>
+                      </a:pPr>
+                      <a:r>
+                        <a:rPr lang="en-US" altLang="ko-KR" sz="1100" b="0" u="none" strike="noStrike">
+                          <a:solidFill>
+                            <a:srgbClr val="000000"/>
+                          </a:solidFill>
+                          <a:effectLst/>
+                        </a:rPr>
+                        <a:t>1.074 </a:t>
+                      </a:r>
+                      <a:endParaRPr lang="en-US" altLang="ko-KR" sz="1100" b="0" i="0" u="none" strike="noStrike">
+                        <a:solidFill>
+                          <a:srgbClr val="000000"/>
+                        </a:solidFill>
+                        <a:effectLst/>
+                        <a:latin typeface="맑은 고딕" panose="020B0503020000020004" pitchFamily="50" charset="-127"/>
+                        <a:ea typeface="맑은 고딕" panose="020B0503020000020004" pitchFamily="50" charset="-127"/>
+                      </a:endParaRPr>
+                    </a:p>
+                  </a:txBody>
+                  <a:tcPr marL="9525" marR="9525" marT="9525" marB="0" anchor="ctr"/>
+                </a:tc>
+                <a:tc>
+                  <a:txBody>
+                    <a:bodyPr/>
+                    <a:lstStyle/>
+                    <a:p>
+                      <a:pPr algn="ctr" fontAlgn="ctr">
+                        <a:buNone/>
+                      </a:pPr>
+                      <a:r>
+                        <a:rPr lang="en-US" sz="1100" b="0" u="none" strike="noStrike" dirty="0">
+                          <a:solidFill>
+                            <a:srgbClr val="000000"/>
+                          </a:solidFill>
+                          <a:effectLst/>
+                        </a:rPr>
+                        <a:t>Direct</a:t>
+                      </a:r>
+                      <a:endParaRPr lang="en-US" sz="1100" b="0" i="0" u="none" strike="noStrike" dirty="0">
+                        <a:solidFill>
+                          <a:srgbClr val="000000"/>
+                        </a:solidFill>
+                        <a:effectLst/>
+                        <a:latin typeface="맑은 고딕" panose="020B0503020000020004" pitchFamily="50" charset="-127"/>
+                        <a:ea typeface="맑은 고딕" panose="020B0503020000020004" pitchFamily="50" charset="-127"/>
+                      </a:endParaRPr>
+                    </a:p>
+                  </a:txBody>
+                  <a:tcPr marL="9525" marR="9525" marT="9525" marB="0" anchor="ctr"/>
+                </a:tc>
+                <a:extLst>
+                  <a:ext uri="{0D108BD9-81ED-4DB2-BD59-A6C34878D82A}">
+                    <a16:rowId xmlns:a16="http://schemas.microsoft.com/office/drawing/2014/main" val="3483967166"/>
+                  </a:ext>
+                </a:extLst>
+              </a:tr>
+              <a:tr h="209550">
+                <a:tc>
+                  <a:txBody>
+                    <a:bodyPr/>
+                    <a:lstStyle/>
+                    <a:p>
+                      <a:pPr algn="l" fontAlgn="ctr">
+                        <a:buNone/>
+                      </a:pPr>
+                      <a:r>
+                        <a:rPr lang="en-US" sz="1100" b="0" u="none" strike="noStrike">
+                          <a:solidFill>
+                            <a:srgbClr val="000000"/>
+                          </a:solidFill>
+                          <a:effectLst/>
+                        </a:rPr>
+                        <a:t>nightstand fan for bedroom</a:t>
+                      </a:r>
+                      <a:endParaRPr lang="en-US" sz="1100" b="0" i="0" u="none" strike="noStrike">
+                        <a:solidFill>
+                          <a:srgbClr val="000000"/>
+                        </a:solidFill>
+                        <a:effectLst/>
+                        <a:latin typeface="맑은 고딕" panose="020B0503020000020004" pitchFamily="50" charset="-127"/>
+                        <a:ea typeface="맑은 고딕" panose="020B0503020000020004" pitchFamily="50" charset="-127"/>
+                      </a:endParaRPr>
+                    </a:p>
+                  </a:txBody>
+                  <a:tcPr marL="9525" marR="9525" marT="9525" marB="0" anchor="ctr"/>
+                </a:tc>
+                <a:tc>
+                  <a:txBody>
+                    <a:bodyPr/>
+                    <a:lstStyle/>
+                    <a:p>
+                      <a:pPr algn="ctr" fontAlgn="ctr">
+                        <a:buNone/>
+                      </a:pPr>
+                      <a:r>
+                        <a:rPr lang="en-US" altLang="ko-KR" sz="1100" b="0" u="none" strike="noStrike">
+                          <a:solidFill>
+                            <a:srgbClr val="000000"/>
+                          </a:solidFill>
+                          <a:effectLst/>
+                        </a:rPr>
+                        <a:t>-0.070 </a:t>
+                      </a:r>
+                      <a:endParaRPr lang="en-US" altLang="ko-KR" sz="1100" b="0" i="0" u="none" strike="noStrike">
+                        <a:solidFill>
+                          <a:srgbClr val="000000"/>
+                        </a:solidFill>
+                        <a:effectLst/>
+                        <a:latin typeface="맑은 고딕" panose="020B0503020000020004" pitchFamily="50" charset="-127"/>
+                        <a:ea typeface="맑은 고딕" panose="020B0503020000020004" pitchFamily="50" charset="-127"/>
+                      </a:endParaRPr>
+                    </a:p>
+                  </a:txBody>
+                  <a:tcPr marL="9525" marR="9525" marT="9525" marB="0" anchor="ctr"/>
+                </a:tc>
+                <a:tc>
+                  <a:txBody>
+                    <a:bodyPr/>
+                    <a:lstStyle/>
+                    <a:p>
+                      <a:pPr algn="ctr" fontAlgn="ctr">
+                        <a:buNone/>
+                      </a:pPr>
+                      <a:r>
+                        <a:rPr lang="en-US" altLang="ko-KR" sz="1100" b="0" u="none" strike="noStrike">
+                          <a:solidFill>
+                            <a:srgbClr val="000000"/>
+                          </a:solidFill>
+                          <a:effectLst/>
+                        </a:rPr>
+                        <a:t>-0.594 </a:t>
+                      </a:r>
+                      <a:endParaRPr lang="en-US" altLang="ko-KR" sz="1100" b="0" i="0" u="none" strike="noStrike">
+                        <a:solidFill>
+                          <a:srgbClr val="000000"/>
+                        </a:solidFill>
+                        <a:effectLst/>
+                        <a:latin typeface="맑은 고딕" panose="020B0503020000020004" pitchFamily="50" charset="-127"/>
+                        <a:ea typeface="맑은 고딕" panose="020B0503020000020004" pitchFamily="50" charset="-127"/>
+                      </a:endParaRPr>
+                    </a:p>
+                  </a:txBody>
+                  <a:tcPr marL="9525" marR="9525" marT="9525" marB="0" anchor="ctr"/>
+                </a:tc>
+                <a:tc>
+                  <a:txBody>
+                    <a:bodyPr/>
+                    <a:lstStyle/>
+                    <a:p>
+                      <a:pPr algn="ctr" fontAlgn="ctr">
+                        <a:buNone/>
+                      </a:pPr>
+                      <a:r>
+                        <a:rPr lang="en-US" altLang="ko-KR" sz="1100" b="0" u="none" strike="noStrike">
+                          <a:solidFill>
+                            <a:srgbClr val="000000"/>
+                          </a:solidFill>
+                          <a:effectLst/>
+                        </a:rPr>
+                        <a:t>1.050 </a:t>
+                      </a:r>
+                      <a:endParaRPr lang="en-US" altLang="ko-KR" sz="1100" b="0" i="0" u="none" strike="noStrike">
+                        <a:solidFill>
+                          <a:srgbClr val="000000"/>
+                        </a:solidFill>
+                        <a:effectLst/>
+                        <a:latin typeface="맑은 고딕" panose="020B0503020000020004" pitchFamily="50" charset="-127"/>
+                        <a:ea typeface="맑은 고딕" panose="020B0503020000020004" pitchFamily="50" charset="-127"/>
+                      </a:endParaRPr>
+                    </a:p>
+                  </a:txBody>
+                  <a:tcPr marL="9525" marR="9525" marT="9525" marB="0" anchor="ctr"/>
+                </a:tc>
+                <a:tc>
+                  <a:txBody>
+                    <a:bodyPr/>
+                    <a:lstStyle/>
+                    <a:p>
+                      <a:pPr algn="ctr" fontAlgn="ctr">
+                        <a:buNone/>
+                      </a:pPr>
+                      <a:r>
+                        <a:rPr lang="en-US" sz="1100" b="0" u="none" strike="noStrike" dirty="0">
+                          <a:solidFill>
+                            <a:srgbClr val="000000"/>
+                          </a:solidFill>
+                          <a:effectLst/>
+                        </a:rPr>
+                        <a:t>Direct</a:t>
+                      </a:r>
+                      <a:endParaRPr lang="en-US" sz="1100" b="0" i="0" u="none" strike="noStrike" dirty="0">
+                        <a:solidFill>
+                          <a:srgbClr val="000000"/>
+                        </a:solidFill>
+                        <a:effectLst/>
+                        <a:latin typeface="맑은 고딕" panose="020B0503020000020004" pitchFamily="50" charset="-127"/>
+                        <a:ea typeface="맑은 고딕" panose="020B0503020000020004" pitchFamily="50" charset="-127"/>
+                      </a:endParaRPr>
+                    </a:p>
+                  </a:txBody>
+                  <a:tcPr marL="9525" marR="9525" marT="9525" marB="0" anchor="ctr"/>
+                </a:tc>
+                <a:extLst>
+                  <a:ext uri="{0D108BD9-81ED-4DB2-BD59-A6C34878D82A}">
+                    <a16:rowId xmlns:a16="http://schemas.microsoft.com/office/drawing/2014/main" val="3119857896"/>
+                  </a:ext>
+                </a:extLst>
+              </a:tr>
+              <a:tr h="209550">
+                <a:tc>
+                  <a:txBody>
+                    <a:bodyPr/>
+                    <a:lstStyle/>
+                    <a:p>
+                      <a:pPr algn="l" fontAlgn="ctr">
+                        <a:buNone/>
+                      </a:pPr>
+                      <a:r>
+                        <a:rPr lang="en-US" sz="1100" b="0" u="none" strike="noStrike">
+                          <a:solidFill>
+                            <a:srgbClr val="000000"/>
+                          </a:solidFill>
+                          <a:effectLst/>
+                        </a:rPr>
+                        <a:t>best fans for cooling bedroom</a:t>
+                      </a:r>
+                      <a:endParaRPr lang="en-US" sz="1100" b="0" i="0" u="none" strike="noStrike">
+                        <a:solidFill>
+                          <a:srgbClr val="000000"/>
+                        </a:solidFill>
+                        <a:effectLst/>
+                        <a:latin typeface="맑은 고딕" panose="020B0503020000020004" pitchFamily="50" charset="-127"/>
+                        <a:ea typeface="맑은 고딕" panose="020B0503020000020004" pitchFamily="50" charset="-127"/>
+                      </a:endParaRPr>
+                    </a:p>
+                  </a:txBody>
+                  <a:tcPr marL="9525" marR="9525" marT="9525" marB="0" anchor="ctr"/>
+                </a:tc>
+                <a:tc>
+                  <a:txBody>
+                    <a:bodyPr/>
+                    <a:lstStyle/>
+                    <a:p>
+                      <a:pPr algn="ctr" fontAlgn="ctr">
+                        <a:buNone/>
+                      </a:pPr>
+                      <a:r>
+                        <a:rPr lang="en-US" altLang="ko-KR" sz="1100" b="0" u="none" strike="noStrike" dirty="0">
+                          <a:solidFill>
+                            <a:srgbClr val="000000"/>
+                          </a:solidFill>
+                          <a:effectLst/>
+                        </a:rPr>
+                        <a:t>0.085 </a:t>
+                      </a:r>
+                      <a:endParaRPr lang="en-US" altLang="ko-KR" sz="1100" b="0" i="0" u="none" strike="noStrike" dirty="0">
+                        <a:solidFill>
+                          <a:srgbClr val="000000"/>
+                        </a:solidFill>
+                        <a:effectLst/>
+                        <a:latin typeface="맑은 고딕" panose="020B0503020000020004" pitchFamily="50" charset="-127"/>
+                        <a:ea typeface="맑은 고딕" panose="020B0503020000020004" pitchFamily="50" charset="-127"/>
+                      </a:endParaRPr>
+                    </a:p>
+                  </a:txBody>
+                  <a:tcPr marL="9525" marR="9525" marT="9525" marB="0" anchor="ctr"/>
+                </a:tc>
+                <a:tc>
+                  <a:txBody>
+                    <a:bodyPr/>
+                    <a:lstStyle/>
+                    <a:p>
+                      <a:pPr algn="ctr" fontAlgn="ctr">
+                        <a:buNone/>
+                      </a:pPr>
+                      <a:r>
+                        <a:rPr lang="en-US" altLang="ko-KR" sz="1100" b="0" u="none" strike="noStrike">
+                          <a:solidFill>
+                            <a:srgbClr val="000000"/>
+                          </a:solidFill>
+                          <a:effectLst/>
+                        </a:rPr>
+                        <a:t>-0.432 </a:t>
+                      </a:r>
+                      <a:endParaRPr lang="en-US" altLang="ko-KR" sz="1100" b="0" i="0" u="none" strike="noStrike">
+                        <a:solidFill>
+                          <a:srgbClr val="000000"/>
+                        </a:solidFill>
+                        <a:effectLst/>
+                        <a:latin typeface="맑은 고딕" panose="020B0503020000020004" pitchFamily="50" charset="-127"/>
+                        <a:ea typeface="맑은 고딕" panose="020B0503020000020004" pitchFamily="50" charset="-127"/>
+                      </a:endParaRPr>
+                    </a:p>
+                  </a:txBody>
+                  <a:tcPr marL="9525" marR="9525" marT="9525" marB="0" anchor="ctr"/>
+                </a:tc>
+                <a:tc>
+                  <a:txBody>
+                    <a:bodyPr/>
+                    <a:lstStyle/>
+                    <a:p>
+                      <a:pPr algn="ctr" fontAlgn="ctr">
+                        <a:buNone/>
+                      </a:pPr>
+                      <a:r>
+                        <a:rPr lang="en-US" altLang="ko-KR" sz="1100" b="0" u="none" strike="noStrike">
+                          <a:solidFill>
+                            <a:srgbClr val="000000"/>
+                          </a:solidFill>
+                          <a:effectLst/>
+                        </a:rPr>
+                        <a:t>1.037 </a:t>
+                      </a:r>
+                      <a:endParaRPr lang="en-US" altLang="ko-KR" sz="1100" b="0" i="0" u="none" strike="noStrike">
+                        <a:solidFill>
+                          <a:srgbClr val="000000"/>
+                        </a:solidFill>
+                        <a:effectLst/>
+                        <a:latin typeface="맑은 고딕" panose="020B0503020000020004" pitchFamily="50" charset="-127"/>
+                        <a:ea typeface="맑은 고딕" panose="020B0503020000020004" pitchFamily="50" charset="-127"/>
+                      </a:endParaRPr>
+                    </a:p>
+                  </a:txBody>
+                  <a:tcPr marL="9525" marR="9525" marT="9525" marB="0" anchor="ctr"/>
+                </a:tc>
+                <a:tc>
+                  <a:txBody>
+                    <a:bodyPr/>
+                    <a:lstStyle/>
+                    <a:p>
+                      <a:pPr algn="ctr" fontAlgn="ctr">
+                        <a:buNone/>
+                      </a:pPr>
+                      <a:r>
+                        <a:rPr lang="en-US" sz="1100" b="0" u="none" strike="noStrike" dirty="0">
+                          <a:solidFill>
+                            <a:srgbClr val="000000"/>
+                          </a:solidFill>
+                          <a:effectLst/>
+                        </a:rPr>
+                        <a:t>Indirect</a:t>
+                      </a:r>
+                      <a:endParaRPr lang="en-US" sz="1100" b="0" i="0" u="none" strike="noStrike" dirty="0">
+                        <a:solidFill>
+                          <a:srgbClr val="000000"/>
+                        </a:solidFill>
+                        <a:effectLst/>
+                        <a:latin typeface="맑은 고딕" panose="020B0503020000020004" pitchFamily="50" charset="-127"/>
+                        <a:ea typeface="맑은 고딕" panose="020B0503020000020004" pitchFamily="50" charset="-127"/>
+                      </a:endParaRPr>
+                    </a:p>
+                  </a:txBody>
+                  <a:tcPr marL="9525" marR="9525" marT="9525" marB="0" anchor="ctr"/>
+                </a:tc>
+                <a:extLst>
+                  <a:ext uri="{0D108BD9-81ED-4DB2-BD59-A6C34878D82A}">
+                    <a16:rowId xmlns:a16="http://schemas.microsoft.com/office/drawing/2014/main" val="1689354747"/>
+                  </a:ext>
+                </a:extLst>
+              </a:tr>
+              <a:tr h="209550">
+                <a:tc>
+                  <a:txBody>
+                    <a:bodyPr/>
+                    <a:lstStyle/>
+                    <a:p>
+                      <a:pPr algn="l" fontAlgn="ctr">
+                        <a:buNone/>
+                      </a:pPr>
+                      <a:r>
+                        <a:rPr lang="en-US" sz="1100" b="0" u="none" strike="noStrike">
+                          <a:solidFill>
+                            <a:srgbClr val="000000"/>
+                          </a:solidFill>
+                          <a:effectLst/>
+                        </a:rPr>
+                        <a:t>fan 660</a:t>
+                      </a:r>
+                      <a:endParaRPr lang="en-US" sz="1100" b="0" i="0" u="none" strike="noStrike">
+                        <a:solidFill>
+                          <a:srgbClr val="000000"/>
+                        </a:solidFill>
+                        <a:effectLst/>
+                        <a:latin typeface="맑은 고딕" panose="020B0503020000020004" pitchFamily="50" charset="-127"/>
+                        <a:ea typeface="맑은 고딕" panose="020B0503020000020004" pitchFamily="50" charset="-127"/>
+                      </a:endParaRPr>
+                    </a:p>
+                  </a:txBody>
+                  <a:tcPr marL="9525" marR="9525" marT="9525" marB="0" anchor="ctr"/>
+                </a:tc>
+                <a:tc>
+                  <a:txBody>
+                    <a:bodyPr/>
+                    <a:lstStyle/>
+                    <a:p>
+                      <a:pPr algn="ctr" fontAlgn="ctr">
+                        <a:buNone/>
+                      </a:pPr>
+                      <a:r>
+                        <a:rPr lang="en-US" altLang="ko-KR" sz="1100" b="0" u="none" strike="noStrike">
+                          <a:solidFill>
+                            <a:srgbClr val="000000"/>
+                          </a:solidFill>
+                          <a:effectLst/>
+                        </a:rPr>
+                        <a:t>-0.114 </a:t>
+                      </a:r>
+                      <a:endParaRPr lang="en-US" altLang="ko-KR" sz="1100" b="0" i="0" u="none" strike="noStrike">
+                        <a:solidFill>
+                          <a:srgbClr val="000000"/>
+                        </a:solidFill>
+                        <a:effectLst/>
+                        <a:latin typeface="맑은 고딕" panose="020B0503020000020004" pitchFamily="50" charset="-127"/>
+                        <a:ea typeface="맑은 고딕" panose="020B0503020000020004" pitchFamily="50" charset="-127"/>
+                      </a:endParaRPr>
+                    </a:p>
+                  </a:txBody>
+                  <a:tcPr marL="9525" marR="9525" marT="9525" marB="0" anchor="ctr"/>
+                </a:tc>
+                <a:tc>
+                  <a:txBody>
+                    <a:bodyPr/>
+                    <a:lstStyle/>
+                    <a:p>
+                      <a:pPr algn="ctr" fontAlgn="ctr">
+                        <a:buNone/>
+                      </a:pPr>
+                      <a:r>
+                        <a:rPr lang="en-US" altLang="ko-KR" sz="1100" b="0" u="none" strike="noStrike">
+                          <a:solidFill>
+                            <a:srgbClr val="000000"/>
+                          </a:solidFill>
+                          <a:effectLst/>
+                        </a:rPr>
+                        <a:t>-0.623 </a:t>
+                      </a:r>
+                      <a:endParaRPr lang="en-US" altLang="ko-KR" sz="1100" b="0" i="0" u="none" strike="noStrike">
+                        <a:solidFill>
+                          <a:srgbClr val="000000"/>
+                        </a:solidFill>
+                        <a:effectLst/>
+                        <a:latin typeface="맑은 고딕" panose="020B0503020000020004" pitchFamily="50" charset="-127"/>
+                        <a:ea typeface="맑은 고딕" panose="020B0503020000020004" pitchFamily="50" charset="-127"/>
+                      </a:endParaRPr>
+                    </a:p>
+                  </a:txBody>
+                  <a:tcPr marL="9525" marR="9525" marT="9525" marB="0" anchor="ctr"/>
+                </a:tc>
+                <a:tc>
+                  <a:txBody>
+                    <a:bodyPr/>
+                    <a:lstStyle/>
+                    <a:p>
+                      <a:pPr algn="ctr" fontAlgn="ctr">
+                        <a:buNone/>
+                      </a:pPr>
+                      <a:r>
+                        <a:rPr lang="en-US" altLang="ko-KR" sz="1100" b="0" u="none" strike="noStrike">
+                          <a:solidFill>
+                            <a:srgbClr val="000000"/>
+                          </a:solidFill>
+                          <a:effectLst/>
+                        </a:rPr>
+                        <a:t>1.037 </a:t>
+                      </a:r>
+                      <a:endParaRPr lang="en-US" altLang="ko-KR" sz="1100" b="0" i="0" u="none" strike="noStrike">
+                        <a:solidFill>
+                          <a:srgbClr val="000000"/>
+                        </a:solidFill>
+                        <a:effectLst/>
+                        <a:latin typeface="맑은 고딕" panose="020B0503020000020004" pitchFamily="50" charset="-127"/>
+                        <a:ea typeface="맑은 고딕" panose="020B0503020000020004" pitchFamily="50" charset="-127"/>
+                      </a:endParaRPr>
+                    </a:p>
+                  </a:txBody>
+                  <a:tcPr marL="9525" marR="9525" marT="9525" marB="0" anchor="ctr"/>
+                </a:tc>
+                <a:tc>
+                  <a:txBody>
+                    <a:bodyPr/>
+                    <a:lstStyle/>
+                    <a:p>
+                      <a:pPr algn="ctr" fontAlgn="ctr">
+                        <a:buNone/>
+                      </a:pPr>
+                      <a:r>
+                        <a:rPr lang="en-US" sz="1100" b="0" u="none" strike="noStrike" dirty="0">
+                          <a:solidFill>
+                            <a:srgbClr val="000000"/>
+                          </a:solidFill>
+                          <a:effectLst/>
+                        </a:rPr>
+                        <a:t>Indirect</a:t>
+                      </a:r>
+                      <a:endParaRPr lang="en-US" sz="1100" b="0" i="0" u="none" strike="noStrike" dirty="0">
+                        <a:solidFill>
+                          <a:srgbClr val="000000"/>
+                        </a:solidFill>
+                        <a:effectLst/>
+                        <a:latin typeface="맑은 고딕" panose="020B0503020000020004" pitchFamily="50" charset="-127"/>
+                        <a:ea typeface="맑은 고딕" panose="020B0503020000020004" pitchFamily="50" charset="-127"/>
+                      </a:endParaRPr>
+                    </a:p>
+                  </a:txBody>
+                  <a:tcPr marL="9525" marR="9525" marT="9525" marB="0" anchor="ctr"/>
+                </a:tc>
+                <a:extLst>
+                  <a:ext uri="{0D108BD9-81ED-4DB2-BD59-A6C34878D82A}">
+                    <a16:rowId xmlns:a16="http://schemas.microsoft.com/office/drawing/2014/main" val="3472702492"/>
+                  </a:ext>
+                </a:extLst>
+              </a:tr>
+              <a:tr h="209550">
+                <a:tc>
+                  <a:txBody>
+                    <a:bodyPr/>
+                    <a:lstStyle/>
+                    <a:p>
+                      <a:pPr algn="l" fontAlgn="ctr">
+                        <a:buNone/>
+                      </a:pPr>
+                      <a:r>
+                        <a:rPr lang="en-US" sz="1100" b="0" u="none" strike="noStrike">
+                          <a:solidFill>
+                            <a:srgbClr val="000000"/>
+                          </a:solidFill>
+                          <a:effectLst/>
+                        </a:rPr>
+                        <a:t>duracraft fan</a:t>
+                      </a:r>
+                      <a:endParaRPr lang="en-US" sz="1100" b="0" i="0" u="none" strike="noStrike">
+                        <a:solidFill>
+                          <a:srgbClr val="000000"/>
+                        </a:solidFill>
+                        <a:effectLst/>
+                        <a:latin typeface="맑은 고딕" panose="020B0503020000020004" pitchFamily="50" charset="-127"/>
+                        <a:ea typeface="맑은 고딕" panose="020B0503020000020004" pitchFamily="50" charset="-127"/>
+                      </a:endParaRPr>
+                    </a:p>
+                  </a:txBody>
+                  <a:tcPr marL="9525" marR="9525" marT="9525" marB="0" anchor="ctr"/>
+                </a:tc>
+                <a:tc>
+                  <a:txBody>
+                    <a:bodyPr/>
+                    <a:lstStyle/>
+                    <a:p>
+                      <a:pPr algn="ctr" fontAlgn="ctr">
+                        <a:buNone/>
+                      </a:pPr>
+                      <a:r>
+                        <a:rPr lang="en-US" altLang="ko-KR" sz="1100" b="0" u="none" strike="noStrike">
+                          <a:solidFill>
+                            <a:srgbClr val="000000"/>
+                          </a:solidFill>
+                          <a:effectLst/>
+                        </a:rPr>
+                        <a:t>-0.115 </a:t>
+                      </a:r>
+                      <a:endParaRPr lang="en-US" altLang="ko-KR" sz="1100" b="0" i="0" u="none" strike="noStrike">
+                        <a:solidFill>
+                          <a:srgbClr val="000000"/>
+                        </a:solidFill>
+                        <a:effectLst/>
+                        <a:latin typeface="맑은 고딕" panose="020B0503020000020004" pitchFamily="50" charset="-127"/>
+                        <a:ea typeface="맑은 고딕" panose="020B0503020000020004" pitchFamily="50" charset="-127"/>
+                      </a:endParaRPr>
+                    </a:p>
+                  </a:txBody>
+                  <a:tcPr marL="9525" marR="9525" marT="9525" marB="0" anchor="ctr"/>
+                </a:tc>
+                <a:tc>
+                  <a:txBody>
+                    <a:bodyPr/>
+                    <a:lstStyle/>
+                    <a:p>
+                      <a:pPr algn="ctr" fontAlgn="ctr">
+                        <a:buNone/>
+                      </a:pPr>
+                      <a:r>
+                        <a:rPr lang="en-US" altLang="ko-KR" sz="1100" b="0" u="none" strike="noStrike">
+                          <a:solidFill>
+                            <a:srgbClr val="000000"/>
+                          </a:solidFill>
+                          <a:effectLst/>
+                        </a:rPr>
+                        <a:t>-0.622 </a:t>
+                      </a:r>
+                      <a:endParaRPr lang="en-US" altLang="ko-KR" sz="1100" b="0" i="0" u="none" strike="noStrike">
+                        <a:solidFill>
+                          <a:srgbClr val="000000"/>
+                        </a:solidFill>
+                        <a:effectLst/>
+                        <a:latin typeface="맑은 고딕" panose="020B0503020000020004" pitchFamily="50" charset="-127"/>
+                        <a:ea typeface="맑은 고딕" panose="020B0503020000020004" pitchFamily="50" charset="-127"/>
+                      </a:endParaRPr>
+                    </a:p>
+                  </a:txBody>
+                  <a:tcPr marL="9525" marR="9525" marT="9525" marB="0" anchor="ctr"/>
+                </a:tc>
+                <a:tc>
+                  <a:txBody>
+                    <a:bodyPr/>
+                    <a:lstStyle/>
+                    <a:p>
+                      <a:pPr algn="ctr" fontAlgn="ctr">
+                        <a:buNone/>
+                      </a:pPr>
+                      <a:r>
+                        <a:rPr lang="en-US" altLang="ko-KR" sz="1100" b="0" u="none" strike="noStrike">
+                          <a:solidFill>
+                            <a:srgbClr val="000000"/>
+                          </a:solidFill>
+                          <a:effectLst/>
+                        </a:rPr>
+                        <a:t>1.034 </a:t>
+                      </a:r>
+                      <a:endParaRPr lang="en-US" altLang="ko-KR" sz="1100" b="0" i="0" u="none" strike="noStrike">
+                        <a:solidFill>
+                          <a:srgbClr val="000000"/>
+                        </a:solidFill>
+                        <a:effectLst/>
+                        <a:latin typeface="맑은 고딕" panose="020B0503020000020004" pitchFamily="50" charset="-127"/>
+                        <a:ea typeface="맑은 고딕" panose="020B0503020000020004" pitchFamily="50" charset="-127"/>
+                      </a:endParaRPr>
+                    </a:p>
+                  </a:txBody>
+                  <a:tcPr marL="9525" marR="9525" marT="9525" marB="0" anchor="ctr"/>
+                </a:tc>
+                <a:tc>
+                  <a:txBody>
+                    <a:bodyPr/>
+                    <a:lstStyle/>
+                    <a:p>
+                      <a:pPr algn="ctr" fontAlgn="ctr">
+                        <a:buNone/>
+                      </a:pPr>
+                      <a:r>
+                        <a:rPr lang="en-US" sz="1100" b="0" u="none" strike="noStrike" dirty="0">
+                          <a:solidFill>
+                            <a:srgbClr val="000000"/>
+                          </a:solidFill>
+                          <a:effectLst/>
+                        </a:rPr>
+                        <a:t>Indirect</a:t>
+                      </a:r>
+                      <a:endParaRPr lang="en-US" sz="1100" b="0" i="0" u="none" strike="noStrike" dirty="0">
+                        <a:solidFill>
+                          <a:srgbClr val="000000"/>
+                        </a:solidFill>
+                        <a:effectLst/>
+                        <a:latin typeface="맑은 고딕" panose="020B0503020000020004" pitchFamily="50" charset="-127"/>
+                        <a:ea typeface="맑은 고딕" panose="020B0503020000020004" pitchFamily="50" charset="-127"/>
+                      </a:endParaRPr>
+                    </a:p>
+                  </a:txBody>
+                  <a:tcPr marL="9525" marR="9525" marT="9525" marB="0" anchor="ctr"/>
+                </a:tc>
+                <a:extLst>
+                  <a:ext uri="{0D108BD9-81ED-4DB2-BD59-A6C34878D82A}">
+                    <a16:rowId xmlns:a16="http://schemas.microsoft.com/office/drawing/2014/main" val="1695162050"/>
+                  </a:ext>
+                </a:extLst>
+              </a:tr>
+              <a:tr h="209550">
+                <a:tc>
+                  <a:txBody>
+                    <a:bodyPr/>
+                    <a:lstStyle/>
+                    <a:p>
+                      <a:pPr algn="l" fontAlgn="ctr">
+                        <a:buNone/>
+                      </a:pPr>
+                      <a:r>
+                        <a:rPr lang="en-US" sz="1100" b="0" u="none" strike="noStrike">
+                          <a:solidFill>
+                            <a:srgbClr val="000000"/>
+                          </a:solidFill>
+                          <a:effectLst/>
+                        </a:rPr>
+                        <a:t>countertop fan</a:t>
+                      </a:r>
+                      <a:endParaRPr lang="en-US" sz="1100" b="0" i="0" u="none" strike="noStrike">
+                        <a:solidFill>
+                          <a:srgbClr val="000000"/>
+                        </a:solidFill>
+                        <a:effectLst/>
+                        <a:latin typeface="맑은 고딕" panose="020B0503020000020004" pitchFamily="50" charset="-127"/>
+                        <a:ea typeface="맑은 고딕" panose="020B0503020000020004" pitchFamily="50" charset="-127"/>
+                      </a:endParaRPr>
+                    </a:p>
+                  </a:txBody>
+                  <a:tcPr marL="9525" marR="9525" marT="9525" marB="0" anchor="ctr"/>
+                </a:tc>
+                <a:tc>
+                  <a:txBody>
+                    <a:bodyPr/>
+                    <a:lstStyle/>
+                    <a:p>
+                      <a:pPr algn="ctr" fontAlgn="ctr">
+                        <a:buNone/>
+                      </a:pPr>
+                      <a:r>
+                        <a:rPr lang="en-US" altLang="ko-KR" sz="1100" b="0" u="none" strike="noStrike" dirty="0">
+                          <a:solidFill>
+                            <a:srgbClr val="000000"/>
+                          </a:solidFill>
+                          <a:effectLst/>
+                        </a:rPr>
+                        <a:t>-0.100 </a:t>
+                      </a:r>
+                      <a:endParaRPr lang="en-US" altLang="ko-KR" sz="1100" b="0" i="0" u="none" strike="noStrike" dirty="0">
+                        <a:solidFill>
+                          <a:srgbClr val="000000"/>
+                        </a:solidFill>
+                        <a:effectLst/>
+                        <a:latin typeface="맑은 고딕" panose="020B0503020000020004" pitchFamily="50" charset="-127"/>
+                        <a:ea typeface="맑은 고딕" panose="020B0503020000020004" pitchFamily="50" charset="-127"/>
+                      </a:endParaRPr>
+                    </a:p>
+                  </a:txBody>
+                  <a:tcPr marL="9525" marR="9525" marT="9525" marB="0" anchor="ctr"/>
+                </a:tc>
+                <a:tc>
+                  <a:txBody>
+                    <a:bodyPr/>
+                    <a:lstStyle/>
+                    <a:p>
+                      <a:pPr algn="ctr" fontAlgn="ctr">
+                        <a:buNone/>
+                      </a:pPr>
+                      <a:r>
+                        <a:rPr lang="en-US" altLang="ko-KR" sz="1100" b="0" u="none" strike="noStrike">
+                          <a:solidFill>
+                            <a:srgbClr val="000000"/>
+                          </a:solidFill>
+                          <a:effectLst/>
+                        </a:rPr>
+                        <a:t>-0.607 </a:t>
+                      </a:r>
+                      <a:endParaRPr lang="en-US" altLang="ko-KR" sz="1100" b="0" i="0" u="none" strike="noStrike">
+                        <a:solidFill>
+                          <a:srgbClr val="000000"/>
+                        </a:solidFill>
+                        <a:effectLst/>
+                        <a:latin typeface="맑은 고딕" panose="020B0503020000020004" pitchFamily="50" charset="-127"/>
+                        <a:ea typeface="맑은 고딕" panose="020B0503020000020004" pitchFamily="50" charset="-127"/>
+                      </a:endParaRPr>
+                    </a:p>
+                  </a:txBody>
+                  <a:tcPr marL="9525" marR="9525" marT="9525" marB="0" anchor="ctr"/>
+                </a:tc>
+                <a:tc>
+                  <a:txBody>
+                    <a:bodyPr/>
+                    <a:lstStyle/>
+                    <a:p>
+                      <a:pPr algn="ctr" fontAlgn="ctr">
+                        <a:buNone/>
+                      </a:pPr>
+                      <a:r>
+                        <a:rPr lang="en-US" altLang="ko-KR" sz="1100" b="0" u="none" strike="noStrike">
+                          <a:solidFill>
+                            <a:srgbClr val="000000"/>
+                          </a:solidFill>
+                          <a:effectLst/>
+                        </a:rPr>
+                        <a:t>1.034 </a:t>
+                      </a:r>
+                      <a:endParaRPr lang="en-US" altLang="ko-KR" sz="1100" b="0" i="0" u="none" strike="noStrike">
+                        <a:solidFill>
+                          <a:srgbClr val="000000"/>
+                        </a:solidFill>
+                        <a:effectLst/>
+                        <a:latin typeface="맑은 고딕" panose="020B0503020000020004" pitchFamily="50" charset="-127"/>
+                        <a:ea typeface="맑은 고딕" panose="020B0503020000020004" pitchFamily="50" charset="-127"/>
+                      </a:endParaRPr>
+                    </a:p>
+                  </a:txBody>
+                  <a:tcPr marL="9525" marR="9525" marT="9525" marB="0" anchor="ctr"/>
+                </a:tc>
+                <a:tc>
+                  <a:txBody>
+                    <a:bodyPr/>
+                    <a:lstStyle/>
+                    <a:p>
+                      <a:pPr algn="ctr" fontAlgn="ctr">
+                        <a:buNone/>
+                      </a:pPr>
+                      <a:r>
+                        <a:rPr lang="en-US" sz="1100" b="0" u="none" strike="noStrike" dirty="0">
+                          <a:solidFill>
+                            <a:srgbClr val="000000"/>
+                          </a:solidFill>
+                          <a:effectLst/>
+                        </a:rPr>
+                        <a:t>Indirect</a:t>
+                      </a:r>
+                      <a:endParaRPr lang="en-US" sz="1100" b="0" i="0" u="none" strike="noStrike" dirty="0">
+                        <a:solidFill>
+                          <a:srgbClr val="000000"/>
+                        </a:solidFill>
+                        <a:effectLst/>
+                        <a:latin typeface="맑은 고딕" panose="020B0503020000020004" pitchFamily="50" charset="-127"/>
+                        <a:ea typeface="맑은 고딕" panose="020B0503020000020004" pitchFamily="50" charset="-127"/>
+                      </a:endParaRPr>
+                    </a:p>
+                  </a:txBody>
+                  <a:tcPr marL="9525" marR="9525" marT="9525" marB="0" anchor="ctr"/>
+                </a:tc>
+                <a:extLst>
+                  <a:ext uri="{0D108BD9-81ED-4DB2-BD59-A6C34878D82A}">
+                    <a16:rowId xmlns:a16="http://schemas.microsoft.com/office/drawing/2014/main" val="2100916531"/>
+                  </a:ext>
+                </a:extLst>
+              </a:tr>
+              <a:tr h="209550">
+                <a:tc>
+                  <a:txBody>
+                    <a:bodyPr/>
+                    <a:lstStyle/>
+                    <a:p>
+                      <a:pPr algn="l" fontAlgn="ctr">
+                        <a:buNone/>
+                      </a:pPr>
+                      <a:r>
+                        <a:rPr lang="en-US" sz="1100" b="0" u="none" strike="noStrike">
+                          <a:solidFill>
+                            <a:srgbClr val="000000"/>
+                          </a:solidFill>
+                          <a:effectLst/>
+                        </a:rPr>
+                        <a:t>intertek fan</a:t>
+                      </a:r>
+                      <a:endParaRPr lang="en-US" sz="1100" b="0" i="0" u="none" strike="noStrike">
+                        <a:solidFill>
+                          <a:srgbClr val="000000"/>
+                        </a:solidFill>
+                        <a:effectLst/>
+                        <a:latin typeface="맑은 고딕" panose="020B0503020000020004" pitchFamily="50" charset="-127"/>
+                        <a:ea typeface="맑은 고딕" panose="020B0503020000020004" pitchFamily="50" charset="-127"/>
+                      </a:endParaRPr>
+                    </a:p>
+                  </a:txBody>
+                  <a:tcPr marL="9525" marR="9525" marT="9525" marB="0" anchor="ctr"/>
+                </a:tc>
+                <a:tc>
+                  <a:txBody>
+                    <a:bodyPr/>
+                    <a:lstStyle/>
+                    <a:p>
+                      <a:pPr algn="ctr" fontAlgn="ctr">
+                        <a:buNone/>
+                      </a:pPr>
+                      <a:r>
+                        <a:rPr lang="en-US" altLang="ko-KR" sz="1100" b="0" u="none" strike="noStrike" dirty="0">
+                          <a:solidFill>
+                            <a:srgbClr val="000000"/>
+                          </a:solidFill>
+                          <a:effectLst/>
+                        </a:rPr>
+                        <a:t>-0.107 </a:t>
+                      </a:r>
+                      <a:endParaRPr lang="en-US" altLang="ko-KR" sz="1100" b="0" i="0" u="none" strike="noStrike" dirty="0">
+                        <a:solidFill>
+                          <a:srgbClr val="000000"/>
+                        </a:solidFill>
+                        <a:effectLst/>
+                        <a:latin typeface="맑은 고딕" panose="020B0503020000020004" pitchFamily="50" charset="-127"/>
+                        <a:ea typeface="맑은 고딕" panose="020B0503020000020004" pitchFamily="50" charset="-127"/>
+                      </a:endParaRPr>
+                    </a:p>
+                  </a:txBody>
+                  <a:tcPr marL="9525" marR="9525" marT="9525" marB="0" anchor="ctr"/>
+                </a:tc>
+                <a:tc>
+                  <a:txBody>
+                    <a:bodyPr/>
+                    <a:lstStyle/>
+                    <a:p>
+                      <a:pPr algn="ctr" fontAlgn="ctr">
+                        <a:buNone/>
+                      </a:pPr>
+                      <a:r>
+                        <a:rPr lang="en-US" altLang="ko-KR" sz="1100" b="0" u="none" strike="noStrike">
+                          <a:solidFill>
+                            <a:srgbClr val="000000"/>
+                          </a:solidFill>
+                          <a:effectLst/>
+                        </a:rPr>
+                        <a:t>-0.614 </a:t>
+                      </a:r>
+                      <a:endParaRPr lang="en-US" altLang="ko-KR" sz="1100" b="0" i="0" u="none" strike="noStrike">
+                        <a:solidFill>
+                          <a:srgbClr val="000000"/>
+                        </a:solidFill>
+                        <a:effectLst/>
+                        <a:latin typeface="맑은 고딕" panose="020B0503020000020004" pitchFamily="50" charset="-127"/>
+                        <a:ea typeface="맑은 고딕" panose="020B0503020000020004" pitchFamily="50" charset="-127"/>
+                      </a:endParaRPr>
+                    </a:p>
+                  </a:txBody>
+                  <a:tcPr marL="9525" marR="9525" marT="9525" marB="0" anchor="ctr"/>
+                </a:tc>
+                <a:tc>
+                  <a:txBody>
+                    <a:bodyPr/>
+                    <a:lstStyle/>
+                    <a:p>
+                      <a:pPr algn="ctr" fontAlgn="ctr">
+                        <a:buNone/>
+                      </a:pPr>
+                      <a:r>
+                        <a:rPr lang="en-US" altLang="ko-KR" sz="1100" b="0" u="none" strike="noStrike">
+                          <a:solidFill>
+                            <a:srgbClr val="000000"/>
+                          </a:solidFill>
+                          <a:effectLst/>
+                        </a:rPr>
+                        <a:t>1.034 </a:t>
+                      </a:r>
+                      <a:endParaRPr lang="en-US" altLang="ko-KR" sz="1100" b="0" i="0" u="none" strike="noStrike">
+                        <a:solidFill>
+                          <a:srgbClr val="000000"/>
+                        </a:solidFill>
+                        <a:effectLst/>
+                        <a:latin typeface="맑은 고딕" panose="020B0503020000020004" pitchFamily="50" charset="-127"/>
+                        <a:ea typeface="맑은 고딕" panose="020B0503020000020004" pitchFamily="50" charset="-127"/>
+                      </a:endParaRPr>
+                    </a:p>
+                  </a:txBody>
+                  <a:tcPr marL="9525" marR="9525" marT="9525" marB="0" anchor="ctr"/>
+                </a:tc>
+                <a:tc>
+                  <a:txBody>
+                    <a:bodyPr/>
+                    <a:lstStyle/>
+                    <a:p>
+                      <a:pPr algn="ctr" fontAlgn="ctr">
+                        <a:buNone/>
+                      </a:pPr>
+                      <a:r>
+                        <a:rPr lang="en-US" sz="1100" b="0" u="none" strike="noStrike" dirty="0">
+                          <a:solidFill>
+                            <a:srgbClr val="000000"/>
+                          </a:solidFill>
+                          <a:effectLst/>
+                        </a:rPr>
+                        <a:t>Indirect</a:t>
+                      </a:r>
+                      <a:endParaRPr lang="en-US" sz="1100" b="0" i="0" u="none" strike="noStrike" dirty="0">
+                        <a:solidFill>
+                          <a:srgbClr val="000000"/>
+                        </a:solidFill>
+                        <a:effectLst/>
+                        <a:latin typeface="맑은 고딕" panose="020B0503020000020004" pitchFamily="50" charset="-127"/>
+                        <a:ea typeface="맑은 고딕" panose="020B0503020000020004" pitchFamily="50" charset="-127"/>
+                      </a:endParaRPr>
+                    </a:p>
+                  </a:txBody>
+                  <a:tcPr marL="9525" marR="9525" marT="9525" marB="0" anchor="ctr"/>
+                </a:tc>
+                <a:extLst>
+                  <a:ext uri="{0D108BD9-81ED-4DB2-BD59-A6C34878D82A}">
+                    <a16:rowId xmlns:a16="http://schemas.microsoft.com/office/drawing/2014/main" val="595139196"/>
+                  </a:ext>
+                </a:extLst>
+              </a:tr>
+              <a:tr h="209550">
+                <a:tc>
+                  <a:txBody>
+                    <a:bodyPr/>
+                    <a:lstStyle/>
+                    <a:p>
+                      <a:pPr algn="l" fontAlgn="ctr">
+                        <a:buNone/>
+                      </a:pPr>
+                      <a:r>
+                        <a:rPr lang="en-US" sz="1100" b="0" u="none" strike="noStrike">
+                          <a:solidFill>
+                            <a:srgbClr val="000000"/>
+                          </a:solidFill>
+                          <a:effectLst/>
+                        </a:rPr>
+                        <a:t>vornado 660 large air circulator fan</a:t>
+                      </a:r>
+                      <a:endParaRPr lang="en-US" sz="1100" b="0" i="0" u="none" strike="noStrike">
+                        <a:solidFill>
+                          <a:srgbClr val="000000"/>
+                        </a:solidFill>
+                        <a:effectLst/>
+                        <a:latin typeface="맑은 고딕" panose="020B0503020000020004" pitchFamily="50" charset="-127"/>
+                        <a:ea typeface="맑은 고딕" panose="020B0503020000020004" pitchFamily="50" charset="-127"/>
+                      </a:endParaRPr>
+                    </a:p>
+                  </a:txBody>
+                  <a:tcPr marL="9525" marR="9525" marT="9525" marB="0" anchor="ctr"/>
+                </a:tc>
+                <a:tc>
+                  <a:txBody>
+                    <a:bodyPr/>
+                    <a:lstStyle/>
+                    <a:p>
+                      <a:pPr algn="ctr" fontAlgn="ctr">
+                        <a:buNone/>
+                      </a:pPr>
+                      <a:r>
+                        <a:rPr lang="en-US" altLang="ko-KR" sz="1100" b="0" u="none" strike="noStrike">
+                          <a:solidFill>
+                            <a:srgbClr val="000000"/>
+                          </a:solidFill>
+                          <a:effectLst/>
+                        </a:rPr>
+                        <a:t>-0.117 </a:t>
+                      </a:r>
+                      <a:endParaRPr lang="en-US" altLang="ko-KR" sz="1100" b="0" i="0" u="none" strike="noStrike">
+                        <a:solidFill>
+                          <a:srgbClr val="000000"/>
+                        </a:solidFill>
+                        <a:effectLst/>
+                        <a:latin typeface="맑은 고딕" panose="020B0503020000020004" pitchFamily="50" charset="-127"/>
+                        <a:ea typeface="맑은 고딕" panose="020B0503020000020004" pitchFamily="50" charset="-127"/>
+                      </a:endParaRPr>
+                    </a:p>
+                  </a:txBody>
+                  <a:tcPr marL="9525" marR="9525" marT="9525" marB="0" anchor="ctr"/>
+                </a:tc>
+                <a:tc>
+                  <a:txBody>
+                    <a:bodyPr/>
+                    <a:lstStyle/>
+                    <a:p>
+                      <a:pPr algn="ctr" fontAlgn="ctr">
+                        <a:buNone/>
+                      </a:pPr>
+                      <a:r>
+                        <a:rPr lang="en-US" altLang="ko-KR" sz="1100" b="0" u="none" strike="noStrike">
+                          <a:solidFill>
+                            <a:srgbClr val="000000"/>
+                          </a:solidFill>
+                          <a:effectLst/>
+                        </a:rPr>
+                        <a:t>-0.622 </a:t>
+                      </a:r>
+                      <a:endParaRPr lang="en-US" altLang="ko-KR" sz="1100" b="0" i="0" u="none" strike="noStrike">
+                        <a:solidFill>
+                          <a:srgbClr val="000000"/>
+                        </a:solidFill>
+                        <a:effectLst/>
+                        <a:latin typeface="맑은 고딕" panose="020B0503020000020004" pitchFamily="50" charset="-127"/>
+                        <a:ea typeface="맑은 고딕" panose="020B0503020000020004" pitchFamily="50" charset="-127"/>
+                      </a:endParaRPr>
+                    </a:p>
+                  </a:txBody>
+                  <a:tcPr marL="9525" marR="9525" marT="9525" marB="0" anchor="ctr"/>
+                </a:tc>
+                <a:tc>
+                  <a:txBody>
+                    <a:bodyPr/>
+                    <a:lstStyle/>
+                    <a:p>
+                      <a:pPr algn="ctr" fontAlgn="ctr">
+                        <a:buNone/>
+                      </a:pPr>
+                      <a:r>
+                        <a:rPr lang="en-US" altLang="ko-KR" sz="1100" b="0" u="none" strike="noStrike">
+                          <a:solidFill>
+                            <a:srgbClr val="000000"/>
+                          </a:solidFill>
+                          <a:effectLst/>
+                        </a:rPr>
+                        <a:t>1.033 </a:t>
+                      </a:r>
+                      <a:endParaRPr lang="en-US" altLang="ko-KR" sz="1100" b="0" i="0" u="none" strike="noStrike">
+                        <a:solidFill>
+                          <a:srgbClr val="000000"/>
+                        </a:solidFill>
+                        <a:effectLst/>
+                        <a:latin typeface="맑은 고딕" panose="020B0503020000020004" pitchFamily="50" charset="-127"/>
+                        <a:ea typeface="맑은 고딕" panose="020B0503020000020004" pitchFamily="50" charset="-127"/>
+                      </a:endParaRPr>
+                    </a:p>
+                  </a:txBody>
+                  <a:tcPr marL="9525" marR="9525" marT="9525" marB="0" anchor="ctr"/>
+                </a:tc>
+                <a:tc>
+                  <a:txBody>
+                    <a:bodyPr/>
+                    <a:lstStyle/>
+                    <a:p>
+                      <a:pPr algn="ctr" fontAlgn="ctr">
+                        <a:buNone/>
+                      </a:pPr>
+                      <a:r>
+                        <a:rPr lang="en-US" sz="1100" b="0" u="none" strike="noStrike" dirty="0">
+                          <a:solidFill>
+                            <a:srgbClr val="000000"/>
+                          </a:solidFill>
+                          <a:effectLst/>
+                        </a:rPr>
+                        <a:t>Indirect</a:t>
+                      </a:r>
+                      <a:endParaRPr lang="en-US" sz="1100" b="0" i="0" u="none" strike="noStrike" dirty="0">
+                        <a:solidFill>
+                          <a:srgbClr val="000000"/>
+                        </a:solidFill>
+                        <a:effectLst/>
+                        <a:latin typeface="맑은 고딕" panose="020B0503020000020004" pitchFamily="50" charset="-127"/>
+                        <a:ea typeface="맑은 고딕" panose="020B0503020000020004" pitchFamily="50" charset="-127"/>
+                      </a:endParaRPr>
+                    </a:p>
+                  </a:txBody>
+                  <a:tcPr marL="9525" marR="9525" marT="9525" marB="0" anchor="ctr"/>
+                </a:tc>
+                <a:extLst>
+                  <a:ext uri="{0D108BD9-81ED-4DB2-BD59-A6C34878D82A}">
+                    <a16:rowId xmlns:a16="http://schemas.microsoft.com/office/drawing/2014/main" val="2141056614"/>
+                  </a:ext>
+                </a:extLst>
+              </a:tr>
+              <a:tr h="209550">
+                <a:tc>
+                  <a:txBody>
+                    <a:bodyPr/>
+                    <a:lstStyle/>
+                    <a:p>
+                      <a:pPr algn="ctr" fontAlgn="ctr">
+                        <a:buNone/>
+                      </a:pPr>
+                      <a:r>
+                        <a:rPr lang="en-US" sz="1100" b="0" u="none" strike="noStrike" dirty="0">
+                          <a:solidFill>
+                            <a:srgbClr val="000000"/>
+                          </a:solidFill>
+                          <a:effectLst/>
+                        </a:rPr>
+                        <a:t>…</a:t>
+                      </a:r>
+                      <a:endParaRPr lang="en-US" sz="1100" b="0" i="0" u="none" strike="noStrike" dirty="0">
+                        <a:solidFill>
+                          <a:srgbClr val="000000"/>
+                        </a:solidFill>
+                        <a:effectLst/>
+                        <a:latin typeface="맑은 고딕" panose="020B0503020000020004" pitchFamily="50" charset="-127"/>
+                        <a:ea typeface="맑은 고딕" panose="020B0503020000020004" pitchFamily="50" charset="-127"/>
+                      </a:endParaRPr>
+                    </a:p>
+                  </a:txBody>
+                  <a:tcPr marL="9525" marR="9525" marT="9525" marB="0" anchor="ctr"/>
+                </a:tc>
+                <a:tc>
+                  <a:txBody>
+                    <a:bodyPr/>
+                    <a:lstStyle/>
+                    <a:p>
+                      <a:pPr algn="ctr" fontAlgn="ctr">
+                        <a:buNone/>
+                      </a:pPr>
+                      <a:r>
+                        <a:rPr lang="en-US" altLang="ko-KR" sz="1100" b="0" u="none" strike="noStrike" dirty="0">
+                          <a:solidFill>
+                            <a:srgbClr val="000000"/>
+                          </a:solidFill>
+                          <a:effectLst/>
+                        </a:rPr>
+                        <a:t>…</a:t>
+                      </a:r>
+                      <a:endParaRPr lang="en-US" altLang="ko-KR" sz="1100" b="0" i="0" u="none" strike="noStrike" dirty="0">
+                        <a:solidFill>
+                          <a:srgbClr val="000000"/>
+                        </a:solidFill>
+                        <a:effectLst/>
+                        <a:latin typeface="맑은 고딕" panose="020B0503020000020004" pitchFamily="50" charset="-127"/>
+                        <a:ea typeface="맑은 고딕" panose="020B0503020000020004" pitchFamily="50" charset="-127"/>
+                      </a:endParaRPr>
+                    </a:p>
+                  </a:txBody>
+                  <a:tcPr marL="9525" marR="9525" marT="9525" marB="0" anchor="ctr"/>
+                </a:tc>
+                <a:tc>
+                  <a:txBody>
+                    <a:bodyPr/>
+                    <a:lstStyle/>
+                    <a:p>
+                      <a:pPr algn="ctr" fontAlgn="ctr">
+                        <a:buNone/>
+                      </a:pPr>
+                      <a:r>
+                        <a:rPr lang="en-US" altLang="ko-KR" sz="1100" b="0" u="none" strike="noStrike" dirty="0">
+                          <a:solidFill>
+                            <a:srgbClr val="000000"/>
+                          </a:solidFill>
+                          <a:effectLst/>
+                        </a:rPr>
+                        <a:t>…</a:t>
+                      </a:r>
+                      <a:endParaRPr lang="en-US" altLang="ko-KR" sz="1100" b="0" i="0" u="none" strike="noStrike" dirty="0">
+                        <a:solidFill>
+                          <a:srgbClr val="000000"/>
+                        </a:solidFill>
+                        <a:effectLst/>
+                        <a:latin typeface="맑은 고딕" panose="020B0503020000020004" pitchFamily="50" charset="-127"/>
+                        <a:ea typeface="맑은 고딕" panose="020B0503020000020004" pitchFamily="50" charset="-127"/>
+                      </a:endParaRPr>
+                    </a:p>
+                  </a:txBody>
+                  <a:tcPr marL="9525" marR="9525" marT="9525" marB="0" anchor="ctr"/>
+                </a:tc>
+                <a:tc>
+                  <a:txBody>
+                    <a:bodyPr/>
+                    <a:lstStyle/>
+                    <a:p>
+                      <a:pPr algn="ctr" fontAlgn="ctr">
+                        <a:buNone/>
+                      </a:pPr>
+                      <a:r>
+                        <a:rPr lang="en-US" altLang="ko-KR" sz="1100" b="0" u="none" strike="noStrike" dirty="0">
+                          <a:solidFill>
+                            <a:srgbClr val="000000"/>
+                          </a:solidFill>
+                          <a:effectLst/>
+                        </a:rPr>
+                        <a:t>…</a:t>
+                      </a:r>
+                      <a:endParaRPr lang="en-US" altLang="ko-KR" sz="1100" b="0" i="0" u="none" strike="noStrike" dirty="0">
+                        <a:solidFill>
+                          <a:srgbClr val="000000"/>
+                        </a:solidFill>
+                        <a:effectLst/>
+                        <a:latin typeface="맑은 고딕" panose="020B0503020000020004" pitchFamily="50" charset="-127"/>
+                        <a:ea typeface="맑은 고딕" panose="020B0503020000020004" pitchFamily="50" charset="-127"/>
+                      </a:endParaRPr>
+                    </a:p>
+                  </a:txBody>
+                  <a:tcPr marL="9525" marR="9525" marT="9525" marB="0" anchor="ctr"/>
+                </a:tc>
+                <a:tc>
+                  <a:txBody>
+                    <a:bodyPr/>
+                    <a:lstStyle/>
+                    <a:p>
+                      <a:pPr algn="ctr" fontAlgn="ctr">
+                        <a:buNone/>
+                      </a:pPr>
+                      <a:r>
+                        <a:rPr lang="en-US" sz="1100" b="0" u="none" strike="noStrike" dirty="0">
+                          <a:solidFill>
+                            <a:srgbClr val="000000"/>
+                          </a:solidFill>
+                          <a:effectLst/>
+                        </a:rPr>
+                        <a:t>…</a:t>
+                      </a:r>
+                      <a:endParaRPr lang="en-US" sz="1100" b="0" i="0" u="none" strike="noStrike" dirty="0">
+                        <a:solidFill>
+                          <a:srgbClr val="000000"/>
+                        </a:solidFill>
+                        <a:effectLst/>
+                        <a:latin typeface="맑은 고딕" panose="020B0503020000020004" pitchFamily="50" charset="-127"/>
+                        <a:ea typeface="맑은 고딕" panose="020B0503020000020004" pitchFamily="50" charset="-127"/>
+                      </a:endParaRPr>
+                    </a:p>
+                  </a:txBody>
+                  <a:tcPr marL="9525" marR="9525" marT="9525" marB="0" anchor="ctr"/>
+                </a:tc>
+                <a:extLst>
+                  <a:ext uri="{0D108BD9-81ED-4DB2-BD59-A6C34878D82A}">
+                    <a16:rowId xmlns:a16="http://schemas.microsoft.com/office/drawing/2014/main" val="2755277493"/>
+                  </a:ext>
+                </a:extLst>
+              </a:tr>
+              <a:tr h="209550">
+                <a:tc>
+                  <a:txBody>
+                    <a:bodyPr/>
+                    <a:lstStyle/>
+                    <a:p>
+                      <a:pPr algn="l" fontAlgn="ctr">
+                        <a:buNone/>
+                      </a:pPr>
+                      <a:r>
+                        <a:rPr lang="en-US" sz="1100" b="0" u="none" strike="noStrike" dirty="0" err="1">
+                          <a:solidFill>
+                            <a:srgbClr val="000000"/>
+                          </a:solidFill>
+                          <a:effectLst/>
+                        </a:rPr>
+                        <a:t>honeywell</a:t>
+                      </a:r>
+                      <a:r>
+                        <a:rPr lang="en-US" sz="1100" b="0" u="none" strike="noStrike" dirty="0">
+                          <a:solidFill>
+                            <a:srgbClr val="000000"/>
+                          </a:solidFill>
+                          <a:effectLst/>
+                        </a:rPr>
+                        <a:t> 11 fan</a:t>
+                      </a:r>
+                      <a:endParaRPr lang="en-US" sz="1100" b="0" i="0" u="none" strike="noStrike" dirty="0">
+                        <a:solidFill>
+                          <a:srgbClr val="000000"/>
+                        </a:solidFill>
+                        <a:effectLst/>
+                        <a:latin typeface="맑은 고딕" panose="020B0503020000020004" pitchFamily="50" charset="-127"/>
+                        <a:ea typeface="맑은 고딕" panose="020B0503020000020004" pitchFamily="50" charset="-127"/>
+                      </a:endParaRPr>
+                    </a:p>
+                  </a:txBody>
+                  <a:tcPr marL="9525" marR="9525" marT="9525" marB="0" anchor="ctr"/>
+                </a:tc>
+                <a:tc>
+                  <a:txBody>
+                    <a:bodyPr/>
+                    <a:lstStyle/>
+                    <a:p>
+                      <a:pPr algn="ctr" fontAlgn="ctr">
+                        <a:buNone/>
+                      </a:pPr>
+                      <a:r>
+                        <a:rPr lang="en-US" altLang="ko-KR" sz="1100" b="0" u="none" strike="noStrike">
+                          <a:solidFill>
+                            <a:srgbClr val="000000"/>
+                          </a:solidFill>
+                          <a:effectLst/>
+                        </a:rPr>
+                        <a:t>-0.142 </a:t>
+                      </a:r>
+                      <a:endParaRPr lang="en-US" altLang="ko-KR" sz="1100" b="0" i="0" u="none" strike="noStrike">
+                        <a:solidFill>
+                          <a:srgbClr val="000000"/>
+                        </a:solidFill>
+                        <a:effectLst/>
+                        <a:latin typeface="맑은 고딕" panose="020B0503020000020004" pitchFamily="50" charset="-127"/>
+                        <a:ea typeface="맑은 고딕" panose="020B0503020000020004" pitchFamily="50" charset="-127"/>
+                      </a:endParaRPr>
+                    </a:p>
+                  </a:txBody>
+                  <a:tcPr marL="9525" marR="9525" marT="9525" marB="0" anchor="ctr"/>
+                </a:tc>
+                <a:tc>
+                  <a:txBody>
+                    <a:bodyPr/>
+                    <a:lstStyle/>
+                    <a:p>
+                      <a:pPr algn="ctr" fontAlgn="ctr">
+                        <a:buNone/>
+                      </a:pPr>
+                      <a:r>
+                        <a:rPr lang="en-US" altLang="ko-KR" sz="1100" b="0" u="none" strike="noStrike">
+                          <a:solidFill>
+                            <a:srgbClr val="000000"/>
+                          </a:solidFill>
+                          <a:effectLst/>
+                        </a:rPr>
+                        <a:t>-0.626 </a:t>
+                      </a:r>
+                      <a:endParaRPr lang="en-US" altLang="ko-KR" sz="1100" b="0" i="0" u="none" strike="noStrike">
+                        <a:solidFill>
+                          <a:srgbClr val="000000"/>
+                        </a:solidFill>
+                        <a:effectLst/>
+                        <a:latin typeface="맑은 고딕" panose="020B0503020000020004" pitchFamily="50" charset="-127"/>
+                        <a:ea typeface="맑은 고딕" panose="020B0503020000020004" pitchFamily="50" charset="-127"/>
+                      </a:endParaRPr>
+                    </a:p>
+                  </a:txBody>
+                  <a:tcPr marL="9525" marR="9525" marT="9525" marB="0" anchor="ctr"/>
+                </a:tc>
+                <a:tc>
+                  <a:txBody>
+                    <a:bodyPr/>
+                    <a:lstStyle/>
+                    <a:p>
+                      <a:pPr algn="ctr" fontAlgn="ctr">
+                        <a:buNone/>
+                      </a:pPr>
+                      <a:r>
+                        <a:rPr lang="en-US" altLang="ko-KR" sz="1100" b="0" u="none" strike="noStrike">
+                          <a:solidFill>
+                            <a:srgbClr val="000000"/>
+                          </a:solidFill>
+                          <a:effectLst/>
+                        </a:rPr>
+                        <a:t>1.012 </a:t>
+                      </a:r>
+                      <a:endParaRPr lang="en-US" altLang="ko-KR" sz="1100" b="0" i="0" u="none" strike="noStrike">
+                        <a:solidFill>
+                          <a:srgbClr val="000000"/>
+                        </a:solidFill>
+                        <a:effectLst/>
+                        <a:latin typeface="맑은 고딕" panose="020B0503020000020004" pitchFamily="50" charset="-127"/>
+                        <a:ea typeface="맑은 고딕" panose="020B0503020000020004" pitchFamily="50" charset="-127"/>
+                      </a:endParaRPr>
+                    </a:p>
+                  </a:txBody>
+                  <a:tcPr marL="9525" marR="9525" marT="9525" marB="0" anchor="ctr"/>
+                </a:tc>
+                <a:tc>
+                  <a:txBody>
+                    <a:bodyPr/>
+                    <a:lstStyle/>
+                    <a:p>
+                      <a:pPr algn="ctr" fontAlgn="ctr">
+                        <a:buNone/>
+                      </a:pPr>
+                      <a:r>
+                        <a:rPr lang="en-US" sz="1100" b="0" u="none" strike="noStrike" dirty="0">
+                          <a:solidFill>
+                            <a:srgbClr val="000000"/>
+                          </a:solidFill>
+                          <a:effectLst/>
+                        </a:rPr>
+                        <a:t>Direct</a:t>
+                      </a:r>
+                      <a:endParaRPr lang="en-US" sz="1100" b="0" i="0" u="none" strike="noStrike" dirty="0">
+                        <a:solidFill>
+                          <a:srgbClr val="000000"/>
+                        </a:solidFill>
+                        <a:effectLst/>
+                        <a:latin typeface="맑은 고딕" panose="020B0503020000020004" pitchFamily="50" charset="-127"/>
+                        <a:ea typeface="맑은 고딕" panose="020B0503020000020004" pitchFamily="50" charset="-127"/>
+                      </a:endParaRPr>
+                    </a:p>
+                  </a:txBody>
+                  <a:tcPr marL="9525" marR="9525" marT="9525" marB="0" anchor="ctr"/>
+                </a:tc>
+                <a:extLst>
+                  <a:ext uri="{0D108BD9-81ED-4DB2-BD59-A6C34878D82A}">
+                    <a16:rowId xmlns:a16="http://schemas.microsoft.com/office/drawing/2014/main" val="2281746701"/>
+                  </a:ext>
+                </a:extLst>
+              </a:tr>
+            </a:tbl>
+          </a:graphicData>
+        </a:graphic>
+      </p:graphicFrame>
       <p:sp>
         <p:nvSpPr>
-          <p:cNvPr id="18" name="화살표: 오른쪽 17">
+          <p:cNvPr id="7" name="TextBox 6">
             <a:extLst>
               <a:ext uri="{FF2B5EF4-FFF2-40B4-BE49-F238E27FC236}">
-                <a16:creationId xmlns:a16="http://schemas.microsoft.com/office/drawing/2014/main" id="{41BDE1F6-A198-B042-8587-8F6827B73B1D}"/>
+                <a16:creationId xmlns:a16="http://schemas.microsoft.com/office/drawing/2014/main" id="{7A7CAE65-0052-BBC3-2400-D615AF6DE883}"/>
+              </a:ext>
+            </a:extLst>
+          </p:cNvPr>
+          <p:cNvSpPr txBox="1"/>
+          <p:nvPr/>
+        </p:nvSpPr>
+        <p:spPr>
+          <a:xfrm>
+            <a:off x="8501543" y="4906293"/>
+            <a:ext cx="668773" cy="369332"/>
+          </a:xfrm>
+          <a:prstGeom prst="rect">
+            <a:avLst/>
+          </a:prstGeom>
+          <a:noFill/>
+        </p:spPr>
+        <p:txBody>
+          <a:bodyPr wrap="none" rtlCol="0">
+            <a:spAutoFit/>
+          </a:bodyPr>
+          <a:lstStyle/>
+          <a:p>
+            <a:r>
+              <a:rPr lang="en-US" altLang="ko-KR" dirty="0"/>
+              <a:t>40</a:t>
+            </a:r>
+            <a:r>
+              <a:rPr lang="ko-KR" altLang="en-US" dirty="0"/>
+              <a:t>개</a:t>
+            </a:r>
+          </a:p>
+        </p:txBody>
+      </p:sp>
+      <p:sp>
+        <p:nvSpPr>
+          <p:cNvPr id="8" name="화살표: 오른쪽 7">
+            <a:extLst>
+              <a:ext uri="{FF2B5EF4-FFF2-40B4-BE49-F238E27FC236}">
+                <a16:creationId xmlns:a16="http://schemas.microsoft.com/office/drawing/2014/main" id="{B3E9DC3D-4B36-67A8-0097-00CAD4CD98A3}"/>
               </a:ext>
             </a:extLst>
           </p:cNvPr>
@@ -7300,8 +11990,8 @@
         </p:nvSpPr>
         <p:spPr>
           <a:xfrm>
-            <a:off x="5535990" y="3257550"/>
-            <a:ext cx="523875" cy="342900"/>
+            <a:off x="4536141" y="2859741"/>
+            <a:ext cx="1084730" cy="224118"/>
           </a:xfrm>
           <a:prstGeom prst="rightArrow">
             <a:avLst/>
@@ -7332,10 +12022,95 @@
           </a:p>
         </p:txBody>
       </p:sp>
+      <p:sp>
+        <p:nvSpPr>
+          <p:cNvPr id="9" name="TextBox 8">
+            <a:extLst>
+              <a:ext uri="{FF2B5EF4-FFF2-40B4-BE49-F238E27FC236}">
+                <a16:creationId xmlns:a16="http://schemas.microsoft.com/office/drawing/2014/main" id="{D9541167-E709-2420-78AB-EF2B81F03A1E}"/>
+              </a:ext>
+            </a:extLst>
+          </p:cNvPr>
+          <p:cNvSpPr txBox="1"/>
+          <p:nvPr/>
+        </p:nvSpPr>
+        <p:spPr>
+          <a:xfrm>
+            <a:off x="4187235" y="3358643"/>
+            <a:ext cx="1768433" cy="892552"/>
+          </a:xfrm>
+          <a:prstGeom prst="rect">
+            <a:avLst/>
+          </a:prstGeom>
+          <a:noFill/>
+        </p:spPr>
+        <p:txBody>
+          <a:bodyPr wrap="none" rtlCol="0">
+            <a:spAutoFit/>
+          </a:bodyPr>
+          <a:lstStyle/>
+          <a:p>
+            <a:r>
+              <a:rPr lang="en-US" altLang="ko-KR" sz="1400" dirty="0"/>
+              <a:t>4. </a:t>
+            </a:r>
+            <a:r>
+              <a:rPr lang="ko-KR" altLang="en-US" sz="1400" dirty="0"/>
+              <a:t>연관성 컬럼 추가</a:t>
+            </a:r>
+            <a:endParaRPr lang="en-US" altLang="ko-KR" sz="1400" dirty="0"/>
+          </a:p>
+          <a:p>
+            <a:endParaRPr lang="en-US" altLang="ko-KR" sz="1200" dirty="0"/>
+          </a:p>
+          <a:p>
+            <a:r>
+              <a:rPr lang="en-US" altLang="ko-KR" sz="1400" dirty="0"/>
+              <a:t>5. </a:t>
+            </a:r>
+            <a:r>
+              <a:rPr lang="ko-KR" altLang="en-US" sz="1400" dirty="0"/>
+              <a:t>상위 </a:t>
+            </a:r>
+            <a:r>
+              <a:rPr lang="en-US" altLang="ko-KR" sz="1400" dirty="0"/>
+              <a:t>40</a:t>
+            </a:r>
+            <a:r>
+              <a:rPr lang="ko-KR" altLang="en-US" sz="1400" dirty="0"/>
+              <a:t>개 선정</a:t>
+            </a:r>
+            <a:endParaRPr lang="en-US" altLang="ko-KR" sz="1400" dirty="0"/>
+          </a:p>
+          <a:p>
+            <a:r>
+              <a:rPr lang="en-US" altLang="ko-KR" sz="1200" dirty="0"/>
+              <a:t>  (value</a:t>
+            </a:r>
+            <a:r>
+              <a:rPr lang="ko-KR" altLang="en-US" sz="1200" dirty="0"/>
+              <a:t> </a:t>
+            </a:r>
+            <a:r>
+              <a:rPr lang="en-US" altLang="ko-KR" sz="1200" dirty="0"/>
+              <a:t>score</a:t>
+            </a:r>
+            <a:r>
+              <a:rPr lang="ko-KR" altLang="en-US" sz="1200" dirty="0"/>
+              <a:t> 기준</a:t>
+            </a:r>
+            <a:r>
+              <a:rPr lang="en-US" altLang="ko-KR" sz="1200" dirty="0"/>
+              <a:t>)</a:t>
+            </a:r>
+            <a:endParaRPr lang="ko-KR" altLang="en-US" sz="1200" dirty="0"/>
+          </a:p>
+        </p:txBody>
+      </p:sp>
     </p:spTree>
     <p:extLst>
       <p:ext uri="{BB962C8B-B14F-4D97-AF65-F5344CB8AC3E}">
-        <p14:creationId xmlns:p14="http://schemas.microsoft.com/office/powerpoint/2010/main" val="1466545514"/>
+        <p14:creationId xmlns:p14="http://schemas.microsoft.com/office/powerpoint/2010/main" val="4106166197"/>
       </p:ext>
     </p:extLst>
   </p:cSld>
@@ -7345,7 +12120,7 @@
 </p:sld>
 </file>
 
-<file path=ppt/slides/slide5.xml><?xml version="1.0" encoding="utf-8"?>
+<file path=ppt/slides/slide6.xml><?xml version="1.0" encoding="utf-8"?>
 <p:sld xmlns:a="http://schemas.openxmlformats.org/drawingml/2006/main" xmlns:r="http://schemas.openxmlformats.org/officeDocument/2006/relationships" xmlns:p="http://schemas.openxmlformats.org/presentationml/2006/main">
   <p:cSld>
     <p:spTree>
@@ -7376,8 +12151,8 @@
         </p:nvSpPr>
         <p:spPr>
           <a:xfrm>
-            <a:off x="10123539" y="5205723"/>
-            <a:ext cx="668773" cy="369332"/>
+            <a:off x="10431571" y="5157047"/>
+            <a:ext cx="750648" cy="369332"/>
           </a:xfrm>
           <a:prstGeom prst="rect">
             <a:avLst/>
@@ -7385,7 +12160,7 @@
           <a:noFill/>
         </p:spPr>
         <p:txBody>
-          <a:bodyPr wrap="none" rtlCol="0">
+          <a:bodyPr wrap="square" rtlCol="0">
             <a:spAutoFit/>
           </a:bodyPr>
           <a:lstStyle/>
@@ -7393,12 +12168,9 @@
             <a:pPr algn="ctr"/>
             <a:r>
               <a:rPr lang="en-US" altLang="ko-KR" dirty="0"/>
-              <a:t>22</a:t>
-            </a:r>
-            <a:r>
-              <a:rPr lang="ko-KR" altLang="en-US" dirty="0"/>
-              <a:t>개</a:t>
-            </a:r>
+              <a:t>x22</a:t>
+            </a:r>
+            <a:endParaRPr lang="ko-KR" altLang="en-US" dirty="0"/>
           </a:p>
         </p:txBody>
       </p:sp>
@@ -7416,8 +12188,8 @@
         </p:nvSpPr>
         <p:spPr>
           <a:xfrm>
-            <a:off x="10123539" y="3856831"/>
-            <a:ext cx="668773" cy="369332"/>
+            <a:off x="10431571" y="3895012"/>
+            <a:ext cx="750648" cy="369332"/>
           </a:xfrm>
           <a:prstGeom prst="rect">
             <a:avLst/>
@@ -7425,7 +12197,7 @@
           <a:noFill/>
         </p:spPr>
         <p:txBody>
-          <a:bodyPr wrap="none" rtlCol="0">
+          <a:bodyPr wrap="square" rtlCol="0">
             <a:spAutoFit/>
           </a:bodyPr>
           <a:lstStyle/>
@@ -7433,12 +12205,9 @@
             <a:pPr algn="ctr"/>
             <a:r>
               <a:rPr lang="en-US" altLang="ko-KR" dirty="0"/>
-              <a:t>20</a:t>
-            </a:r>
-            <a:r>
-              <a:rPr lang="ko-KR" altLang="en-US" dirty="0"/>
-              <a:t>개</a:t>
-            </a:r>
+              <a:t>x20</a:t>
+            </a:r>
+            <a:endParaRPr lang="ko-KR" altLang="en-US" dirty="0"/>
           </a:p>
         </p:txBody>
       </p:sp>
@@ -7456,8 +12225,8 @@
         </p:nvSpPr>
         <p:spPr>
           <a:xfrm>
-            <a:off x="10123539" y="2594796"/>
-            <a:ext cx="668773" cy="369332"/>
+            <a:off x="10431571" y="2632977"/>
+            <a:ext cx="750648" cy="369332"/>
           </a:xfrm>
           <a:prstGeom prst="rect">
             <a:avLst/>
@@ -7465,7 +12234,7 @@
           <a:noFill/>
         </p:spPr>
         <p:txBody>
-          <a:bodyPr wrap="none" rtlCol="0">
+          <a:bodyPr wrap="square" rtlCol="0">
             <a:spAutoFit/>
           </a:bodyPr>
           <a:lstStyle/>
@@ -7473,13 +12242,8 @@
             <a:pPr algn="ctr"/>
             <a:r>
               <a:rPr lang="en-US" altLang="ko-KR" dirty="0"/>
-              <a:t>15</a:t>
-            </a:r>
-            <a:r>
-              <a:rPr lang="ko-KR" altLang="en-US" dirty="0"/>
-              <a:t>개</a:t>
-            </a:r>
-            <a:endParaRPr lang="en-US" altLang="ko-KR" dirty="0"/>
+              <a:t>x15</a:t>
+            </a:r>
           </a:p>
         </p:txBody>
       </p:sp>
@@ -7497,8 +12261,8 @@
         </p:nvSpPr>
         <p:spPr>
           <a:xfrm>
-            <a:off x="10123540" y="1423677"/>
-            <a:ext cx="668773" cy="369332"/>
+            <a:off x="10431572" y="1461858"/>
+            <a:ext cx="750648" cy="369332"/>
           </a:xfrm>
           <a:prstGeom prst="rect">
             <a:avLst/>
@@ -7506,7 +12270,7 @@
           <a:noFill/>
         </p:spPr>
         <p:txBody>
-          <a:bodyPr wrap="none" rtlCol="0">
+          <a:bodyPr wrap="square" rtlCol="0">
             <a:spAutoFit/>
           </a:bodyPr>
           <a:lstStyle/>
@@ -7514,13 +12278,8 @@
             <a:pPr algn="ctr"/>
             <a:r>
               <a:rPr lang="en-US" altLang="ko-KR" dirty="0"/>
-              <a:t>10</a:t>
-            </a:r>
-            <a:r>
-              <a:rPr lang="ko-KR" altLang="en-US" dirty="0"/>
-              <a:t>개</a:t>
-            </a:r>
-            <a:endParaRPr lang="en-US" altLang="ko-KR" dirty="0"/>
+              <a:t>x10</a:t>
+            </a:r>
           </a:p>
         </p:txBody>
       </p:sp>
@@ -7539,13 +12298,13 @@
           <p:nvPr>
             <p:extLst>
               <p:ext uri="{D42A27DB-BD31-4B8C-83A1-F6EECF244321}">
-                <p14:modId xmlns:p14="http://schemas.microsoft.com/office/powerpoint/2010/main" val="3290889043"/>
+                <p14:modId xmlns:p14="http://schemas.microsoft.com/office/powerpoint/2010/main" val="1685117879"/>
               </p:ext>
             </p:extLst>
           </p:nvPr>
         </p:nvGraphicFramePr>
         <p:xfrm>
-          <a:off x="7652396" y="1014102"/>
+          <a:off x="7960428" y="1052283"/>
           <a:ext cx="2072629" cy="5062851"/>
         </p:xfrm>
         <a:graphic>
@@ -11254,8 +16013,8 @@
         </p:nvSpPr>
         <p:spPr>
           <a:xfrm>
-            <a:off x="2838451" y="5469897"/>
-            <a:ext cx="668773" cy="369332"/>
+            <a:off x="1983169" y="5390389"/>
+            <a:ext cx="2678938" cy="369332"/>
           </a:xfrm>
           <a:prstGeom prst="rect">
             <a:avLst/>
@@ -11269,12 +16028,16 @@
           <a:lstStyle/>
           <a:p>
             <a:r>
-              <a:rPr lang="en-US" altLang="ko-KR"/>
+              <a:rPr lang="ko-KR" altLang="en-US"/>
+              <a:t>선정된 </a:t>
+            </a:r>
+            <a:r>
+              <a:rPr lang="en-US" altLang="ko-KR" dirty="0"/>
               <a:t>40</a:t>
             </a:r>
             <a:r>
               <a:rPr lang="ko-KR" altLang="en-US" dirty="0"/>
-              <a:t>개</a:t>
+              <a:t>개의 키워드들</a:t>
             </a:r>
           </a:p>
         </p:txBody>
@@ -11288,13 +16051,15 @@
               </a:ext>
             </a:extLst>
           </p:cNvPr>
-          <p:cNvCxnSpPr/>
+          <p:cNvCxnSpPr>
+            <a:cxnSpLocks/>
+          </p:cNvCxnSpPr>
           <p:nvPr/>
         </p:nvCxnSpPr>
         <p:spPr>
           <a:xfrm flipV="1">
-            <a:off x="6219825" y="1581150"/>
-            <a:ext cx="1152525" cy="838200"/>
+            <a:off x="6219825" y="1662113"/>
+            <a:ext cx="1342088" cy="757237"/>
           </a:xfrm>
           <a:prstGeom prst="straightConnector1">
             <a:avLst/>
@@ -11334,8 +16099,8 @@
         </p:nvCxnSpPr>
         <p:spPr>
           <a:xfrm flipV="1">
-            <a:off x="6391275" y="2964128"/>
-            <a:ext cx="981075" cy="312472"/>
+            <a:off x="6391275" y="2913529"/>
+            <a:ext cx="1170638" cy="363071"/>
           </a:xfrm>
           <a:prstGeom prst="straightConnector1">
             <a:avLst/>
@@ -11368,13 +16133,15 @@
               </a:ext>
             </a:extLst>
           </p:cNvPr>
-          <p:cNvCxnSpPr/>
+          <p:cNvCxnSpPr>
+            <a:cxnSpLocks/>
+          </p:cNvCxnSpPr>
           <p:nvPr/>
         </p:nvCxnSpPr>
         <p:spPr>
           <a:xfrm>
             <a:off x="6391275" y="4029075"/>
-            <a:ext cx="981075" cy="76200"/>
+            <a:ext cx="1170638" cy="85725"/>
           </a:xfrm>
           <a:prstGeom prst="straightConnector1">
             <a:avLst/>
@@ -11407,13 +16174,15 @@
               </a:ext>
             </a:extLst>
           </p:cNvPr>
-          <p:cNvCxnSpPr/>
+          <p:cNvCxnSpPr>
+            <a:cxnSpLocks/>
+          </p:cNvCxnSpPr>
           <p:nvPr/>
         </p:nvCxnSpPr>
         <p:spPr>
           <a:xfrm>
             <a:off x="6286500" y="4724400"/>
-            <a:ext cx="1152525" cy="850655"/>
+            <a:ext cx="1275413" cy="801979"/>
           </a:xfrm>
           <a:prstGeom prst="straightConnector1">
             <a:avLst/>
@@ -11437,6 +16206,45 @@
           </a:fontRef>
         </p:style>
       </p:cxnSp>
+      <p:sp>
+        <p:nvSpPr>
+          <p:cNvPr id="2" name="TextBox 1">
+            <a:extLst>
+              <a:ext uri="{FF2B5EF4-FFF2-40B4-BE49-F238E27FC236}">
+                <a16:creationId xmlns:a16="http://schemas.microsoft.com/office/drawing/2014/main" id="{4BE5629A-F737-09D2-83FE-FD5E00145C0A}"/>
+              </a:ext>
+            </a:extLst>
+          </p:cNvPr>
+          <p:cNvSpPr txBox="1"/>
+          <p:nvPr/>
+        </p:nvSpPr>
+        <p:spPr>
+          <a:xfrm>
+            <a:off x="5377419" y="520898"/>
+            <a:ext cx="2970685" cy="307777"/>
+          </a:xfrm>
+          <a:prstGeom prst="rect">
+            <a:avLst/>
+          </a:prstGeom>
+          <a:noFill/>
+        </p:spPr>
+        <p:txBody>
+          <a:bodyPr wrap="none" rtlCol="0">
+            <a:spAutoFit/>
+          </a:bodyPr>
+          <a:lstStyle/>
+          <a:p>
+            <a:r>
+              <a:rPr lang="en-US" altLang="ko-KR" sz="1400" dirty="0"/>
+              <a:t>6. </a:t>
+            </a:r>
+            <a:r>
+              <a:rPr lang="ko-KR" altLang="en-US" sz="1400" dirty="0"/>
+              <a:t>선정된 키워드를 각 파트에 분배</a:t>
+            </a:r>
+          </a:p>
+        </p:txBody>
+      </p:sp>
     </p:spTree>
     <p:extLst>
       <p:ext uri="{BB962C8B-B14F-4D97-AF65-F5344CB8AC3E}">
@@ -11450,7 +16258,7 @@
 </p:sld>
 </file>
 
-<file path=ppt/slides/slide6.xml><?xml version="1.0" encoding="utf-8"?>
+<file path=ppt/slides/slide7.xml><?xml version="1.0" encoding="utf-8"?>
 <p:sld xmlns:a="http://schemas.openxmlformats.org/drawingml/2006/main" xmlns:r="http://schemas.openxmlformats.org/officeDocument/2006/relationships" xmlns:p="http://schemas.openxmlformats.org/presentationml/2006/main">
   <p:cSld>
     <p:spTree>
@@ -11514,7 +16322,7 @@
         <p:spPr>
           <a:xfrm>
             <a:off x="838200" y="1825625"/>
-            <a:ext cx="5724525" cy="4351338"/>
+            <a:ext cx="5724525" cy="3517340"/>
           </a:xfrm>
         </p:spPr>
         <p:txBody>
@@ -11602,29 +16410,6 @@
           </a:p>
           <a:p>
             <a:pPr lvl="1"/>
-            <a:endParaRPr lang="en-US" altLang="ko-KR" dirty="0"/>
-          </a:p>
-          <a:p>
-            <a:r>
-              <a:rPr lang="ko-KR" altLang="en-US" dirty="0"/>
-              <a:t>다시 </a:t>
-            </a:r>
-            <a:r>
-              <a:rPr lang="en-US" altLang="ko-KR" dirty="0"/>
-              <a:t>user input</a:t>
-            </a:r>
-            <a:r>
-              <a:rPr lang="ko-KR" altLang="en-US" dirty="0"/>
-              <a:t>을 받고</a:t>
-            </a:r>
-            <a:r>
-              <a:rPr lang="en-US" altLang="ko-KR" dirty="0"/>
-              <a:t>, </a:t>
-            </a:r>
-            <a:r>
-              <a:rPr lang="ko-KR" altLang="en-US" dirty="0"/>
-              <a:t>피드백이 없을 때까지 피드백을 받음</a:t>
-            </a:r>
             <a:endParaRPr lang="en-US" altLang="ko-KR" dirty="0"/>
           </a:p>
         </p:txBody>
@@ -11658,7 +16443,7 @@
         </p:blipFill>
         <p:spPr>
           <a:xfrm>
-            <a:off x="6790834" y="2358231"/>
+            <a:off x="6562725" y="1825625"/>
             <a:ext cx="5153517" cy="3286125"/>
           </a:xfrm>
           <a:prstGeom prst="rect">
@@ -11666,6 +16451,62 @@
           </a:prstGeom>
         </p:spPr>
       </p:pic>
+      <p:sp>
+        <p:nvSpPr>
+          <p:cNvPr id="4" name="TextBox 3">
+            <a:extLst>
+              <a:ext uri="{FF2B5EF4-FFF2-40B4-BE49-F238E27FC236}">
+                <a16:creationId xmlns:a16="http://schemas.microsoft.com/office/drawing/2014/main" id="{6C97A547-630C-C92C-0DC4-CC7425E8FBBF}"/>
+              </a:ext>
+            </a:extLst>
+          </p:cNvPr>
+          <p:cNvSpPr txBox="1"/>
+          <p:nvPr/>
+        </p:nvSpPr>
+        <p:spPr>
+          <a:xfrm>
+            <a:off x="838200" y="5602941"/>
+            <a:ext cx="10331674" cy="523220"/>
+          </a:xfrm>
+          <a:prstGeom prst="rect">
+            <a:avLst/>
+          </a:prstGeom>
+          <a:noFill/>
+        </p:spPr>
+        <p:txBody>
+          <a:bodyPr wrap="none" rtlCol="0">
+            <a:spAutoFit/>
+          </a:bodyPr>
+          <a:lstStyle/>
+          <a:p>
+            <a:pPr marL="342900" indent="-342900">
+              <a:buFont typeface="Arial" panose="020B0604020202020204" pitchFamily="34" charset="0"/>
+              <a:buChar char="•"/>
+            </a:pPr>
+            <a:r>
+              <a:rPr lang="ko-KR" altLang="en-US" sz="2800" dirty="0"/>
+              <a:t>다시 </a:t>
+            </a:r>
+            <a:r>
+              <a:rPr lang="en-US" altLang="ko-KR" sz="2800" dirty="0"/>
+              <a:t>user input</a:t>
+            </a:r>
+            <a:r>
+              <a:rPr lang="ko-KR" altLang="en-US" sz="2800" dirty="0"/>
+              <a:t>을 받고</a:t>
+            </a:r>
+            <a:r>
+              <a:rPr lang="en-US" altLang="ko-KR" sz="2800" dirty="0"/>
+              <a:t>, </a:t>
+            </a:r>
+            <a:r>
+              <a:rPr lang="ko-KR" altLang="en-US" sz="2800" dirty="0"/>
+              <a:t>피드백이 없을 때까지 피드백을 받음</a:t>
+            </a:r>
+            <a:endParaRPr lang="en-US" altLang="ko-KR" sz="2800" dirty="0"/>
+          </a:p>
+        </p:txBody>
+      </p:sp>
     </p:spTree>
     <p:extLst>
       <p:ext uri="{BB962C8B-B14F-4D97-AF65-F5344CB8AC3E}">
@@ -11679,7 +16520,7 @@
 </p:sld>
 </file>
 
-<file path=ppt/slides/slide7.xml><?xml version="1.0" encoding="utf-8"?>
+<file path=ppt/slides/slide8.xml><?xml version="1.0" encoding="utf-8"?>
 <p:sld xmlns:a="http://schemas.openxmlformats.org/drawingml/2006/main" xmlns:r="http://schemas.openxmlformats.org/officeDocument/2006/relationships" xmlns:p="http://schemas.openxmlformats.org/presentationml/2006/main">
   <p:cSld>
     <p:spTree>
@@ -11842,7 +16683,7 @@
 </p:sld>
 </file>
 
-<file path=ppt/slides/slide8.xml><?xml version="1.0" encoding="utf-8"?>
+<file path=ppt/slides/slide9.xml><?xml version="1.0" encoding="utf-8"?>
 <p:sld xmlns:a="http://schemas.openxmlformats.org/drawingml/2006/main" xmlns:r="http://schemas.openxmlformats.org/officeDocument/2006/relationships" xmlns:p="http://schemas.openxmlformats.org/presentationml/2006/main">
   <p:cSld>
     <p:spTree>
@@ -11916,10 +16757,6 @@
           </a:bodyPr>
           <a:lstStyle/>
           <a:p>
-            <a:r>
-              <a:rPr lang="ko-KR" altLang="en-US" sz="2000" dirty="0"/>
-              <a:t>옆의 </a:t>
-            </a:r>
             <a:r>
               <a:rPr lang="en-US" altLang="ko-KR" sz="2000" dirty="0"/>
               <a:t>sidebar</a:t>
@@ -11991,135 +16828,6 @@
     <p:extLst>
       <p:ext uri="{BB962C8B-B14F-4D97-AF65-F5344CB8AC3E}">
         <p14:creationId xmlns:p14="http://schemas.microsoft.com/office/powerpoint/2010/main" val="2708183159"/>
-      </p:ext>
-    </p:extLst>
-  </p:cSld>
-  <p:clrMapOvr>
-    <a:masterClrMapping/>
-  </p:clrMapOvr>
-</p:sld>
-</file>
-
-<file path=ppt/slides/slide9.xml><?xml version="1.0" encoding="utf-8"?>
-<p:sld xmlns:a="http://schemas.openxmlformats.org/drawingml/2006/main" xmlns:r="http://schemas.openxmlformats.org/officeDocument/2006/relationships" xmlns:p="http://schemas.openxmlformats.org/presentationml/2006/main">
-  <p:cSld>
-    <p:spTree>
-      <p:nvGrpSpPr>
-        <p:cNvPr id="1" name=""/>
-        <p:cNvGrpSpPr/>
-        <p:nvPr/>
-      </p:nvGrpSpPr>
-      <p:grpSpPr>
-        <a:xfrm>
-          <a:off x="0" y="0"/>
-          <a:ext cx="0" cy="0"/>
-          <a:chOff x="0" y="0"/>
-          <a:chExt cx="0" cy="0"/>
-        </a:xfrm>
-      </p:grpSpPr>
-      <p:sp>
-        <p:nvSpPr>
-          <p:cNvPr id="2" name="제목 1">
-            <a:extLst>
-              <a:ext uri="{FF2B5EF4-FFF2-40B4-BE49-F238E27FC236}">
-                <a16:creationId xmlns:a16="http://schemas.microsoft.com/office/drawing/2014/main" id="{2191A044-9AE8-8DBB-3979-A4D0F284AE70}"/>
-              </a:ext>
-            </a:extLst>
-          </p:cNvPr>
-          <p:cNvSpPr>
-            <a:spLocks noGrp="1"/>
-          </p:cNvSpPr>
-          <p:nvPr>
-            <p:ph type="title"/>
-          </p:nvPr>
-        </p:nvSpPr>
-        <p:spPr/>
-        <p:txBody>
-          <a:bodyPr/>
-          <a:lstStyle/>
-          <a:p>
-            <a:r>
-              <a:rPr lang="en-US" altLang="ko-KR" dirty="0"/>
-              <a:t>Preprocessing</a:t>
-            </a:r>
-            <a:endParaRPr lang="ko-KR" altLang="en-US" dirty="0"/>
-          </a:p>
-        </p:txBody>
-      </p:sp>
-      <p:sp>
-        <p:nvSpPr>
-          <p:cNvPr id="3" name="내용 개체 틀 2">
-            <a:extLst>
-              <a:ext uri="{FF2B5EF4-FFF2-40B4-BE49-F238E27FC236}">
-                <a16:creationId xmlns:a16="http://schemas.microsoft.com/office/drawing/2014/main" id="{77E0432A-A7AC-D2CE-5558-BBCABA0FA946}"/>
-              </a:ext>
-            </a:extLst>
-          </p:cNvPr>
-          <p:cNvSpPr>
-            <a:spLocks noGrp="1"/>
-          </p:cNvSpPr>
-          <p:nvPr>
-            <p:ph idx="1"/>
-          </p:nvPr>
-        </p:nvSpPr>
-        <p:spPr>
-          <a:xfrm>
-            <a:off x="838200" y="5842755"/>
-            <a:ext cx="10515600" cy="650120"/>
-          </a:xfrm>
-        </p:spPr>
-        <p:txBody>
-          <a:bodyPr/>
-          <a:lstStyle/>
-          <a:p>
-            <a:r>
-              <a:rPr lang="ko-KR" altLang="en-US" dirty="0"/>
-              <a:t>초안 작성 과정에서 로그를 유지하려고 노력 </a:t>
-            </a:r>
-            <a:endParaRPr lang="en-US" altLang="ko-KR" dirty="0"/>
-          </a:p>
-        </p:txBody>
-      </p:sp>
-      <p:pic>
-        <p:nvPicPr>
-          <p:cNvPr id="5" name="그림 4">
-            <a:extLst>
-              <a:ext uri="{FF2B5EF4-FFF2-40B4-BE49-F238E27FC236}">
-                <a16:creationId xmlns:a16="http://schemas.microsoft.com/office/drawing/2014/main" id="{6AFD53BA-096A-6860-0FBD-69A81C681380}"/>
-              </a:ext>
-            </a:extLst>
-          </p:cNvPr>
-          <p:cNvPicPr>
-            <a:picLocks noChangeAspect="1"/>
-          </p:cNvPicPr>
-          <p:nvPr/>
-        </p:nvPicPr>
-        <p:blipFill>
-          <a:blip r:embed="rId2">
-            <a:extLst>
-              <a:ext uri="{28A0092B-C50C-407E-A947-70E740481C1C}">
-                <a14:useLocalDpi xmlns:a14="http://schemas.microsoft.com/office/drawing/2010/main" val="0"/>
-              </a:ext>
-            </a:extLst>
-          </a:blip>
-          <a:stretch>
-            <a:fillRect/>
-          </a:stretch>
-        </p:blipFill>
-        <p:spPr>
-          <a:xfrm>
-            <a:off x="838200" y="1547813"/>
-            <a:ext cx="7724775" cy="4152067"/>
-          </a:xfrm>
-          <a:prstGeom prst="rect">
-            <a:avLst/>
-          </a:prstGeom>
-        </p:spPr>
-      </p:pic>
-    </p:spTree>
-    <p:extLst>
-      <p:ext uri="{BB962C8B-B14F-4D97-AF65-F5344CB8AC3E}">
-        <p14:creationId xmlns:p14="http://schemas.microsoft.com/office/powerpoint/2010/main" val="2256987545"/>
       </p:ext>
     </p:extLst>
   </p:cSld>
